--- a/你的愛不離不棄.pptx
+++ b/你的愛不離不棄.pptx
@@ -2,15 +2,19 @@
 <file path=ppt/presentation.xml><?xml version="1.0" encoding="utf-8"?>
 <p:presentation xmlns:a="http://schemas.openxmlformats.org/drawingml/2006/main" xmlns:r="http://schemas.openxmlformats.org/officeDocument/2006/relationships" xmlns:p="http://schemas.openxmlformats.org/presentationml/2006/main" saveSubsetFonts="1">
   <p:sldMasterIdLst>
-    <p:sldMasterId id="2147483660" r:id="rId1"/>
+    <p:sldMasterId id="2147483672" r:id="rId1"/>
   </p:sldMasterIdLst>
   <p:sldIdLst>
-    <p:sldId id="256" r:id="rId2"/>
-    <p:sldId id="257" r:id="rId3"/>
-    <p:sldId id="258" r:id="rId4"/>
-    <p:sldId id="259" r:id="rId5"/>
+    <p:sldId id="260" r:id="rId2"/>
+    <p:sldId id="261" r:id="rId3"/>
+    <p:sldId id="262" r:id="rId4"/>
+    <p:sldId id="263" r:id="rId5"/>
+    <p:sldId id="264" r:id="rId6"/>
+    <p:sldId id="265" r:id="rId7"/>
+    <p:sldId id="266" r:id="rId8"/>
+    <p:sldId id="267" r:id="rId9"/>
   </p:sldIdLst>
-  <p:sldSz cx="9144000" cy="6858000" type="screen4x3"/>
+  <p:sldSz cx="12192000" cy="6858000"/>
   <p:notesSz cx="6858000" cy="9144000"/>
   <p:defaultTextStyle>
     <a:defPPr>
@@ -107,17 +111,28 @@
       </a:defRPr>
     </a:lvl9pPr>
   </p:defaultTextStyle>
+  <p:extLst>
+    <p:ext uri="{EFAFB233-063F-42B5-8137-9DF3F51BA10A}">
+      <p15:sldGuideLst xmlns:p15="http://schemas.microsoft.com/office/powerpoint/2012/main">
+        <p15:guide id="1" orient="horz" pos="2160" userDrawn="1">
+          <p15:clr>
+            <a:srgbClr val="A4A3A4"/>
+          </p15:clr>
+        </p15:guide>
+        <p15:guide id="2" pos="3840" userDrawn="1">
+          <p15:clr>
+            <a:srgbClr val="A4A3A4"/>
+          </p15:clr>
+        </p15:guide>
+      </p15:sldGuideLst>
+    </p:ext>
+  </p:extLst>
 </p:presentation>
 </file>
 
 <file path=ppt/slideLayouts/slideLayout1.xml><?xml version="1.0" encoding="utf-8"?>
 <p:sldLayout xmlns:a="http://schemas.openxmlformats.org/drawingml/2006/main" xmlns:r="http://schemas.openxmlformats.org/officeDocument/2006/relationships" xmlns:p="http://schemas.openxmlformats.org/presentationml/2006/main" type="title" preserve="1">
-  <p:cSld name="Title Slide">
-    <p:bg>
-      <p:bgRef idx="1003">
-        <a:schemeClr val="bg2"/>
-      </p:bgRef>
-    </p:bg>
+  <p:cSld name="標題投影片">
     <p:spTree>
       <p:nvGrpSpPr>
         <p:cNvPr id="1" name=""/>
@@ -134,7 +149,7 @@
       </p:grpSpPr>
       <p:sp>
         <p:nvSpPr>
-          <p:cNvPr id="2" name="Title 1"/>
+          <p:cNvPr id="2" name="標題 1"/>
           <p:cNvSpPr>
             <a:spLocks noGrp="1"/>
           </p:cNvSpPr>
@@ -144,29 +159,25 @@
         </p:nvSpPr>
         <p:spPr>
           <a:xfrm>
-            <a:off x="685800" y="1428736"/>
-            <a:ext cx="7772400" cy="1928826"/>
+            <a:off x="914400" y="2130428"/>
+            <a:ext cx="10363200" cy="1470025"/>
           </a:xfrm>
         </p:spPr>
         <p:txBody>
           <a:bodyPr/>
-          <a:lstStyle>
-            <a:lvl1pPr algn="ctr">
-              <a:defRPr sz="4800"/>
-            </a:lvl1pPr>
-          </a:lstStyle>
-          <a:p>
-            <a:r>
-              <a:rPr kumimoji="0" lang="en-US" smtClean="0"/>
+          <a:lstStyle/>
+          <a:p>
+            <a:r>
+              <a:rPr lang="en-US" altLang="zh-TW" smtClean="0"/>
               <a:t>Click to edit Master title style</a:t>
             </a:r>
-            <a:endParaRPr kumimoji="0" lang="en-US"/>
-          </a:p>
-        </p:txBody>
-      </p:sp>
-      <p:sp>
-        <p:nvSpPr>
-          <p:cNvPr id="3" name="Subtitle 2"/>
+            <a:endParaRPr lang="zh-TW" altLang="en-US"/>
+          </a:p>
+        </p:txBody>
+      </p:sp>
+      <p:sp>
+        <p:nvSpPr>
+          <p:cNvPr id="3" name="副標題 2"/>
           <p:cNvSpPr>
             <a:spLocks noGrp="1"/>
           </p:cNvSpPr>
@@ -176,8 +187,8 @@
         </p:nvSpPr>
         <p:spPr>
           <a:xfrm>
-            <a:off x="1371600" y="3390912"/>
-            <a:ext cx="6400800" cy="1752600"/>
+            <a:off x="1828800" y="3886200"/>
+            <a:ext cx="8534400" cy="1752600"/>
           </a:xfrm>
         </p:spPr>
         <p:txBody>
@@ -185,7 +196,7 @@
           <a:lstStyle>
             <a:lvl1pPr marL="0" indent="0" algn="ctr">
               <a:buNone/>
-              <a:defRPr sz="2800">
+              <a:defRPr>
                 <a:solidFill>
                   <a:schemeClr val="tx1">
                     <a:tint val="75000"/>
@@ -193,7 +204,7 @@
                 </a:solidFill>
               </a:defRPr>
             </a:lvl1pPr>
-            <a:lvl2pPr marL="457200" indent="0" algn="ctr">
+            <a:lvl2pPr marL="457189" indent="0" algn="ctr">
               <a:buNone/>
               <a:defRPr>
                 <a:solidFill>
@@ -203,7 +214,7 @@
                 </a:solidFill>
               </a:defRPr>
             </a:lvl2pPr>
-            <a:lvl3pPr marL="914400" indent="0" algn="ctr">
+            <a:lvl3pPr marL="914378" indent="0" algn="ctr">
               <a:buNone/>
               <a:defRPr>
                 <a:solidFill>
@@ -213,7 +224,7 @@
                 </a:solidFill>
               </a:defRPr>
             </a:lvl3pPr>
-            <a:lvl4pPr marL="1371600" indent="0" algn="ctr">
+            <a:lvl4pPr marL="1371566" indent="0" algn="ctr">
               <a:buNone/>
               <a:defRPr>
                 <a:solidFill>
@@ -223,7 +234,7 @@
                 </a:solidFill>
               </a:defRPr>
             </a:lvl4pPr>
-            <a:lvl5pPr marL="1828800" indent="0" algn="ctr">
+            <a:lvl5pPr marL="1828754" indent="0" algn="ctr">
               <a:buNone/>
               <a:defRPr>
                 <a:solidFill>
@@ -233,7 +244,7 @@
                 </a:solidFill>
               </a:defRPr>
             </a:lvl5pPr>
-            <a:lvl6pPr marL="2286000" indent="0" algn="ctr">
+            <a:lvl6pPr marL="2285943" indent="0" algn="ctr">
               <a:buNone/>
               <a:defRPr>
                 <a:solidFill>
@@ -243,7 +254,7 @@
                 </a:solidFill>
               </a:defRPr>
             </a:lvl6pPr>
-            <a:lvl7pPr marL="2743200" indent="0" algn="ctr">
+            <a:lvl7pPr marL="2743132" indent="0" algn="ctr">
               <a:buNone/>
               <a:defRPr>
                 <a:solidFill>
@@ -253,7 +264,7 @@
                 </a:solidFill>
               </a:defRPr>
             </a:lvl7pPr>
-            <a:lvl8pPr marL="3200400" indent="0" algn="ctr">
+            <a:lvl8pPr marL="3200320" indent="0" algn="ctr">
               <a:buNone/>
               <a:defRPr>
                 <a:solidFill>
@@ -263,7 +274,7 @@
                 </a:solidFill>
               </a:defRPr>
             </a:lvl8pPr>
-            <a:lvl9pPr marL="3657600" indent="0" algn="ctr">
+            <a:lvl9pPr marL="3657509" indent="0" algn="ctr">
               <a:buNone/>
               <a:defRPr>
                 <a:solidFill>
@@ -276,16 +287,16 @@
           </a:lstStyle>
           <a:p>
             <a:r>
-              <a:rPr kumimoji="0" lang="en-US" smtClean="0"/>
+              <a:rPr lang="en-US" altLang="zh-TW" smtClean="0"/>
               <a:t>Click to edit Master subtitle style</a:t>
             </a:r>
-            <a:endParaRPr kumimoji="0" lang="en-US"/>
-          </a:p>
-        </p:txBody>
-      </p:sp>
-      <p:sp>
-        <p:nvSpPr>
-          <p:cNvPr id="4" name="Date Placeholder 3"/>
+            <a:endParaRPr lang="zh-TW" altLang="en-US"/>
+          </a:p>
+        </p:txBody>
+      </p:sp>
+      <p:sp>
+        <p:nvSpPr>
+          <p:cNvPr id="4" name="日期版面配置區 3"/>
           <p:cNvSpPr>
             <a:spLocks noGrp="1"/>
           </p:cNvSpPr>
@@ -300,7 +311,7 @@
           <a:p>
             <a:fld id="{514BF617-2053-40DC-98CF-B6021961C3AC}" type="datetimeFigureOut">
               <a:rPr lang="en-US" smtClean="0"/>
-              <a:t>3/7/2013</a:t>
+              <a:t>3/29/2022</a:t>
             </a:fld>
             <a:endParaRPr lang="en-US"/>
           </a:p>
@@ -308,7 +319,7 @@
       </p:sp>
       <p:sp>
         <p:nvSpPr>
-          <p:cNvPr id="5" name="Footer Placeholder 4"/>
+          <p:cNvPr id="5" name="頁尾版面配置區 4"/>
           <p:cNvSpPr>
             <a:spLocks noGrp="1"/>
           </p:cNvSpPr>
@@ -327,7 +338,7 @@
       </p:sp>
       <p:sp>
         <p:nvSpPr>
-          <p:cNvPr id="6" name="Slide Number Placeholder 5"/>
+          <p:cNvPr id="6" name="投影片編號版面配置區 5"/>
           <p:cNvSpPr>
             <a:spLocks noGrp="1"/>
           </p:cNvSpPr>
@@ -349,16 +360,21 @@
         </p:txBody>
       </p:sp>
     </p:spTree>
+    <p:extLst>
+      <p:ext uri="{BB962C8B-B14F-4D97-AF65-F5344CB8AC3E}">
+        <p14:creationId xmlns:p14="http://schemas.microsoft.com/office/powerpoint/2010/main" val="2572961407"/>
+      </p:ext>
+    </p:extLst>
   </p:cSld>
   <p:clrMapOvr>
-    <a:overrideClrMapping bg1="dk1" tx1="lt1" bg2="dk2" tx2="lt2" accent1="accent1" accent2="accent2" accent3="accent3" accent4="accent4" accent5="accent5" accent6="accent6" hlink="hlink" folHlink="folHlink"/>
+    <a:masterClrMapping/>
   </p:clrMapOvr>
 </p:sldLayout>
 </file>
 
 <file path=ppt/slideLayouts/slideLayout10.xml><?xml version="1.0" encoding="utf-8"?>
 <p:sldLayout xmlns:a="http://schemas.openxmlformats.org/drawingml/2006/main" xmlns:r="http://schemas.openxmlformats.org/officeDocument/2006/relationships" xmlns:p="http://schemas.openxmlformats.org/presentationml/2006/main" type="vertTx" preserve="1">
-  <p:cSld name="Title and Vertical Text">
+  <p:cSld name="標題及直排文字">
     <p:spTree>
       <p:nvGrpSpPr>
         <p:cNvPr id="1" name=""/>
@@ -375,7 +391,7 @@
       </p:grpSpPr>
       <p:sp>
         <p:nvSpPr>
-          <p:cNvPr id="2" name="Title 1"/>
+          <p:cNvPr id="2" name="標題 1"/>
           <p:cNvSpPr>
             <a:spLocks noGrp="1"/>
           </p:cNvSpPr>
@@ -389,16 +405,16 @@
           <a:lstStyle/>
           <a:p>
             <a:r>
-              <a:rPr kumimoji="0" lang="en-US" smtClean="0"/>
+              <a:rPr lang="en-US" altLang="zh-TW" smtClean="0"/>
               <a:t>Click to edit Master title style</a:t>
             </a:r>
-            <a:endParaRPr kumimoji="0" lang="en-US"/>
-          </a:p>
-        </p:txBody>
-      </p:sp>
-      <p:sp>
-        <p:nvSpPr>
-          <p:cNvPr id="3" name="Vertical Text Placeholder 2"/>
+            <a:endParaRPr lang="zh-TW" altLang="en-US"/>
+          </a:p>
+        </p:txBody>
+      </p:sp>
+      <p:sp>
+        <p:nvSpPr>
+          <p:cNvPr id="3" name="直排文字版面配置區 2"/>
           <p:cNvSpPr>
             <a:spLocks noGrp="1"/>
           </p:cNvSpPr>
@@ -406,56 +422,51 @@
             <p:ph type="body" orient="vert" idx="1"/>
           </p:nvPr>
         </p:nvSpPr>
-        <p:spPr>
-          <a:xfrm>
-            <a:off x="457200" y="1500174"/>
-            <a:ext cx="8229600" cy="4857784"/>
-          </a:xfrm>
-        </p:spPr>
+        <p:spPr/>
         <p:txBody>
           <a:bodyPr vert="eaVert"/>
           <a:lstStyle/>
           <a:p>
-            <a:pPr lvl="0" eaLnBrk="1" latinLnBrk="0" hangingPunct="1"/>
-            <a:r>
-              <a:rPr lang="en-US" smtClean="0"/>
-              <a:t>Click to edit Master text styles</a:t>
-            </a:r>
-          </a:p>
-          <a:p>
-            <a:pPr lvl="1" eaLnBrk="1" latinLnBrk="0" hangingPunct="1"/>
-            <a:r>
-              <a:rPr lang="en-US" smtClean="0"/>
+            <a:pPr lvl="0"/>
+            <a:r>
+              <a:rPr lang="en-US" altLang="zh-TW" smtClean="0"/>
+              <a:t>Edit Master text styles</a:t>
+            </a:r>
+          </a:p>
+          <a:p>
+            <a:pPr lvl="1"/>
+            <a:r>
+              <a:rPr lang="en-US" altLang="zh-TW" smtClean="0"/>
               <a:t>Second level</a:t>
             </a:r>
           </a:p>
           <a:p>
-            <a:pPr lvl="2" eaLnBrk="1" latinLnBrk="0" hangingPunct="1"/>
-            <a:r>
-              <a:rPr lang="en-US" smtClean="0"/>
+            <a:pPr lvl="2"/>
+            <a:r>
+              <a:rPr lang="en-US" altLang="zh-TW" smtClean="0"/>
               <a:t>Third level</a:t>
             </a:r>
           </a:p>
           <a:p>
-            <a:pPr lvl="3" eaLnBrk="1" latinLnBrk="0" hangingPunct="1"/>
-            <a:r>
-              <a:rPr lang="en-US" smtClean="0"/>
+            <a:pPr lvl="3"/>
+            <a:r>
+              <a:rPr lang="en-US" altLang="zh-TW" smtClean="0"/>
               <a:t>Fourth level</a:t>
             </a:r>
           </a:p>
           <a:p>
-            <a:pPr lvl="4" eaLnBrk="1" latinLnBrk="0" hangingPunct="1"/>
-            <a:r>
-              <a:rPr lang="en-US" smtClean="0"/>
+            <a:pPr lvl="4"/>
+            <a:r>
+              <a:rPr lang="en-US" altLang="zh-TW" smtClean="0"/>
               <a:t>Fifth level</a:t>
             </a:r>
-            <a:endParaRPr kumimoji="0" lang="en-US"/>
-          </a:p>
-        </p:txBody>
-      </p:sp>
-      <p:sp>
-        <p:nvSpPr>
-          <p:cNvPr id="4" name="Date Placeholder 3"/>
+            <a:endParaRPr lang="zh-TW" altLang="en-US"/>
+          </a:p>
+        </p:txBody>
+      </p:sp>
+      <p:sp>
+        <p:nvSpPr>
+          <p:cNvPr id="4" name="日期版面配置區 3"/>
           <p:cNvSpPr>
             <a:spLocks noGrp="1"/>
           </p:cNvSpPr>
@@ -470,7 +481,7 @@
           <a:p>
             <a:fld id="{514BF617-2053-40DC-98CF-B6021961C3AC}" type="datetimeFigureOut">
               <a:rPr lang="en-US" smtClean="0"/>
-              <a:t>3/7/2013</a:t>
+              <a:t>3/29/2022</a:t>
             </a:fld>
             <a:endParaRPr lang="en-US"/>
           </a:p>
@@ -478,7 +489,7 @@
       </p:sp>
       <p:sp>
         <p:nvSpPr>
-          <p:cNvPr id="5" name="Footer Placeholder 4"/>
+          <p:cNvPr id="5" name="頁尾版面配置區 4"/>
           <p:cNvSpPr>
             <a:spLocks noGrp="1"/>
           </p:cNvSpPr>
@@ -497,7 +508,7 @@
       </p:sp>
       <p:sp>
         <p:nvSpPr>
-          <p:cNvPr id="6" name="Slide Number Placeholder 5"/>
+          <p:cNvPr id="6" name="投影片編號版面配置區 5"/>
           <p:cNvSpPr>
             <a:spLocks noGrp="1"/>
           </p:cNvSpPr>
@@ -519,6 +530,11 @@
         </p:txBody>
       </p:sp>
     </p:spTree>
+    <p:extLst>
+      <p:ext uri="{BB962C8B-B14F-4D97-AF65-F5344CB8AC3E}">
+        <p14:creationId xmlns:p14="http://schemas.microsoft.com/office/powerpoint/2010/main" val="550962122"/>
+      </p:ext>
+    </p:extLst>
   </p:cSld>
   <p:clrMapOvr>
     <a:masterClrMapping/>
@@ -528,7 +544,7 @@
 
 <file path=ppt/slideLayouts/slideLayout11.xml><?xml version="1.0" encoding="utf-8"?>
 <p:sldLayout xmlns:a="http://schemas.openxmlformats.org/drawingml/2006/main" xmlns:r="http://schemas.openxmlformats.org/officeDocument/2006/relationships" xmlns:p="http://schemas.openxmlformats.org/presentationml/2006/main" type="vertTitleAndTx" preserve="1">
-  <p:cSld name="Vertical Title and Text">
+  <p:cSld name="直排標題及文字">
     <p:spTree>
       <p:nvGrpSpPr>
         <p:cNvPr id="1" name=""/>
@@ -545,7 +561,7 @@
       </p:grpSpPr>
       <p:sp>
         <p:nvSpPr>
-          <p:cNvPr id="2" name="Vertical Title 1"/>
+          <p:cNvPr id="2" name="直排標題 1"/>
           <p:cNvSpPr>
             <a:spLocks noGrp="1"/>
           </p:cNvSpPr>
@@ -555,8 +571,8 @@
         </p:nvSpPr>
         <p:spPr>
           <a:xfrm>
-            <a:off x="7072330" y="274638"/>
-            <a:ext cx="1614470" cy="6083320"/>
+            <a:off x="8839200" y="274641"/>
+            <a:ext cx="2743200" cy="5851525"/>
           </a:xfrm>
         </p:spPr>
         <p:txBody>
@@ -564,16 +580,16 @@
           <a:lstStyle/>
           <a:p>
             <a:r>
-              <a:rPr kumimoji="0" lang="en-US" smtClean="0"/>
+              <a:rPr lang="en-US" altLang="zh-TW" smtClean="0"/>
               <a:t>Click to edit Master title style</a:t>
             </a:r>
-            <a:endParaRPr kumimoji="0" lang="en-US"/>
-          </a:p>
-        </p:txBody>
-      </p:sp>
-      <p:sp>
-        <p:nvSpPr>
-          <p:cNvPr id="3" name="Vertical Text Placeholder 2"/>
+            <a:endParaRPr lang="zh-TW" altLang="en-US"/>
+          </a:p>
+        </p:txBody>
+      </p:sp>
+      <p:sp>
+        <p:nvSpPr>
+          <p:cNvPr id="3" name="直排文字版面配置區 2"/>
           <p:cNvSpPr>
             <a:spLocks noGrp="1"/>
           </p:cNvSpPr>
@@ -583,54 +599,54 @@
         </p:nvSpPr>
         <p:spPr>
           <a:xfrm>
-            <a:off x="457200" y="274638"/>
-            <a:ext cx="6543692" cy="6083320"/>
+            <a:off x="609600" y="274641"/>
+            <a:ext cx="8026400" cy="5851525"/>
           </a:xfrm>
         </p:spPr>
         <p:txBody>
           <a:bodyPr vert="eaVert"/>
           <a:lstStyle/>
           <a:p>
-            <a:pPr lvl="0" eaLnBrk="1" latinLnBrk="0" hangingPunct="1"/>
-            <a:r>
-              <a:rPr lang="en-US" smtClean="0"/>
-              <a:t>Click to edit Master text styles</a:t>
-            </a:r>
-          </a:p>
-          <a:p>
-            <a:pPr lvl="1" eaLnBrk="1" latinLnBrk="0" hangingPunct="1"/>
-            <a:r>
-              <a:rPr lang="en-US" smtClean="0"/>
+            <a:pPr lvl="0"/>
+            <a:r>
+              <a:rPr lang="en-US" altLang="zh-TW" smtClean="0"/>
+              <a:t>Edit Master text styles</a:t>
+            </a:r>
+          </a:p>
+          <a:p>
+            <a:pPr lvl="1"/>
+            <a:r>
+              <a:rPr lang="en-US" altLang="zh-TW" smtClean="0"/>
               <a:t>Second level</a:t>
             </a:r>
           </a:p>
           <a:p>
-            <a:pPr lvl="2" eaLnBrk="1" latinLnBrk="0" hangingPunct="1"/>
-            <a:r>
-              <a:rPr lang="en-US" smtClean="0"/>
+            <a:pPr lvl="2"/>
+            <a:r>
+              <a:rPr lang="en-US" altLang="zh-TW" smtClean="0"/>
               <a:t>Third level</a:t>
             </a:r>
           </a:p>
           <a:p>
-            <a:pPr lvl="3" eaLnBrk="1" latinLnBrk="0" hangingPunct="1"/>
-            <a:r>
-              <a:rPr lang="en-US" smtClean="0"/>
+            <a:pPr lvl="3"/>
+            <a:r>
+              <a:rPr lang="en-US" altLang="zh-TW" smtClean="0"/>
               <a:t>Fourth level</a:t>
             </a:r>
           </a:p>
           <a:p>
-            <a:pPr lvl="4" eaLnBrk="1" latinLnBrk="0" hangingPunct="1"/>
-            <a:r>
-              <a:rPr lang="en-US" smtClean="0"/>
+            <a:pPr lvl="4"/>
+            <a:r>
+              <a:rPr lang="en-US" altLang="zh-TW" smtClean="0"/>
               <a:t>Fifth level</a:t>
             </a:r>
-            <a:endParaRPr kumimoji="0" lang="en-US"/>
-          </a:p>
-        </p:txBody>
-      </p:sp>
-      <p:sp>
-        <p:nvSpPr>
-          <p:cNvPr id="4" name="Date Placeholder 3"/>
+            <a:endParaRPr lang="zh-TW" altLang="en-US"/>
+          </a:p>
+        </p:txBody>
+      </p:sp>
+      <p:sp>
+        <p:nvSpPr>
+          <p:cNvPr id="4" name="日期版面配置區 3"/>
           <p:cNvSpPr>
             <a:spLocks noGrp="1"/>
           </p:cNvSpPr>
@@ -645,7 +661,7 @@
           <a:p>
             <a:fld id="{514BF617-2053-40DC-98CF-B6021961C3AC}" type="datetimeFigureOut">
               <a:rPr lang="en-US" smtClean="0"/>
-              <a:t>3/7/2013</a:t>
+              <a:t>3/29/2022</a:t>
             </a:fld>
             <a:endParaRPr lang="en-US"/>
           </a:p>
@@ -653,7 +669,7 @@
       </p:sp>
       <p:sp>
         <p:nvSpPr>
-          <p:cNvPr id="5" name="Footer Placeholder 4"/>
+          <p:cNvPr id="5" name="頁尾版面配置區 4"/>
           <p:cNvSpPr>
             <a:spLocks noGrp="1"/>
           </p:cNvSpPr>
@@ -672,7 +688,7 @@
       </p:sp>
       <p:sp>
         <p:nvSpPr>
-          <p:cNvPr id="6" name="Slide Number Placeholder 5"/>
+          <p:cNvPr id="6" name="投影片編號版面配置區 5"/>
           <p:cNvSpPr>
             <a:spLocks noGrp="1"/>
           </p:cNvSpPr>
@@ -694,6 +710,11 @@
         </p:txBody>
       </p:sp>
     </p:spTree>
+    <p:extLst>
+      <p:ext uri="{BB962C8B-B14F-4D97-AF65-F5344CB8AC3E}">
+        <p14:creationId xmlns:p14="http://schemas.microsoft.com/office/powerpoint/2010/main" val="2504392865"/>
+      </p:ext>
+    </p:extLst>
   </p:cSld>
   <p:clrMapOvr>
     <a:masterClrMapping/>
@@ -703,7 +724,7 @@
 
 <file path=ppt/slideLayouts/slideLayout2.xml><?xml version="1.0" encoding="utf-8"?>
 <p:sldLayout xmlns:a="http://schemas.openxmlformats.org/drawingml/2006/main" xmlns:r="http://schemas.openxmlformats.org/officeDocument/2006/relationships" xmlns:p="http://schemas.openxmlformats.org/presentationml/2006/main" type="obj" preserve="1">
-  <p:cSld name="Title and Content">
+  <p:cSld name="標題及物件">
     <p:spTree>
       <p:nvGrpSpPr>
         <p:cNvPr id="1" name=""/>
@@ -720,7 +741,7 @@
       </p:grpSpPr>
       <p:sp>
         <p:nvSpPr>
-          <p:cNvPr id="2" name="Title 1"/>
+          <p:cNvPr id="2" name="標題 1"/>
           <p:cNvSpPr>
             <a:spLocks noGrp="1"/>
           </p:cNvSpPr>
@@ -734,16 +755,16 @@
           <a:lstStyle/>
           <a:p>
             <a:r>
-              <a:rPr kumimoji="0" lang="en-US" smtClean="0"/>
+              <a:rPr lang="en-US" altLang="zh-TW" smtClean="0"/>
               <a:t>Click to edit Master title style</a:t>
             </a:r>
-            <a:endParaRPr kumimoji="0" lang="en-US"/>
-          </a:p>
-        </p:txBody>
-      </p:sp>
-      <p:sp>
-        <p:nvSpPr>
-          <p:cNvPr id="3" name="Content Placeholder 2"/>
+            <a:endParaRPr lang="zh-TW" altLang="en-US"/>
+          </a:p>
+        </p:txBody>
+      </p:sp>
+      <p:sp>
+        <p:nvSpPr>
+          <p:cNvPr id="3" name="內容版面配置區 2"/>
           <p:cNvSpPr>
             <a:spLocks noGrp="1"/>
           </p:cNvSpPr>
@@ -756,46 +777,46 @@
           <a:bodyPr/>
           <a:lstStyle/>
           <a:p>
-            <a:pPr lvl="0" eaLnBrk="1" latinLnBrk="0" hangingPunct="1"/>
-            <a:r>
-              <a:rPr lang="en-US" smtClean="0"/>
-              <a:t>Click to edit Master text styles</a:t>
-            </a:r>
-          </a:p>
-          <a:p>
-            <a:pPr lvl="1" eaLnBrk="1" latinLnBrk="0" hangingPunct="1"/>
-            <a:r>
-              <a:rPr lang="en-US" smtClean="0"/>
+            <a:pPr lvl="0"/>
+            <a:r>
+              <a:rPr lang="en-US" altLang="zh-TW" smtClean="0"/>
+              <a:t>Edit Master text styles</a:t>
+            </a:r>
+          </a:p>
+          <a:p>
+            <a:pPr lvl="1"/>
+            <a:r>
+              <a:rPr lang="en-US" altLang="zh-TW" smtClean="0"/>
               <a:t>Second level</a:t>
             </a:r>
           </a:p>
           <a:p>
-            <a:pPr lvl="2" eaLnBrk="1" latinLnBrk="0" hangingPunct="1"/>
-            <a:r>
-              <a:rPr lang="en-US" smtClean="0"/>
+            <a:pPr lvl="2"/>
+            <a:r>
+              <a:rPr lang="en-US" altLang="zh-TW" smtClean="0"/>
               <a:t>Third level</a:t>
             </a:r>
           </a:p>
           <a:p>
-            <a:pPr lvl="3" eaLnBrk="1" latinLnBrk="0" hangingPunct="1"/>
-            <a:r>
-              <a:rPr lang="en-US" smtClean="0"/>
+            <a:pPr lvl="3"/>
+            <a:r>
+              <a:rPr lang="en-US" altLang="zh-TW" smtClean="0"/>
               <a:t>Fourth level</a:t>
             </a:r>
           </a:p>
           <a:p>
-            <a:pPr lvl="4" eaLnBrk="1" latinLnBrk="0" hangingPunct="1"/>
-            <a:r>
-              <a:rPr lang="en-US" smtClean="0"/>
+            <a:pPr lvl="4"/>
+            <a:r>
+              <a:rPr lang="en-US" altLang="zh-TW" smtClean="0"/>
               <a:t>Fifth level</a:t>
             </a:r>
-            <a:endParaRPr kumimoji="0" lang="en-US"/>
-          </a:p>
-        </p:txBody>
-      </p:sp>
-      <p:sp>
-        <p:nvSpPr>
-          <p:cNvPr id="4" name="Date Placeholder 3"/>
+            <a:endParaRPr lang="zh-TW" altLang="en-US"/>
+          </a:p>
+        </p:txBody>
+      </p:sp>
+      <p:sp>
+        <p:nvSpPr>
+          <p:cNvPr id="4" name="日期版面配置區 3"/>
           <p:cNvSpPr>
             <a:spLocks noGrp="1"/>
           </p:cNvSpPr>
@@ -810,7 +831,7 @@
           <a:p>
             <a:fld id="{514BF617-2053-40DC-98CF-B6021961C3AC}" type="datetimeFigureOut">
               <a:rPr lang="en-US" smtClean="0"/>
-              <a:t>3/7/2013</a:t>
+              <a:t>3/29/2022</a:t>
             </a:fld>
             <a:endParaRPr lang="en-US"/>
           </a:p>
@@ -818,7 +839,7 @@
       </p:sp>
       <p:sp>
         <p:nvSpPr>
-          <p:cNvPr id="5" name="Footer Placeholder 4"/>
+          <p:cNvPr id="5" name="頁尾版面配置區 4"/>
           <p:cNvSpPr>
             <a:spLocks noGrp="1"/>
           </p:cNvSpPr>
@@ -837,7 +858,7 @@
       </p:sp>
       <p:sp>
         <p:nvSpPr>
-          <p:cNvPr id="6" name="Slide Number Placeholder 5"/>
+          <p:cNvPr id="6" name="投影片編號版面配置區 5"/>
           <p:cNvSpPr>
             <a:spLocks noGrp="1"/>
           </p:cNvSpPr>
@@ -859,6 +880,11 @@
         </p:txBody>
       </p:sp>
     </p:spTree>
+    <p:extLst>
+      <p:ext uri="{BB962C8B-B14F-4D97-AF65-F5344CB8AC3E}">
+        <p14:creationId xmlns:p14="http://schemas.microsoft.com/office/powerpoint/2010/main" val="4158674976"/>
+      </p:ext>
+    </p:extLst>
   </p:cSld>
   <p:clrMapOvr>
     <a:masterClrMapping/>
@@ -868,12 +894,7 @@
 
 <file path=ppt/slideLayouts/slideLayout3.xml><?xml version="1.0" encoding="utf-8"?>
 <p:sldLayout xmlns:a="http://schemas.openxmlformats.org/drawingml/2006/main" xmlns:r="http://schemas.openxmlformats.org/officeDocument/2006/relationships" xmlns:p="http://schemas.openxmlformats.org/presentationml/2006/main" type="secHead" preserve="1">
-  <p:cSld name="Section Header">
-    <p:bg>
-      <p:bgRef idx="1003">
-        <a:schemeClr val="bg2"/>
-      </p:bgRef>
-    </p:bg>
+  <p:cSld name="區段標題">
     <p:spTree>
       <p:nvGrpSpPr>
         <p:cNvPr id="1" name=""/>
@@ -890,7 +911,7 @@
       </p:grpSpPr>
       <p:sp>
         <p:nvSpPr>
-          <p:cNvPr id="2" name="Title 1"/>
+          <p:cNvPr id="2" name="標題 1"/>
           <p:cNvSpPr>
             <a:spLocks noGrp="1"/>
           </p:cNvSpPr>
@@ -900,29 +921,29 @@
         </p:nvSpPr>
         <p:spPr>
           <a:xfrm>
-            <a:off x="722313" y="3214676"/>
-            <a:ext cx="7772400" cy="1500209"/>
+            <a:off x="963084" y="4406903"/>
+            <a:ext cx="10363200" cy="1362075"/>
           </a:xfrm>
         </p:spPr>
         <p:txBody>
           <a:bodyPr anchor="t"/>
           <a:lstStyle>
-            <a:lvl1pPr algn="ctr">
+            <a:lvl1pPr algn="l">
               <a:defRPr sz="4000" b="1" cap="all"/>
             </a:lvl1pPr>
           </a:lstStyle>
           <a:p>
             <a:r>
-              <a:rPr kumimoji="0" lang="en-US" smtClean="0"/>
+              <a:rPr lang="en-US" altLang="zh-TW" smtClean="0"/>
               <a:t>Click to edit Master title style</a:t>
             </a:r>
-            <a:endParaRPr kumimoji="0" lang="en-US"/>
-          </a:p>
-        </p:txBody>
-      </p:sp>
-      <p:sp>
-        <p:nvSpPr>
-          <p:cNvPr id="3" name="Text Placeholder 2"/>
+            <a:endParaRPr lang="zh-TW" altLang="en-US"/>
+          </a:p>
+        </p:txBody>
+      </p:sp>
+      <p:sp>
+        <p:nvSpPr>
+          <p:cNvPr id="3" name="文字版面配置區 2"/>
           <p:cNvSpPr>
             <a:spLocks noGrp="1"/>
           </p:cNvSpPr>
@@ -932,14 +953,14 @@
         </p:nvSpPr>
         <p:spPr>
           <a:xfrm>
-            <a:off x="722313" y="1714488"/>
-            <a:ext cx="7772400" cy="1500187"/>
+            <a:off x="963084" y="2906713"/>
+            <a:ext cx="10363200" cy="1500187"/>
           </a:xfrm>
         </p:spPr>
         <p:txBody>
           <a:bodyPr anchor="b"/>
           <a:lstStyle>
-            <a:lvl1pPr marL="0" indent="0" algn="ctr">
+            <a:lvl1pPr marL="0" indent="0">
               <a:buNone/>
               <a:defRPr sz="2000">
                 <a:solidFill>
@@ -949,7 +970,7 @@
                 </a:solidFill>
               </a:defRPr>
             </a:lvl1pPr>
-            <a:lvl2pPr marL="457200" indent="0" algn="ctr">
+            <a:lvl2pPr marL="457189" indent="0">
               <a:buNone/>
               <a:defRPr sz="1800">
                 <a:solidFill>
@@ -959,7 +980,7 @@
                 </a:solidFill>
               </a:defRPr>
             </a:lvl2pPr>
-            <a:lvl3pPr marL="914400" indent="0" algn="ctr">
+            <a:lvl3pPr marL="914378" indent="0">
               <a:buNone/>
               <a:defRPr sz="1600">
                 <a:solidFill>
@@ -969,7 +990,7 @@
                 </a:solidFill>
               </a:defRPr>
             </a:lvl3pPr>
-            <a:lvl4pPr marL="1371600" indent="0" algn="ctr">
+            <a:lvl4pPr marL="1371566" indent="0">
               <a:buNone/>
               <a:defRPr sz="1400">
                 <a:solidFill>
@@ -979,7 +1000,7 @@
                 </a:solidFill>
               </a:defRPr>
             </a:lvl4pPr>
-            <a:lvl5pPr marL="1828800" indent="0" algn="ctr">
+            <a:lvl5pPr marL="1828754" indent="0">
               <a:buNone/>
               <a:defRPr sz="1400">
                 <a:solidFill>
@@ -989,7 +1010,7 @@
                 </a:solidFill>
               </a:defRPr>
             </a:lvl5pPr>
-            <a:lvl6pPr marL="2286000" indent="0">
+            <a:lvl6pPr marL="2285943" indent="0">
               <a:buNone/>
               <a:defRPr sz="1400">
                 <a:solidFill>
@@ -999,7 +1020,7 @@
                 </a:solidFill>
               </a:defRPr>
             </a:lvl6pPr>
-            <a:lvl7pPr marL="2743200" indent="0">
+            <a:lvl7pPr marL="2743132" indent="0">
               <a:buNone/>
               <a:defRPr sz="1400">
                 <a:solidFill>
@@ -1009,7 +1030,7 @@
                 </a:solidFill>
               </a:defRPr>
             </a:lvl7pPr>
-            <a:lvl8pPr marL="3200400" indent="0">
+            <a:lvl8pPr marL="3200320" indent="0">
               <a:buNone/>
               <a:defRPr sz="1400">
                 <a:solidFill>
@@ -1019,7 +1040,7 @@
                 </a:solidFill>
               </a:defRPr>
             </a:lvl8pPr>
-            <a:lvl9pPr marL="3657600" indent="0">
+            <a:lvl9pPr marL="3657509" indent="0">
               <a:buNone/>
               <a:defRPr sz="1400">
                 <a:solidFill>
@@ -1031,46 +1052,17 @@
             </a:lvl9pPr>
           </a:lstStyle>
           <a:p>
-            <a:pPr lvl="0" eaLnBrk="1" latinLnBrk="0" hangingPunct="1"/>
-            <a:r>
-              <a:rPr lang="en-US" smtClean="0"/>
-              <a:t>Click to edit Master text styles</a:t>
-            </a:r>
-          </a:p>
-          <a:p>
-            <a:pPr lvl="1" eaLnBrk="1" latinLnBrk="0" hangingPunct="1"/>
-            <a:r>
-              <a:rPr lang="en-US" smtClean="0"/>
-              <a:t>Second level</a:t>
-            </a:r>
-          </a:p>
-          <a:p>
-            <a:pPr lvl="2" eaLnBrk="1" latinLnBrk="0" hangingPunct="1"/>
-            <a:r>
-              <a:rPr lang="en-US" smtClean="0"/>
-              <a:t>Third level</a:t>
-            </a:r>
-          </a:p>
-          <a:p>
-            <a:pPr lvl="3" eaLnBrk="1" latinLnBrk="0" hangingPunct="1"/>
-            <a:r>
-              <a:rPr lang="en-US" smtClean="0"/>
-              <a:t>Fourth level</a:t>
-            </a:r>
-          </a:p>
-          <a:p>
-            <a:pPr lvl="4" eaLnBrk="1" latinLnBrk="0" hangingPunct="1"/>
-            <a:r>
-              <a:rPr lang="en-US" smtClean="0"/>
-              <a:t>Fifth level</a:t>
-            </a:r>
-            <a:endParaRPr kumimoji="0" lang="en-US"/>
-          </a:p>
-        </p:txBody>
-      </p:sp>
-      <p:sp>
-        <p:nvSpPr>
-          <p:cNvPr id="4" name="Date Placeholder 3"/>
+            <a:pPr lvl="0"/>
+            <a:r>
+              <a:rPr lang="en-US" altLang="zh-TW" smtClean="0"/>
+              <a:t>Edit Master text styles</a:t>
+            </a:r>
+          </a:p>
+        </p:txBody>
+      </p:sp>
+      <p:sp>
+        <p:nvSpPr>
+          <p:cNvPr id="4" name="日期版面配置區 3"/>
           <p:cNvSpPr>
             <a:spLocks noGrp="1"/>
           </p:cNvSpPr>
@@ -1085,7 +1077,7 @@
           <a:p>
             <a:fld id="{514BF617-2053-40DC-98CF-B6021961C3AC}" type="datetimeFigureOut">
               <a:rPr lang="en-US" smtClean="0"/>
-              <a:t>3/7/2013</a:t>
+              <a:t>3/29/2022</a:t>
             </a:fld>
             <a:endParaRPr lang="en-US"/>
           </a:p>
@@ -1093,7 +1085,7 @@
       </p:sp>
       <p:sp>
         <p:nvSpPr>
-          <p:cNvPr id="5" name="Footer Placeholder 4"/>
+          <p:cNvPr id="5" name="頁尾版面配置區 4"/>
           <p:cNvSpPr>
             <a:spLocks noGrp="1"/>
           </p:cNvSpPr>
@@ -1112,7 +1104,7 @@
       </p:sp>
       <p:sp>
         <p:nvSpPr>
-          <p:cNvPr id="6" name="Slide Number Placeholder 5"/>
+          <p:cNvPr id="6" name="投影片編號版面配置區 5"/>
           <p:cNvSpPr>
             <a:spLocks noGrp="1"/>
           </p:cNvSpPr>
@@ -1134,16 +1126,21 @@
         </p:txBody>
       </p:sp>
     </p:spTree>
+    <p:extLst>
+      <p:ext uri="{BB962C8B-B14F-4D97-AF65-F5344CB8AC3E}">
+        <p14:creationId xmlns:p14="http://schemas.microsoft.com/office/powerpoint/2010/main" val="711833778"/>
+      </p:ext>
+    </p:extLst>
   </p:cSld>
   <p:clrMapOvr>
-    <a:overrideClrMapping bg1="dk1" tx1="lt1" bg2="dk2" tx2="lt2" accent1="accent1" accent2="accent2" accent3="accent3" accent4="accent4" accent5="accent5" accent6="accent6" hlink="hlink" folHlink="folHlink"/>
+    <a:masterClrMapping/>
   </p:clrMapOvr>
 </p:sldLayout>
 </file>
 
 <file path=ppt/slideLayouts/slideLayout4.xml><?xml version="1.0" encoding="utf-8"?>
 <p:sldLayout xmlns:a="http://schemas.openxmlformats.org/drawingml/2006/main" xmlns:r="http://schemas.openxmlformats.org/officeDocument/2006/relationships" xmlns:p="http://schemas.openxmlformats.org/presentationml/2006/main" type="twoObj" preserve="1">
-  <p:cSld name="Two Content">
+  <p:cSld name="兩項物件">
     <p:spTree>
       <p:nvGrpSpPr>
         <p:cNvPr id="1" name=""/>
@@ -1160,7 +1157,7 @@
       </p:grpSpPr>
       <p:sp>
         <p:nvSpPr>
-          <p:cNvPr id="2" name="Title 1"/>
+          <p:cNvPr id="2" name="標題 1"/>
           <p:cNvSpPr>
             <a:spLocks noGrp="1"/>
           </p:cNvSpPr>
@@ -1169,165 +1166,50 @@
           </p:nvPr>
         </p:nvSpPr>
         <p:spPr/>
+        <p:txBody>
+          <a:bodyPr/>
+          <a:lstStyle/>
+          <a:p>
+            <a:r>
+              <a:rPr lang="en-US" altLang="zh-TW" smtClean="0"/>
+              <a:t>Click to edit Master title style</a:t>
+            </a:r>
+            <a:endParaRPr lang="zh-TW" altLang="en-US"/>
+          </a:p>
+        </p:txBody>
+      </p:sp>
+      <p:sp>
+        <p:nvSpPr>
+          <p:cNvPr id="3" name="內容版面配置區 2"/>
+          <p:cNvSpPr>
+            <a:spLocks noGrp="1"/>
+          </p:cNvSpPr>
+          <p:nvPr>
+            <p:ph sz="half" idx="1"/>
+          </p:nvPr>
+        </p:nvSpPr>
+        <p:spPr>
+          <a:xfrm>
+            <a:off x="609600" y="1600203"/>
+            <a:ext cx="5384800" cy="4525963"/>
+          </a:xfrm>
+        </p:spPr>
         <p:txBody>
           <a:bodyPr/>
           <a:lstStyle>
-            <a:lvl1pPr algn="ctr">
-              <a:defRPr/>
-            </a:lvl1pPr>
-          </a:lstStyle>
-          <a:p>
-            <a:r>
-              <a:rPr kumimoji="0" lang="en-US" smtClean="0"/>
-              <a:t>Click to edit Master title style</a:t>
-            </a:r>
-            <a:endParaRPr kumimoji="0" lang="en-US"/>
-          </a:p>
-        </p:txBody>
-      </p:sp>
-      <p:sp>
-        <p:nvSpPr>
-          <p:cNvPr id="3" name="Content Placeholder 2"/>
-          <p:cNvSpPr>
-            <a:spLocks noGrp="1"/>
-          </p:cNvSpPr>
-          <p:nvPr>
-            <p:ph sz="half" idx="1"/>
-          </p:nvPr>
-        </p:nvSpPr>
-        <p:spPr>
-          <a:xfrm>
-            <a:off x="457200" y="1600200"/>
-            <a:ext cx="4038600" cy="4757758"/>
-          </a:xfrm>
-          <a:ln w="3175">
-            <a:solidFill>
-              <a:schemeClr val="tx2">
-                <a:shade val="50000"/>
-              </a:schemeClr>
-            </a:solidFill>
-          </a:ln>
-          <a:effectLst/>
-        </p:spPr>
-        <p:txBody>
-          <a:bodyPr/>
-          <a:lstStyle>
-            <a:lvl1pPr algn="l">
-              <a:defRPr sz="2800">
-                <a:effectLst/>
-              </a:defRPr>
-            </a:lvl1pPr>
-            <a:lvl2pPr algn="l">
-              <a:defRPr sz="2400">
-                <a:effectLst/>
-              </a:defRPr>
-            </a:lvl2pPr>
-            <a:lvl3pPr algn="l">
-              <a:defRPr sz="2000">
-                <a:effectLst/>
-              </a:defRPr>
-            </a:lvl3pPr>
-            <a:lvl4pPr algn="l">
-              <a:defRPr sz="1800">
-                <a:effectLst/>
-              </a:defRPr>
-            </a:lvl4pPr>
-            <a:lvl5pPr algn="l">
-              <a:defRPr sz="1800">
-                <a:effectLst/>
-              </a:defRPr>
-            </a:lvl5pPr>
-            <a:lvl6pPr>
-              <a:defRPr sz="1800"/>
-            </a:lvl6pPr>
-            <a:lvl7pPr>
-              <a:defRPr sz="1800"/>
-            </a:lvl7pPr>
-            <a:lvl8pPr>
-              <a:defRPr sz="1800"/>
-            </a:lvl8pPr>
-            <a:lvl9pPr>
-              <a:defRPr sz="1800"/>
-            </a:lvl9pPr>
-          </a:lstStyle>
-          <a:p>
-            <a:pPr lvl="0" eaLnBrk="1" latinLnBrk="0" hangingPunct="1"/>
-            <a:r>
-              <a:rPr lang="en-US" smtClean="0"/>
-              <a:t>Click to edit Master text styles</a:t>
-            </a:r>
-          </a:p>
-          <a:p>
-            <a:pPr lvl="1" eaLnBrk="1" latinLnBrk="0" hangingPunct="1"/>
-            <a:r>
-              <a:rPr lang="en-US" smtClean="0"/>
-              <a:t>Second level</a:t>
-            </a:r>
-          </a:p>
-          <a:p>
-            <a:pPr lvl="2" eaLnBrk="1" latinLnBrk="0" hangingPunct="1"/>
-            <a:r>
-              <a:rPr lang="en-US" smtClean="0"/>
-              <a:t>Third level</a:t>
-            </a:r>
-          </a:p>
-          <a:p>
-            <a:pPr lvl="3" eaLnBrk="1" latinLnBrk="0" hangingPunct="1"/>
-            <a:r>
-              <a:rPr lang="en-US" smtClean="0"/>
-              <a:t>Fourth level</a:t>
-            </a:r>
-          </a:p>
-          <a:p>
-            <a:pPr lvl="4" eaLnBrk="1" latinLnBrk="0" hangingPunct="1"/>
-            <a:r>
-              <a:rPr lang="en-US" smtClean="0"/>
-              <a:t>Fifth level</a:t>
-            </a:r>
-            <a:endParaRPr kumimoji="0" lang="en-US"/>
-          </a:p>
-        </p:txBody>
-      </p:sp>
-      <p:sp>
-        <p:nvSpPr>
-          <p:cNvPr id="4" name="Content Placeholder 3"/>
-          <p:cNvSpPr>
-            <a:spLocks noGrp="1"/>
-          </p:cNvSpPr>
-          <p:nvPr>
-            <p:ph sz="half" idx="2"/>
-          </p:nvPr>
-        </p:nvSpPr>
-        <p:spPr>
-          <a:xfrm>
-            <a:off x="4648200" y="1600200"/>
-            <a:ext cx="4038600" cy="4757758"/>
-          </a:xfrm>
-          <a:ln w="3175">
-            <a:solidFill>
-              <a:schemeClr val="tx2">
-                <a:shade val="50000"/>
-              </a:schemeClr>
-            </a:solidFill>
-          </a:ln>
-          <a:effectLst/>
-        </p:spPr>
-        <p:txBody>
-          <a:bodyPr/>
-          <a:lstStyle>
-            <a:lvl1pPr algn="l">
+            <a:lvl1pPr>
               <a:defRPr sz="2800"/>
             </a:lvl1pPr>
-            <a:lvl2pPr algn="l">
+            <a:lvl2pPr>
               <a:defRPr sz="2400"/>
             </a:lvl2pPr>
-            <a:lvl3pPr algn="l">
+            <a:lvl3pPr>
               <a:defRPr sz="2000"/>
             </a:lvl3pPr>
-            <a:lvl4pPr algn="l">
+            <a:lvl4pPr>
               <a:defRPr sz="1800"/>
             </a:lvl4pPr>
-            <a:lvl5pPr algn="l">
+            <a:lvl5pPr>
               <a:defRPr sz="1800"/>
             </a:lvl5pPr>
             <a:lvl6pPr>
@@ -1344,46 +1226,131 @@
             </a:lvl9pPr>
           </a:lstStyle>
           <a:p>
-            <a:pPr lvl="0" eaLnBrk="1" latinLnBrk="0" hangingPunct="1"/>
-            <a:r>
-              <a:rPr lang="en-US" smtClean="0"/>
-              <a:t>Click to edit Master text styles</a:t>
-            </a:r>
-          </a:p>
-          <a:p>
-            <a:pPr lvl="1" eaLnBrk="1" latinLnBrk="0" hangingPunct="1"/>
-            <a:r>
-              <a:rPr lang="en-US" smtClean="0"/>
+            <a:pPr lvl="0"/>
+            <a:r>
+              <a:rPr lang="en-US" altLang="zh-TW" smtClean="0"/>
+              <a:t>Edit Master text styles</a:t>
+            </a:r>
+          </a:p>
+          <a:p>
+            <a:pPr lvl="1"/>
+            <a:r>
+              <a:rPr lang="en-US" altLang="zh-TW" smtClean="0"/>
               <a:t>Second level</a:t>
             </a:r>
           </a:p>
           <a:p>
-            <a:pPr lvl="2" eaLnBrk="1" latinLnBrk="0" hangingPunct="1"/>
-            <a:r>
-              <a:rPr lang="en-US" smtClean="0"/>
+            <a:pPr lvl="2"/>
+            <a:r>
+              <a:rPr lang="en-US" altLang="zh-TW" smtClean="0"/>
               <a:t>Third level</a:t>
             </a:r>
           </a:p>
           <a:p>
-            <a:pPr lvl="3" eaLnBrk="1" latinLnBrk="0" hangingPunct="1"/>
-            <a:r>
-              <a:rPr lang="en-US" smtClean="0"/>
+            <a:pPr lvl="3"/>
+            <a:r>
+              <a:rPr lang="en-US" altLang="zh-TW" smtClean="0"/>
               <a:t>Fourth level</a:t>
             </a:r>
           </a:p>
           <a:p>
-            <a:pPr lvl="4" eaLnBrk="1" latinLnBrk="0" hangingPunct="1"/>
-            <a:r>
-              <a:rPr lang="en-US" smtClean="0"/>
+            <a:pPr lvl="4"/>
+            <a:r>
+              <a:rPr lang="en-US" altLang="zh-TW" smtClean="0"/>
               <a:t>Fifth level</a:t>
             </a:r>
-            <a:endParaRPr kumimoji="0" lang="en-US"/>
-          </a:p>
-        </p:txBody>
-      </p:sp>
-      <p:sp>
-        <p:nvSpPr>
-          <p:cNvPr id="5" name="Date Placeholder 4"/>
+            <a:endParaRPr lang="zh-TW" altLang="en-US"/>
+          </a:p>
+        </p:txBody>
+      </p:sp>
+      <p:sp>
+        <p:nvSpPr>
+          <p:cNvPr id="4" name="內容版面配置區 3"/>
+          <p:cNvSpPr>
+            <a:spLocks noGrp="1"/>
+          </p:cNvSpPr>
+          <p:nvPr>
+            <p:ph sz="half" idx="2"/>
+          </p:nvPr>
+        </p:nvSpPr>
+        <p:spPr>
+          <a:xfrm>
+            <a:off x="6197600" y="1600203"/>
+            <a:ext cx="5384800" cy="4525963"/>
+          </a:xfrm>
+        </p:spPr>
+        <p:txBody>
+          <a:bodyPr/>
+          <a:lstStyle>
+            <a:lvl1pPr>
+              <a:defRPr sz="2800"/>
+            </a:lvl1pPr>
+            <a:lvl2pPr>
+              <a:defRPr sz="2400"/>
+            </a:lvl2pPr>
+            <a:lvl3pPr>
+              <a:defRPr sz="2000"/>
+            </a:lvl3pPr>
+            <a:lvl4pPr>
+              <a:defRPr sz="1800"/>
+            </a:lvl4pPr>
+            <a:lvl5pPr>
+              <a:defRPr sz="1800"/>
+            </a:lvl5pPr>
+            <a:lvl6pPr>
+              <a:defRPr sz="1800"/>
+            </a:lvl6pPr>
+            <a:lvl7pPr>
+              <a:defRPr sz="1800"/>
+            </a:lvl7pPr>
+            <a:lvl8pPr>
+              <a:defRPr sz="1800"/>
+            </a:lvl8pPr>
+            <a:lvl9pPr>
+              <a:defRPr sz="1800"/>
+            </a:lvl9pPr>
+          </a:lstStyle>
+          <a:p>
+            <a:pPr lvl="0"/>
+            <a:r>
+              <a:rPr lang="en-US" altLang="zh-TW" smtClean="0"/>
+              <a:t>Edit Master text styles</a:t>
+            </a:r>
+          </a:p>
+          <a:p>
+            <a:pPr lvl="1"/>
+            <a:r>
+              <a:rPr lang="en-US" altLang="zh-TW" smtClean="0"/>
+              <a:t>Second level</a:t>
+            </a:r>
+          </a:p>
+          <a:p>
+            <a:pPr lvl="2"/>
+            <a:r>
+              <a:rPr lang="en-US" altLang="zh-TW" smtClean="0"/>
+              <a:t>Third level</a:t>
+            </a:r>
+          </a:p>
+          <a:p>
+            <a:pPr lvl="3"/>
+            <a:r>
+              <a:rPr lang="en-US" altLang="zh-TW" smtClean="0"/>
+              <a:t>Fourth level</a:t>
+            </a:r>
+          </a:p>
+          <a:p>
+            <a:pPr lvl="4"/>
+            <a:r>
+              <a:rPr lang="en-US" altLang="zh-TW" smtClean="0"/>
+              <a:t>Fifth level</a:t>
+            </a:r>
+            <a:endParaRPr lang="zh-TW" altLang="en-US"/>
+          </a:p>
+        </p:txBody>
+      </p:sp>
+      <p:sp>
+        <p:nvSpPr>
+          <p:cNvPr id="5" name="日期版面配置區 4"/>
           <p:cNvSpPr>
             <a:spLocks noGrp="1"/>
           </p:cNvSpPr>
@@ -1398,7 +1365,7 @@
           <a:p>
             <a:fld id="{514BF617-2053-40DC-98CF-B6021961C3AC}" type="datetimeFigureOut">
               <a:rPr lang="en-US" smtClean="0"/>
-              <a:t>3/7/2013</a:t>
+              <a:t>3/29/2022</a:t>
             </a:fld>
             <a:endParaRPr lang="en-US"/>
           </a:p>
@@ -1406,7 +1373,7 @@
       </p:sp>
       <p:sp>
         <p:nvSpPr>
-          <p:cNvPr id="6" name="Footer Placeholder 5"/>
+          <p:cNvPr id="6" name="頁尾版面配置區 5"/>
           <p:cNvSpPr>
             <a:spLocks noGrp="1"/>
           </p:cNvSpPr>
@@ -1425,7 +1392,7 @@
       </p:sp>
       <p:sp>
         <p:nvSpPr>
-          <p:cNvPr id="7" name="Slide Number Placeholder 6"/>
+          <p:cNvPr id="7" name="投影片編號版面配置區 6"/>
           <p:cNvSpPr>
             <a:spLocks noGrp="1"/>
           </p:cNvSpPr>
@@ -1447,6 +1414,11 @@
         </p:txBody>
       </p:sp>
     </p:spTree>
+    <p:extLst>
+      <p:ext uri="{BB962C8B-B14F-4D97-AF65-F5344CB8AC3E}">
+        <p14:creationId xmlns:p14="http://schemas.microsoft.com/office/powerpoint/2010/main" val="2239408818"/>
+      </p:ext>
+    </p:extLst>
   </p:cSld>
   <p:clrMapOvr>
     <a:masterClrMapping/>
@@ -1456,7 +1428,7 @@
 
 <file path=ppt/slideLayouts/slideLayout5.xml><?xml version="1.0" encoding="utf-8"?>
 <p:sldLayout xmlns:a="http://schemas.openxmlformats.org/drawingml/2006/main" xmlns:r="http://schemas.openxmlformats.org/officeDocument/2006/relationships" xmlns:p="http://schemas.openxmlformats.org/presentationml/2006/main" type="twoTxTwoObj" preserve="1">
-  <p:cSld name="Comparison">
+  <p:cSld name="比對">
     <p:spTree>
       <p:nvGrpSpPr>
         <p:cNvPr id="1" name=""/>
@@ -1473,7 +1445,7 @@
       </p:grpSpPr>
       <p:sp>
         <p:nvSpPr>
-          <p:cNvPr id="2" name="Title 1"/>
+          <p:cNvPr id="2" name="標題 1"/>
           <p:cNvSpPr>
             <a:spLocks noGrp="1"/>
           </p:cNvSpPr>
@@ -1485,22 +1457,22 @@
         <p:txBody>
           <a:bodyPr/>
           <a:lstStyle>
-            <a:lvl1pPr algn="ctr">
+            <a:lvl1pPr>
               <a:defRPr/>
             </a:lvl1pPr>
           </a:lstStyle>
           <a:p>
             <a:r>
-              <a:rPr kumimoji="0" lang="en-US" smtClean="0"/>
+              <a:rPr lang="en-US" altLang="zh-TW" smtClean="0"/>
               <a:t>Click to edit Master title style</a:t>
             </a:r>
-            <a:endParaRPr kumimoji="0" lang="en-US"/>
-          </a:p>
-        </p:txBody>
-      </p:sp>
-      <p:sp>
-        <p:nvSpPr>
-          <p:cNvPr id="3" name="Text Placeholder 2"/>
+            <a:endParaRPr lang="zh-TW" altLang="en-US"/>
+          </a:p>
+        </p:txBody>
+      </p:sp>
+      <p:sp>
+        <p:nvSpPr>
+          <p:cNvPr id="3" name="文字版面配置區 2"/>
           <p:cNvSpPr>
             <a:spLocks noGrp="1"/>
           </p:cNvSpPr>
@@ -1510,359 +1482,62 @@
         </p:nvSpPr>
         <p:spPr>
           <a:xfrm>
-            <a:off x="457200" y="1535113"/>
-            <a:ext cx="4040188" cy="639762"/>
+            <a:off x="609600" y="1535115"/>
+            <a:ext cx="5386917" cy="639763"/>
           </a:xfrm>
-          <a:ln w="3175">
-            <a:solidFill>
-              <a:schemeClr val="tx2">
-                <a:shade val="50000"/>
-              </a:schemeClr>
-            </a:solidFill>
-          </a:ln>
-          <a:effectLst/>
         </p:spPr>
         <p:txBody>
-          <a:bodyPr anchor="ctr">
-            <a:scene3d>
-              <a:camera prst="orthographicFront"/>
-              <a:lightRig rig="glow" dir="tl">
-                <a:rot lat="0" lon="0" rev="5400000"/>
-              </a:lightRig>
-            </a:scene3d>
-            <a:sp3d contourW="12700">
-              <a:bevelT w="25400" h="25400"/>
-              <a:contourClr>
-                <a:schemeClr val="accent6">
-                  <a:shade val="73000"/>
-                </a:schemeClr>
-              </a:contourClr>
-            </a:sp3d>
-          </a:bodyPr>
+          <a:bodyPr anchor="b"/>
           <a:lstStyle>
-            <a:lvl1pPr marL="0" indent="0" algn="ctr">
-              <a:buNone/>
-              <a:defRPr lang="zh-CN" altLang="en-US" sz="2800" b="1" dirty="0" smtClean="0">
-                <a:ln w="11430"/>
-                <a:gradFill>
-                  <a:gsLst>
-                    <a:gs pos="0">
-                      <a:schemeClr val="accent6">
-                        <a:tint val="70000"/>
-                        <a:shade val="100000"/>
-                        <a:satMod val="130000"/>
-                      </a:schemeClr>
-                    </a:gs>
-                    <a:gs pos="25000">
-                      <a:schemeClr val="accent6">
-                        <a:tint val="92000"/>
-                        <a:shade val="100000"/>
-                        <a:satMod val="105000"/>
-                      </a:schemeClr>
-                    </a:gs>
-                    <a:gs pos="50000">
-                      <a:schemeClr val="accent6">
-                        <a:tint val="100000"/>
-                        <a:shade val="99000"/>
-                        <a:satMod val="100000"/>
-                      </a:schemeClr>
-                    </a:gs>
-                    <a:gs pos="75000">
-                      <a:schemeClr val="accent6">
-                        <a:tint val="92000"/>
-                        <a:shade val="100000"/>
-                        <a:satMod val="105000"/>
-                      </a:schemeClr>
-                    </a:gs>
-                    <a:gs pos="100000">
-                      <a:schemeClr val="accent6">
-                        <a:tint val="70000"/>
-                        <a:shade val="100000"/>
-                        <a:satMod val="130000"/>
-                      </a:schemeClr>
-                    </a:gs>
-                  </a:gsLst>
-                  <a:lin ang="5400000"/>
-                </a:gradFill>
-                <a:effectLst>
-                  <a:outerShdw blurRad="80000" dist="40000" dir="5040000" algn="tl">
-                    <a:srgbClr val="000000">
-                      <a:alpha val="30000"/>
-                    </a:srgbClr>
-                  </a:outerShdw>
-                </a:effectLst>
-              </a:defRPr>
+            <a:lvl1pPr marL="0" indent="0">
+              <a:buNone/>
+              <a:defRPr sz="2400" b="1"/>
             </a:lvl1pPr>
-            <a:lvl2pPr marL="457200" indent="0" algn="ctr">
-              <a:buNone/>
-              <a:defRPr lang="zh-CN" altLang="en-US" sz="2400" b="1" dirty="0" smtClean="0">
-                <a:ln w="11430"/>
-                <a:gradFill>
-                  <a:gsLst>
-                    <a:gs pos="0">
-                      <a:schemeClr val="accent6">
-                        <a:tint val="70000"/>
-                        <a:shade val="100000"/>
-                        <a:satMod val="130000"/>
-                      </a:schemeClr>
-                    </a:gs>
-                    <a:gs pos="25000">
-                      <a:schemeClr val="accent6">
-                        <a:tint val="92000"/>
-                        <a:shade val="100000"/>
-                        <a:satMod val="105000"/>
-                      </a:schemeClr>
-                    </a:gs>
-                    <a:gs pos="50000">
-                      <a:schemeClr val="accent6">
-                        <a:tint val="100000"/>
-                        <a:shade val="99000"/>
-                        <a:satMod val="100000"/>
-                      </a:schemeClr>
-                    </a:gs>
-                    <a:gs pos="75000">
-                      <a:schemeClr val="accent6">
-                        <a:tint val="92000"/>
-                        <a:shade val="100000"/>
-                        <a:satMod val="105000"/>
-                      </a:schemeClr>
-                    </a:gs>
-                    <a:gs pos="100000">
-                      <a:schemeClr val="accent6">
-                        <a:tint val="70000"/>
-                        <a:shade val="100000"/>
-                        <a:satMod val="130000"/>
-                      </a:schemeClr>
-                    </a:gs>
-                  </a:gsLst>
-                  <a:lin ang="5400000"/>
-                </a:gradFill>
-                <a:effectLst>
-                  <a:outerShdw blurRad="80000" dist="40000" dir="5040000" algn="tl">
-                    <a:srgbClr val="000000">
-                      <a:alpha val="30000"/>
-                    </a:srgbClr>
-                  </a:outerShdw>
-                </a:effectLst>
-              </a:defRPr>
+            <a:lvl2pPr marL="457189" indent="0">
+              <a:buNone/>
+              <a:defRPr sz="2000" b="1"/>
             </a:lvl2pPr>
-            <a:lvl3pPr marL="914400" indent="0" algn="ctr">
-              <a:buNone/>
-              <a:defRPr lang="zh-CN" altLang="en-US" sz="2000" b="1" dirty="0" smtClean="0">
-                <a:ln w="11430"/>
-                <a:gradFill>
-                  <a:gsLst>
-                    <a:gs pos="0">
-                      <a:schemeClr val="accent6">
-                        <a:tint val="70000"/>
-                        <a:shade val="100000"/>
-                        <a:satMod val="130000"/>
-                      </a:schemeClr>
-                    </a:gs>
-                    <a:gs pos="25000">
-                      <a:schemeClr val="accent6">
-                        <a:tint val="92000"/>
-                        <a:shade val="100000"/>
-                        <a:satMod val="105000"/>
-                      </a:schemeClr>
-                    </a:gs>
-                    <a:gs pos="50000">
-                      <a:schemeClr val="accent6">
-                        <a:tint val="100000"/>
-                        <a:shade val="99000"/>
-                        <a:satMod val="100000"/>
-                      </a:schemeClr>
-                    </a:gs>
-                    <a:gs pos="75000">
-                      <a:schemeClr val="accent6">
-                        <a:tint val="92000"/>
-                        <a:shade val="100000"/>
-                        <a:satMod val="105000"/>
-                      </a:schemeClr>
-                    </a:gs>
-                    <a:gs pos="100000">
-                      <a:schemeClr val="accent6">
-                        <a:tint val="70000"/>
-                        <a:shade val="100000"/>
-                        <a:satMod val="130000"/>
-                      </a:schemeClr>
-                    </a:gs>
-                  </a:gsLst>
-                  <a:lin ang="5400000"/>
-                </a:gradFill>
-                <a:effectLst>
-                  <a:outerShdw blurRad="80000" dist="40000" dir="5040000" algn="tl">
-                    <a:srgbClr val="000000">
-                      <a:alpha val="30000"/>
-                    </a:srgbClr>
-                  </a:outerShdw>
-                </a:effectLst>
-              </a:defRPr>
+            <a:lvl3pPr marL="914378" indent="0">
+              <a:buNone/>
+              <a:defRPr sz="1800" b="1"/>
             </a:lvl3pPr>
-            <a:lvl4pPr marL="1371600" indent="0" algn="ctr">
-              <a:buNone/>
-              <a:defRPr lang="zh-CN" altLang="en-US" sz="1800" b="1" dirty="0" smtClean="0">
-                <a:ln w="11430"/>
-                <a:gradFill>
-                  <a:gsLst>
-                    <a:gs pos="0">
-                      <a:schemeClr val="accent6">
-                        <a:tint val="70000"/>
-                        <a:shade val="100000"/>
-                        <a:satMod val="130000"/>
-                      </a:schemeClr>
-                    </a:gs>
-                    <a:gs pos="25000">
-                      <a:schemeClr val="accent6">
-                        <a:tint val="92000"/>
-                        <a:shade val="100000"/>
-                        <a:satMod val="105000"/>
-                      </a:schemeClr>
-                    </a:gs>
-                    <a:gs pos="50000">
-                      <a:schemeClr val="accent6">
-                        <a:tint val="100000"/>
-                        <a:shade val="99000"/>
-                        <a:satMod val="100000"/>
-                      </a:schemeClr>
-                    </a:gs>
-                    <a:gs pos="75000">
-                      <a:schemeClr val="accent6">
-                        <a:tint val="92000"/>
-                        <a:shade val="100000"/>
-                        <a:satMod val="105000"/>
-                      </a:schemeClr>
-                    </a:gs>
-                    <a:gs pos="100000">
-                      <a:schemeClr val="accent6">
-                        <a:tint val="70000"/>
-                        <a:shade val="100000"/>
-                        <a:satMod val="130000"/>
-                      </a:schemeClr>
-                    </a:gs>
-                  </a:gsLst>
-                  <a:lin ang="5400000"/>
-                </a:gradFill>
-                <a:effectLst>
-                  <a:outerShdw blurRad="80000" dist="40000" dir="5040000" algn="tl">
-                    <a:srgbClr val="000000">
-                      <a:alpha val="30000"/>
-                    </a:srgbClr>
-                  </a:outerShdw>
-                </a:effectLst>
-              </a:defRPr>
+            <a:lvl4pPr marL="1371566" indent="0">
+              <a:buNone/>
+              <a:defRPr sz="1600" b="1"/>
             </a:lvl4pPr>
-            <a:lvl5pPr marL="1828800" indent="0" algn="ctr">
-              <a:buNone/>
-              <a:defRPr lang="zh-CN" altLang="en-US" sz="1600" b="1" dirty="0" smtClean="0">
-                <a:ln w="11430"/>
-                <a:gradFill>
-                  <a:gsLst>
-                    <a:gs pos="0">
-                      <a:schemeClr val="accent6">
-                        <a:tint val="70000"/>
-                        <a:shade val="100000"/>
-                        <a:satMod val="130000"/>
-                      </a:schemeClr>
-                    </a:gs>
-                    <a:gs pos="25000">
-                      <a:schemeClr val="accent6">
-                        <a:tint val="92000"/>
-                        <a:shade val="100000"/>
-                        <a:satMod val="105000"/>
-                      </a:schemeClr>
-                    </a:gs>
-                    <a:gs pos="50000">
-                      <a:schemeClr val="accent6">
-                        <a:tint val="100000"/>
-                        <a:shade val="99000"/>
-                        <a:satMod val="100000"/>
-                      </a:schemeClr>
-                    </a:gs>
-                    <a:gs pos="75000">
-                      <a:schemeClr val="accent6">
-                        <a:tint val="92000"/>
-                        <a:shade val="100000"/>
-                        <a:satMod val="105000"/>
-                      </a:schemeClr>
-                    </a:gs>
-                    <a:gs pos="100000">
-                      <a:schemeClr val="accent6">
-                        <a:tint val="70000"/>
-                        <a:shade val="100000"/>
-                        <a:satMod val="130000"/>
-                      </a:schemeClr>
-                    </a:gs>
-                  </a:gsLst>
-                  <a:lin ang="5400000"/>
-                </a:gradFill>
-                <a:effectLst>
-                  <a:outerShdw blurRad="80000" dist="40000" dir="5040000" algn="tl">
-                    <a:srgbClr val="000000">
-                      <a:alpha val="30000"/>
-                    </a:srgbClr>
-                  </a:outerShdw>
-                </a:effectLst>
-              </a:defRPr>
+            <a:lvl5pPr marL="1828754" indent="0">
+              <a:buNone/>
+              <a:defRPr sz="1600" b="1"/>
             </a:lvl5pPr>
-            <a:lvl6pPr marL="2286000" indent="0">
+            <a:lvl6pPr marL="2285943" indent="0">
               <a:buNone/>
               <a:defRPr sz="1600" b="1"/>
             </a:lvl6pPr>
-            <a:lvl7pPr marL="2743200" indent="0">
+            <a:lvl7pPr marL="2743132" indent="0">
               <a:buNone/>
               <a:defRPr sz="1600" b="1"/>
             </a:lvl7pPr>
-            <a:lvl8pPr marL="3200400" indent="0">
+            <a:lvl8pPr marL="3200320" indent="0">
               <a:buNone/>
               <a:defRPr sz="1600" b="1"/>
             </a:lvl8pPr>
-            <a:lvl9pPr marL="3657600" indent="0">
+            <a:lvl9pPr marL="3657509" indent="0">
               <a:buNone/>
               <a:defRPr sz="1600" b="1"/>
             </a:lvl9pPr>
           </a:lstStyle>
           <a:p>
-            <a:pPr lvl="0" eaLnBrk="1" latinLnBrk="0" hangingPunct="1"/>
-            <a:r>
-              <a:rPr lang="en-US" smtClean="0"/>
-              <a:t>Click to edit Master text styles</a:t>
-            </a:r>
-          </a:p>
-          <a:p>
-            <a:pPr lvl="1" eaLnBrk="1" latinLnBrk="0" hangingPunct="1"/>
-            <a:r>
-              <a:rPr lang="en-US" smtClean="0"/>
-              <a:t>Second level</a:t>
-            </a:r>
-          </a:p>
-          <a:p>
-            <a:pPr lvl="2" eaLnBrk="1" latinLnBrk="0" hangingPunct="1"/>
-            <a:r>
-              <a:rPr lang="en-US" smtClean="0"/>
-              <a:t>Third level</a:t>
-            </a:r>
-          </a:p>
-          <a:p>
-            <a:pPr lvl="3" eaLnBrk="1" latinLnBrk="0" hangingPunct="1"/>
-            <a:r>
-              <a:rPr lang="en-US" smtClean="0"/>
-              <a:t>Fourth level</a:t>
-            </a:r>
-          </a:p>
-          <a:p>
-            <a:pPr lvl="4" eaLnBrk="1" latinLnBrk="0" hangingPunct="1"/>
-            <a:r>
-              <a:rPr lang="en-US" smtClean="0"/>
-              <a:t>Fifth level</a:t>
-            </a:r>
-            <a:endParaRPr kumimoji="0" lang="en-US"/>
-          </a:p>
-        </p:txBody>
-      </p:sp>
-      <p:sp>
-        <p:nvSpPr>
-          <p:cNvPr id="4" name="Content Placeholder 3"/>
+            <a:pPr lvl="0"/>
+            <a:r>
+              <a:rPr lang="en-US" altLang="zh-TW" smtClean="0"/>
+              <a:t>Edit Master text styles</a:t>
+            </a:r>
+          </a:p>
+        </p:txBody>
+      </p:sp>
+      <p:sp>
+        <p:nvSpPr>
+          <p:cNvPr id="4" name="內容版面配置區 3"/>
           <p:cNvSpPr>
             <a:spLocks noGrp="1"/>
           </p:cNvSpPr>
@@ -1872,34 +1547,26 @@
         </p:nvSpPr>
         <p:spPr>
           <a:xfrm>
-            <a:off x="457200" y="2174875"/>
-            <a:ext cx="4040188" cy="4183083"/>
+            <a:off x="609600" y="2174875"/>
+            <a:ext cx="5386917" cy="3951288"/>
           </a:xfrm>
-          <a:ln w="3175">
-            <a:solidFill>
-              <a:schemeClr val="tx2">
-                <a:shade val="50000"/>
-              </a:schemeClr>
-            </a:solidFill>
-          </a:ln>
-          <a:effectLst/>
         </p:spPr>
         <p:txBody>
           <a:bodyPr/>
           <a:lstStyle>
-            <a:lvl1pPr algn="l">
+            <a:lvl1pPr>
               <a:defRPr sz="2400"/>
             </a:lvl1pPr>
-            <a:lvl2pPr algn="l">
+            <a:lvl2pPr>
               <a:defRPr sz="2000"/>
             </a:lvl2pPr>
-            <a:lvl3pPr algn="l">
+            <a:lvl3pPr>
               <a:defRPr sz="1800"/>
             </a:lvl3pPr>
-            <a:lvl4pPr algn="l">
+            <a:lvl4pPr>
               <a:defRPr sz="1600"/>
             </a:lvl4pPr>
-            <a:lvl5pPr algn="l">
+            <a:lvl5pPr>
               <a:defRPr sz="1600"/>
             </a:lvl5pPr>
             <a:lvl6pPr>
@@ -1916,46 +1583,46 @@
             </a:lvl9pPr>
           </a:lstStyle>
           <a:p>
-            <a:pPr lvl="0" eaLnBrk="1" latinLnBrk="0" hangingPunct="1"/>
-            <a:r>
-              <a:rPr lang="en-US" smtClean="0"/>
-              <a:t>Click to edit Master text styles</a:t>
-            </a:r>
-          </a:p>
-          <a:p>
-            <a:pPr lvl="1" eaLnBrk="1" latinLnBrk="0" hangingPunct="1"/>
-            <a:r>
-              <a:rPr lang="en-US" smtClean="0"/>
+            <a:pPr lvl="0"/>
+            <a:r>
+              <a:rPr lang="en-US" altLang="zh-TW" smtClean="0"/>
+              <a:t>Edit Master text styles</a:t>
+            </a:r>
+          </a:p>
+          <a:p>
+            <a:pPr lvl="1"/>
+            <a:r>
+              <a:rPr lang="en-US" altLang="zh-TW" smtClean="0"/>
               <a:t>Second level</a:t>
             </a:r>
           </a:p>
           <a:p>
-            <a:pPr lvl="2" eaLnBrk="1" latinLnBrk="0" hangingPunct="1"/>
-            <a:r>
-              <a:rPr lang="en-US" smtClean="0"/>
+            <a:pPr lvl="2"/>
+            <a:r>
+              <a:rPr lang="en-US" altLang="zh-TW" smtClean="0"/>
               <a:t>Third level</a:t>
             </a:r>
           </a:p>
           <a:p>
-            <a:pPr lvl="3" eaLnBrk="1" latinLnBrk="0" hangingPunct="1"/>
-            <a:r>
-              <a:rPr lang="en-US" smtClean="0"/>
+            <a:pPr lvl="3"/>
+            <a:r>
+              <a:rPr lang="en-US" altLang="zh-TW" smtClean="0"/>
               <a:t>Fourth level</a:t>
             </a:r>
           </a:p>
           <a:p>
-            <a:pPr lvl="4" eaLnBrk="1" latinLnBrk="0" hangingPunct="1"/>
-            <a:r>
-              <a:rPr lang="en-US" smtClean="0"/>
+            <a:pPr lvl="4"/>
+            <a:r>
+              <a:rPr lang="en-US" altLang="zh-TW" smtClean="0"/>
               <a:t>Fifth level</a:t>
             </a:r>
-            <a:endParaRPr kumimoji="0" lang="en-US"/>
-          </a:p>
-        </p:txBody>
-      </p:sp>
-      <p:sp>
-        <p:nvSpPr>
-          <p:cNvPr id="5" name="Text Placeholder 4"/>
+            <a:endParaRPr lang="zh-TW" altLang="en-US"/>
+          </a:p>
+        </p:txBody>
+      </p:sp>
+      <p:sp>
+        <p:nvSpPr>
+          <p:cNvPr id="5" name="文字版面配置區 4"/>
           <p:cNvSpPr>
             <a:spLocks noGrp="1"/>
           </p:cNvSpPr>
@@ -1965,147 +1632,62 @@
         </p:nvSpPr>
         <p:spPr>
           <a:xfrm>
-            <a:off x="4645025" y="1535113"/>
-            <a:ext cx="4041775" cy="639762"/>
+            <a:off x="6193370" y="1535115"/>
+            <a:ext cx="5389033" cy="639763"/>
           </a:xfrm>
-          <a:ln w="3175">
-            <a:solidFill>
-              <a:schemeClr val="tx2">
-                <a:shade val="50000"/>
-              </a:schemeClr>
-            </a:solidFill>
-          </a:ln>
-          <a:effectLst/>
         </p:spPr>
         <p:txBody>
-          <a:bodyPr anchor="ctr">
-            <a:scene3d>
-              <a:camera prst="orthographicFront"/>
-              <a:lightRig rig="flat" dir="t">
-                <a:rot lat="0" lon="0" rev="18900000"/>
-              </a:lightRig>
-            </a:scene3d>
-            <a:sp3d extrusionH="31750" contourW="6350" prstMaterial="powder">
-              <a:bevelT w="19050" h="19050" prst="angle"/>
-              <a:contourClr>
-                <a:schemeClr val="accent1">
-                  <a:tint val="100000"/>
-                  <a:shade val="100000"/>
-                  <a:hueMod val="100000"/>
-                  <a:satMod val="100000"/>
-                </a:schemeClr>
-              </a:contourClr>
-            </a:sp3d>
-          </a:bodyPr>
+          <a:bodyPr anchor="b"/>
           <a:lstStyle>
-            <a:lvl1pPr marL="0" indent="0" algn="ctr">
-              <a:buNone/>
-              <a:defRPr lang="zh-CN" altLang="en-US" sz="2800" b="1" dirty="0" smtClean="0">
-                <a:ln/>
-                <a:solidFill>
-                  <a:schemeClr val="accent1"/>
-                </a:solidFill>
-                <a:effectLst/>
-              </a:defRPr>
+            <a:lvl1pPr marL="0" indent="0">
+              <a:buNone/>
+              <a:defRPr sz="2400" b="1"/>
             </a:lvl1pPr>
-            <a:lvl2pPr marL="457200" indent="0" algn="ctr">
-              <a:buNone/>
-              <a:defRPr lang="zh-CN" altLang="en-US" sz="2400" b="1" dirty="0" smtClean="0">
-                <a:ln/>
-                <a:solidFill>
-                  <a:schemeClr val="accent1"/>
-                </a:solidFill>
-                <a:effectLst/>
-              </a:defRPr>
+            <a:lvl2pPr marL="457189" indent="0">
+              <a:buNone/>
+              <a:defRPr sz="2000" b="1"/>
             </a:lvl2pPr>
-            <a:lvl3pPr marL="914400" indent="0" algn="ctr">
-              <a:buNone/>
-              <a:defRPr lang="zh-CN" altLang="en-US" sz="2000" b="1" dirty="0" smtClean="0">
-                <a:ln/>
-                <a:solidFill>
-                  <a:schemeClr val="accent1"/>
-                </a:solidFill>
-                <a:effectLst/>
-              </a:defRPr>
+            <a:lvl3pPr marL="914378" indent="0">
+              <a:buNone/>
+              <a:defRPr sz="1800" b="1"/>
             </a:lvl3pPr>
-            <a:lvl4pPr marL="1371600" indent="0" algn="ctr">
-              <a:buNone/>
-              <a:defRPr lang="zh-CN" altLang="en-US" sz="1800" b="1" dirty="0" smtClean="0">
-                <a:ln/>
-                <a:solidFill>
-                  <a:schemeClr val="accent1"/>
-                </a:solidFill>
-                <a:effectLst/>
-              </a:defRPr>
+            <a:lvl4pPr marL="1371566" indent="0">
+              <a:buNone/>
+              <a:defRPr sz="1600" b="1"/>
             </a:lvl4pPr>
-            <a:lvl5pPr marL="1828800" indent="0" algn="ctr">
-              <a:buNone/>
-              <a:defRPr lang="zh-CN" altLang="en-US" sz="1600" b="1" dirty="0" smtClean="0">
-                <a:ln/>
-                <a:solidFill>
-                  <a:schemeClr val="accent1"/>
-                </a:solidFill>
-                <a:effectLst/>
-              </a:defRPr>
+            <a:lvl5pPr marL="1828754" indent="0">
+              <a:buNone/>
+              <a:defRPr sz="1600" b="1"/>
             </a:lvl5pPr>
-            <a:lvl6pPr marL="2286000" indent="0">
+            <a:lvl6pPr marL="2285943" indent="0">
               <a:buNone/>
               <a:defRPr sz="1600" b="1"/>
             </a:lvl6pPr>
-            <a:lvl7pPr marL="2743200" indent="0">
+            <a:lvl7pPr marL="2743132" indent="0">
               <a:buNone/>
               <a:defRPr sz="1600" b="1"/>
             </a:lvl7pPr>
-            <a:lvl8pPr marL="3200400" indent="0">
+            <a:lvl8pPr marL="3200320" indent="0">
               <a:buNone/>
               <a:defRPr sz="1600" b="1"/>
             </a:lvl8pPr>
-            <a:lvl9pPr marL="3657600" indent="0">
+            <a:lvl9pPr marL="3657509" indent="0">
               <a:buNone/>
               <a:defRPr sz="1600" b="1"/>
             </a:lvl9pPr>
           </a:lstStyle>
           <a:p>
-            <a:pPr lvl="0" eaLnBrk="1" latinLnBrk="0" hangingPunct="1"/>
-            <a:r>
-              <a:rPr lang="en-US" smtClean="0"/>
-              <a:t>Click to edit Master text styles</a:t>
-            </a:r>
-          </a:p>
-          <a:p>
-            <a:pPr lvl="1" eaLnBrk="1" latinLnBrk="0" hangingPunct="1"/>
-            <a:r>
-              <a:rPr lang="en-US" smtClean="0"/>
-              <a:t>Second level</a:t>
-            </a:r>
-          </a:p>
-          <a:p>
-            <a:pPr lvl="2" eaLnBrk="1" latinLnBrk="0" hangingPunct="1"/>
-            <a:r>
-              <a:rPr lang="en-US" smtClean="0"/>
-              <a:t>Third level</a:t>
-            </a:r>
-          </a:p>
-          <a:p>
-            <a:pPr lvl="3" eaLnBrk="1" latinLnBrk="0" hangingPunct="1"/>
-            <a:r>
-              <a:rPr lang="en-US" smtClean="0"/>
-              <a:t>Fourth level</a:t>
-            </a:r>
-          </a:p>
-          <a:p>
-            <a:pPr lvl="4" eaLnBrk="1" latinLnBrk="0" hangingPunct="1"/>
-            <a:r>
-              <a:rPr lang="en-US" smtClean="0"/>
-              <a:t>Fifth level</a:t>
-            </a:r>
-            <a:endParaRPr kumimoji="0" lang="en-US"/>
-          </a:p>
-        </p:txBody>
-      </p:sp>
-      <p:sp>
-        <p:nvSpPr>
-          <p:cNvPr id="6" name="Content Placeholder 5"/>
+            <a:pPr lvl="0"/>
+            <a:r>
+              <a:rPr lang="en-US" altLang="zh-TW" smtClean="0"/>
+              <a:t>Edit Master text styles</a:t>
+            </a:r>
+          </a:p>
+        </p:txBody>
+      </p:sp>
+      <p:sp>
+        <p:nvSpPr>
+          <p:cNvPr id="6" name="內容版面配置區 5"/>
           <p:cNvSpPr>
             <a:spLocks noGrp="1"/>
           </p:cNvSpPr>
@@ -2115,34 +1697,26 @@
         </p:nvSpPr>
         <p:spPr>
           <a:xfrm>
-            <a:off x="4645026" y="2174875"/>
-            <a:ext cx="4041775" cy="4183083"/>
+            <a:off x="6193370" y="2174875"/>
+            <a:ext cx="5389033" cy="3951288"/>
           </a:xfrm>
-          <a:ln w="3175">
-            <a:solidFill>
-              <a:schemeClr val="tx2">
-                <a:shade val="50000"/>
-              </a:schemeClr>
-            </a:solidFill>
-          </a:ln>
-          <a:effectLst/>
         </p:spPr>
         <p:txBody>
           <a:bodyPr/>
           <a:lstStyle>
-            <a:lvl1pPr algn="l">
+            <a:lvl1pPr>
               <a:defRPr sz="2400"/>
             </a:lvl1pPr>
-            <a:lvl2pPr algn="l">
+            <a:lvl2pPr>
               <a:defRPr sz="2000"/>
             </a:lvl2pPr>
-            <a:lvl3pPr algn="l">
+            <a:lvl3pPr>
               <a:defRPr sz="1800"/>
             </a:lvl3pPr>
-            <a:lvl4pPr algn="l">
+            <a:lvl4pPr>
               <a:defRPr sz="1600"/>
             </a:lvl4pPr>
-            <a:lvl5pPr algn="l">
+            <a:lvl5pPr>
               <a:defRPr sz="1600"/>
             </a:lvl5pPr>
             <a:lvl6pPr>
@@ -2159,46 +1733,46 @@
             </a:lvl9pPr>
           </a:lstStyle>
           <a:p>
-            <a:pPr lvl="0" eaLnBrk="1" latinLnBrk="0" hangingPunct="1"/>
-            <a:r>
-              <a:rPr lang="en-US" smtClean="0"/>
-              <a:t>Click to edit Master text styles</a:t>
-            </a:r>
-          </a:p>
-          <a:p>
-            <a:pPr lvl="1" eaLnBrk="1" latinLnBrk="0" hangingPunct="1"/>
-            <a:r>
-              <a:rPr lang="en-US" smtClean="0"/>
+            <a:pPr lvl="0"/>
+            <a:r>
+              <a:rPr lang="en-US" altLang="zh-TW" smtClean="0"/>
+              <a:t>Edit Master text styles</a:t>
+            </a:r>
+          </a:p>
+          <a:p>
+            <a:pPr lvl="1"/>
+            <a:r>
+              <a:rPr lang="en-US" altLang="zh-TW" smtClean="0"/>
               <a:t>Second level</a:t>
             </a:r>
           </a:p>
           <a:p>
-            <a:pPr lvl="2" eaLnBrk="1" latinLnBrk="0" hangingPunct="1"/>
-            <a:r>
-              <a:rPr lang="en-US" smtClean="0"/>
+            <a:pPr lvl="2"/>
+            <a:r>
+              <a:rPr lang="en-US" altLang="zh-TW" smtClean="0"/>
               <a:t>Third level</a:t>
             </a:r>
           </a:p>
           <a:p>
-            <a:pPr lvl="3" eaLnBrk="1" latinLnBrk="0" hangingPunct="1"/>
-            <a:r>
-              <a:rPr lang="en-US" smtClean="0"/>
+            <a:pPr lvl="3"/>
+            <a:r>
+              <a:rPr lang="en-US" altLang="zh-TW" smtClean="0"/>
               <a:t>Fourth level</a:t>
             </a:r>
           </a:p>
           <a:p>
-            <a:pPr lvl="4" eaLnBrk="1" latinLnBrk="0" hangingPunct="1"/>
-            <a:r>
-              <a:rPr lang="en-US" smtClean="0"/>
+            <a:pPr lvl="4"/>
+            <a:r>
+              <a:rPr lang="en-US" altLang="zh-TW" smtClean="0"/>
               <a:t>Fifth level</a:t>
             </a:r>
-            <a:endParaRPr kumimoji="0" lang="en-US"/>
-          </a:p>
-        </p:txBody>
-      </p:sp>
-      <p:sp>
-        <p:nvSpPr>
-          <p:cNvPr id="7" name="Date Placeholder 6"/>
+            <a:endParaRPr lang="zh-TW" altLang="en-US"/>
+          </a:p>
+        </p:txBody>
+      </p:sp>
+      <p:sp>
+        <p:nvSpPr>
+          <p:cNvPr id="7" name="日期版面配置區 6"/>
           <p:cNvSpPr>
             <a:spLocks noGrp="1"/>
           </p:cNvSpPr>
@@ -2206,19 +1780,14 @@
             <p:ph type="dt" sz="half" idx="10"/>
           </p:nvPr>
         </p:nvSpPr>
-        <p:spPr>
-          <a:xfrm>
-            <a:off x="7010400" y="6492875"/>
-            <a:ext cx="2133600" cy="365125"/>
-          </a:xfrm>
-        </p:spPr>
+        <p:spPr/>
         <p:txBody>
           <a:bodyPr/>
           <a:lstStyle/>
           <a:p>
             <a:fld id="{514BF617-2053-40DC-98CF-B6021961C3AC}" type="datetimeFigureOut">
               <a:rPr lang="en-US" smtClean="0"/>
-              <a:t>3/7/2013</a:t>
+              <a:t>3/29/2022</a:t>
             </a:fld>
             <a:endParaRPr lang="en-US"/>
           </a:p>
@@ -2226,7 +1795,7 @@
       </p:sp>
       <p:sp>
         <p:nvSpPr>
-          <p:cNvPr id="8" name="Footer Placeholder 7"/>
+          <p:cNvPr id="8" name="頁尾版面配置區 7"/>
           <p:cNvSpPr>
             <a:spLocks noGrp="1"/>
           </p:cNvSpPr>
@@ -2245,7 +1814,7 @@
       </p:sp>
       <p:sp>
         <p:nvSpPr>
-          <p:cNvPr id="9" name="Slide Number Placeholder 8"/>
+          <p:cNvPr id="9" name="投影片編號版面配置區 8"/>
           <p:cNvSpPr>
             <a:spLocks noGrp="1"/>
           </p:cNvSpPr>
@@ -2267,6 +1836,11 @@
         </p:txBody>
       </p:sp>
     </p:spTree>
+    <p:extLst>
+      <p:ext uri="{BB962C8B-B14F-4D97-AF65-F5344CB8AC3E}">
+        <p14:creationId xmlns:p14="http://schemas.microsoft.com/office/powerpoint/2010/main" val="2389456949"/>
+      </p:ext>
+    </p:extLst>
   </p:cSld>
   <p:clrMapOvr>
     <a:masterClrMapping/>
@@ -2276,7 +1850,7 @@
 
 <file path=ppt/slideLayouts/slideLayout6.xml><?xml version="1.0" encoding="utf-8"?>
 <p:sldLayout xmlns:a="http://schemas.openxmlformats.org/drawingml/2006/main" xmlns:r="http://schemas.openxmlformats.org/officeDocument/2006/relationships" xmlns:p="http://schemas.openxmlformats.org/presentationml/2006/main" type="titleOnly" preserve="1">
-  <p:cSld name="Title Only">
+  <p:cSld name="只有標題">
     <p:spTree>
       <p:nvGrpSpPr>
         <p:cNvPr id="1" name=""/>
@@ -2293,7 +1867,7 @@
       </p:grpSpPr>
       <p:sp>
         <p:nvSpPr>
-          <p:cNvPr id="2" name="Title 1"/>
+          <p:cNvPr id="2" name="標題 1"/>
           <p:cNvSpPr>
             <a:spLocks noGrp="1"/>
           </p:cNvSpPr>
@@ -2307,16 +1881,16 @@
           <a:lstStyle/>
           <a:p>
             <a:r>
-              <a:rPr kumimoji="0" lang="en-US" smtClean="0"/>
+              <a:rPr lang="en-US" altLang="zh-TW" smtClean="0"/>
               <a:t>Click to edit Master title style</a:t>
             </a:r>
-            <a:endParaRPr kumimoji="0" lang="en-US"/>
-          </a:p>
-        </p:txBody>
-      </p:sp>
-      <p:sp>
-        <p:nvSpPr>
-          <p:cNvPr id="3" name="Date Placeholder 2"/>
+            <a:endParaRPr lang="zh-TW" altLang="en-US"/>
+          </a:p>
+        </p:txBody>
+      </p:sp>
+      <p:sp>
+        <p:nvSpPr>
+          <p:cNvPr id="3" name="日期版面配置區 2"/>
           <p:cNvSpPr>
             <a:spLocks noGrp="1"/>
           </p:cNvSpPr>
@@ -2331,7 +1905,7 @@
           <a:p>
             <a:fld id="{514BF617-2053-40DC-98CF-B6021961C3AC}" type="datetimeFigureOut">
               <a:rPr lang="en-US" smtClean="0"/>
-              <a:t>3/7/2013</a:t>
+              <a:t>3/29/2022</a:t>
             </a:fld>
             <a:endParaRPr lang="en-US"/>
           </a:p>
@@ -2339,7 +1913,7 @@
       </p:sp>
       <p:sp>
         <p:nvSpPr>
-          <p:cNvPr id="4" name="Footer Placeholder 3"/>
+          <p:cNvPr id="4" name="頁尾版面配置區 3"/>
           <p:cNvSpPr>
             <a:spLocks noGrp="1"/>
           </p:cNvSpPr>
@@ -2358,7 +1932,7 @@
       </p:sp>
       <p:sp>
         <p:nvSpPr>
-          <p:cNvPr id="5" name="Slide Number Placeholder 4"/>
+          <p:cNvPr id="5" name="投影片編號版面配置區 4"/>
           <p:cNvSpPr>
             <a:spLocks noGrp="1"/>
           </p:cNvSpPr>
@@ -2380,6 +1954,11 @@
         </p:txBody>
       </p:sp>
     </p:spTree>
+    <p:extLst>
+      <p:ext uri="{BB962C8B-B14F-4D97-AF65-F5344CB8AC3E}">
+        <p14:creationId xmlns:p14="http://schemas.microsoft.com/office/powerpoint/2010/main" val="2622653413"/>
+      </p:ext>
+    </p:extLst>
   </p:cSld>
   <p:clrMapOvr>
     <a:masterClrMapping/>
@@ -2389,7 +1968,7 @@
 
 <file path=ppt/slideLayouts/slideLayout7.xml><?xml version="1.0" encoding="utf-8"?>
 <p:sldLayout xmlns:a="http://schemas.openxmlformats.org/drawingml/2006/main" xmlns:r="http://schemas.openxmlformats.org/officeDocument/2006/relationships" xmlns:p="http://schemas.openxmlformats.org/presentationml/2006/main" type="blank" preserve="1">
-  <p:cSld name="Blank">
+  <p:cSld name="空白">
     <p:spTree>
       <p:nvGrpSpPr>
         <p:cNvPr id="1" name=""/>
@@ -2406,7 +1985,7 @@
       </p:grpSpPr>
       <p:sp>
         <p:nvSpPr>
-          <p:cNvPr id="2" name="Date Placeholder 1"/>
+          <p:cNvPr id="2" name="日期版面配置區 1"/>
           <p:cNvSpPr>
             <a:spLocks noGrp="1"/>
           </p:cNvSpPr>
@@ -2421,7 +2000,7 @@
           <a:p>
             <a:fld id="{514BF617-2053-40DC-98CF-B6021961C3AC}" type="datetimeFigureOut">
               <a:rPr lang="en-US" smtClean="0"/>
-              <a:t>3/7/2013</a:t>
+              <a:t>3/29/2022</a:t>
             </a:fld>
             <a:endParaRPr lang="en-US"/>
           </a:p>
@@ -2429,7 +2008,7 @@
       </p:sp>
       <p:sp>
         <p:nvSpPr>
-          <p:cNvPr id="3" name="Footer Placeholder 2"/>
+          <p:cNvPr id="3" name="頁尾版面配置區 2"/>
           <p:cNvSpPr>
             <a:spLocks noGrp="1"/>
           </p:cNvSpPr>
@@ -2448,7 +2027,7 @@
       </p:sp>
       <p:sp>
         <p:nvSpPr>
-          <p:cNvPr id="4" name="Slide Number Placeholder 3"/>
+          <p:cNvPr id="4" name="投影片編號版面配置區 3"/>
           <p:cNvSpPr>
             <a:spLocks noGrp="1"/>
           </p:cNvSpPr>
@@ -2470,6 +2049,11 @@
         </p:txBody>
       </p:sp>
     </p:spTree>
+    <p:extLst>
+      <p:ext uri="{BB962C8B-B14F-4D97-AF65-F5344CB8AC3E}">
+        <p14:creationId xmlns:p14="http://schemas.microsoft.com/office/powerpoint/2010/main" val="791703384"/>
+      </p:ext>
+    </p:extLst>
   </p:cSld>
   <p:clrMapOvr>
     <a:masterClrMapping/>
@@ -2479,7 +2063,7 @@
 
 <file path=ppt/slideLayouts/slideLayout8.xml><?xml version="1.0" encoding="utf-8"?>
 <p:sldLayout xmlns:a="http://schemas.openxmlformats.org/drawingml/2006/main" xmlns:r="http://schemas.openxmlformats.org/officeDocument/2006/relationships" xmlns:p="http://schemas.openxmlformats.org/presentationml/2006/main" type="objTx" preserve="1">
-  <p:cSld name="Content with Caption">
+  <p:cSld name="含標題的內容">
     <p:spTree>
       <p:nvGrpSpPr>
         <p:cNvPr id="1" name=""/>
@@ -2496,7 +2080,7 @@
       </p:grpSpPr>
       <p:sp>
         <p:nvSpPr>
-          <p:cNvPr id="2" name="Title 1"/>
+          <p:cNvPr id="2" name="標題 1"/>
           <p:cNvSpPr>
             <a:spLocks noGrp="1"/>
           </p:cNvSpPr>
@@ -2506,41 +2090,29 @@
         </p:nvSpPr>
         <p:spPr>
           <a:xfrm>
-            <a:off x="464108" y="5500702"/>
-            <a:ext cx="8228639" cy="857256"/>
+            <a:off x="609603" y="273051"/>
+            <a:ext cx="4011084" cy="1162051"/>
           </a:xfrm>
         </p:spPr>
         <p:txBody>
-          <a:bodyPr anchor="ctr"/>
+          <a:bodyPr anchor="b"/>
           <a:lstStyle>
-            <a:lvl1pPr algn="ctr">
-              <a:spcAft>
-                <a:spcPts val="0"/>
-              </a:spcAft>
-              <a:defRPr sz="3200" b="1">
-                <a:ln w="6350">
-                  <a:solidFill>
-                    <a:schemeClr val="tx2">
-                      <a:tint val="5000"/>
-                    </a:schemeClr>
-                  </a:solidFill>
-                  <a:prstDash val="solid"/>
-                </a:ln>
-              </a:defRPr>
+            <a:lvl1pPr algn="l">
+              <a:defRPr sz="2000" b="1"/>
             </a:lvl1pPr>
           </a:lstStyle>
           <a:p>
             <a:r>
-              <a:rPr kumimoji="0" lang="en-US" smtClean="0"/>
+              <a:rPr lang="en-US" altLang="zh-TW" smtClean="0"/>
               <a:t>Click to edit Master title style</a:t>
             </a:r>
-            <a:endParaRPr kumimoji="0" lang="en-US"/>
-          </a:p>
-        </p:txBody>
-      </p:sp>
-      <p:sp>
-        <p:nvSpPr>
-          <p:cNvPr id="3" name="Content Placeholder 2"/>
+            <a:endParaRPr lang="zh-TW" altLang="en-US"/>
+          </a:p>
+        </p:txBody>
+      </p:sp>
+      <p:sp>
+        <p:nvSpPr>
+          <p:cNvPr id="3" name="內容版面配置區 2"/>
           <p:cNvSpPr>
             <a:spLocks noGrp="1"/>
           </p:cNvSpPr>
@@ -2550,8 +2122,8 @@
         </p:nvSpPr>
         <p:spPr>
           <a:xfrm>
-            <a:off x="3575050" y="357166"/>
-            <a:ext cx="5111750" cy="5072098"/>
+            <a:off x="4766733" y="273054"/>
+            <a:ext cx="6815667" cy="5853113"/>
           </a:xfrm>
         </p:spPr>
         <p:txBody>
@@ -2586,46 +2158,46 @@
             </a:lvl9pPr>
           </a:lstStyle>
           <a:p>
-            <a:pPr lvl="0" eaLnBrk="1" latinLnBrk="0" hangingPunct="1"/>
-            <a:r>
-              <a:rPr lang="en-US" smtClean="0"/>
-              <a:t>Click to edit Master text styles</a:t>
-            </a:r>
-          </a:p>
-          <a:p>
-            <a:pPr lvl="1" eaLnBrk="1" latinLnBrk="0" hangingPunct="1"/>
-            <a:r>
-              <a:rPr lang="en-US" smtClean="0"/>
+            <a:pPr lvl="0"/>
+            <a:r>
+              <a:rPr lang="en-US" altLang="zh-TW" smtClean="0"/>
+              <a:t>Edit Master text styles</a:t>
+            </a:r>
+          </a:p>
+          <a:p>
+            <a:pPr lvl="1"/>
+            <a:r>
+              <a:rPr lang="en-US" altLang="zh-TW" smtClean="0"/>
               <a:t>Second level</a:t>
             </a:r>
           </a:p>
           <a:p>
-            <a:pPr lvl="2" eaLnBrk="1" latinLnBrk="0" hangingPunct="1"/>
-            <a:r>
-              <a:rPr lang="en-US" smtClean="0"/>
+            <a:pPr lvl="2"/>
+            <a:r>
+              <a:rPr lang="en-US" altLang="zh-TW" smtClean="0"/>
               <a:t>Third level</a:t>
             </a:r>
           </a:p>
           <a:p>
-            <a:pPr lvl="3" eaLnBrk="1" latinLnBrk="0" hangingPunct="1"/>
-            <a:r>
-              <a:rPr lang="en-US" smtClean="0"/>
+            <a:pPr lvl="3"/>
+            <a:r>
+              <a:rPr lang="en-US" altLang="zh-TW" smtClean="0"/>
               <a:t>Fourth level</a:t>
             </a:r>
           </a:p>
           <a:p>
-            <a:pPr lvl="4" eaLnBrk="1" latinLnBrk="0" hangingPunct="1"/>
-            <a:r>
-              <a:rPr lang="en-US" smtClean="0"/>
+            <a:pPr lvl="4"/>
+            <a:r>
+              <a:rPr lang="en-US" altLang="zh-TW" smtClean="0"/>
               <a:t>Fifth level</a:t>
             </a:r>
-            <a:endParaRPr kumimoji="0" lang="en-US"/>
-          </a:p>
-        </p:txBody>
-      </p:sp>
-      <p:sp>
-        <p:nvSpPr>
-          <p:cNvPr id="4" name="Text Placeholder 3"/>
+            <a:endParaRPr lang="zh-TW" altLang="en-US"/>
+          </a:p>
+        </p:txBody>
+      </p:sp>
+      <p:sp>
+        <p:nvSpPr>
+          <p:cNvPr id="4" name="文字版面配置區 3"/>
           <p:cNvSpPr>
             <a:spLocks noGrp="1"/>
           </p:cNvSpPr>
@@ -2635,106 +2207,62 @@
         </p:nvSpPr>
         <p:spPr>
           <a:xfrm>
-            <a:off x="457211" y="1714488"/>
-            <a:ext cx="3008313" cy="3714776"/>
+            <a:off x="609603" y="1435103"/>
+            <a:ext cx="4011084" cy="4691063"/>
           </a:xfrm>
         </p:spPr>
         <p:txBody>
-          <a:bodyPr anchor="t"/>
+          <a:bodyPr/>
           <a:lstStyle>
             <a:lvl1pPr marL="0" indent="0">
-              <a:spcAft>
-                <a:spcPts val="600"/>
-              </a:spcAft>
               <a:buNone/>
               <a:defRPr sz="1400"/>
             </a:lvl1pPr>
-            <a:lvl2pPr marL="457200" indent="0">
-              <a:spcAft>
-                <a:spcPts val="600"/>
-              </a:spcAft>
+            <a:lvl2pPr marL="457189" indent="0">
               <a:buNone/>
               <a:defRPr sz="1200"/>
             </a:lvl2pPr>
-            <a:lvl3pPr marL="914400" indent="0">
-              <a:spcAft>
-                <a:spcPts val="600"/>
-              </a:spcAft>
+            <a:lvl3pPr marL="914378" indent="0">
               <a:buNone/>
               <a:defRPr sz="1000"/>
             </a:lvl3pPr>
-            <a:lvl4pPr marL="1371600" indent="0">
-              <a:spcAft>
-                <a:spcPts val="600"/>
-              </a:spcAft>
+            <a:lvl4pPr marL="1371566" indent="0">
               <a:buNone/>
               <a:defRPr sz="900"/>
             </a:lvl4pPr>
-            <a:lvl5pPr marL="1828800" indent="0">
-              <a:spcAft>
-                <a:spcPts val="600"/>
-              </a:spcAft>
+            <a:lvl5pPr marL="1828754" indent="0">
               <a:buNone/>
               <a:defRPr sz="900"/>
             </a:lvl5pPr>
-            <a:lvl6pPr marL="2286000" indent="0">
+            <a:lvl6pPr marL="2285943" indent="0">
               <a:buNone/>
               <a:defRPr sz="900"/>
             </a:lvl6pPr>
-            <a:lvl7pPr marL="2743200" indent="0">
+            <a:lvl7pPr marL="2743132" indent="0">
               <a:buNone/>
               <a:defRPr sz="900"/>
             </a:lvl7pPr>
-            <a:lvl8pPr marL="3200400" indent="0">
+            <a:lvl8pPr marL="3200320" indent="0">
               <a:buNone/>
               <a:defRPr sz="900"/>
             </a:lvl8pPr>
-            <a:lvl9pPr marL="3657600" indent="0">
+            <a:lvl9pPr marL="3657509" indent="0">
               <a:buNone/>
               <a:defRPr sz="900"/>
             </a:lvl9pPr>
           </a:lstStyle>
           <a:p>
-            <a:pPr lvl="0" eaLnBrk="1" latinLnBrk="0" hangingPunct="1"/>
-            <a:r>
-              <a:rPr lang="en-US" smtClean="0"/>
-              <a:t>Click to edit Master text styles</a:t>
-            </a:r>
-          </a:p>
-          <a:p>
-            <a:pPr lvl="1" eaLnBrk="1" latinLnBrk="0" hangingPunct="1"/>
-            <a:r>
-              <a:rPr lang="en-US" smtClean="0"/>
-              <a:t>Second level</a:t>
-            </a:r>
-          </a:p>
-          <a:p>
-            <a:pPr lvl="2" eaLnBrk="1" latinLnBrk="0" hangingPunct="1"/>
-            <a:r>
-              <a:rPr lang="en-US" smtClean="0"/>
-              <a:t>Third level</a:t>
-            </a:r>
-          </a:p>
-          <a:p>
-            <a:pPr lvl="3" eaLnBrk="1" latinLnBrk="0" hangingPunct="1"/>
-            <a:r>
-              <a:rPr lang="en-US" smtClean="0"/>
-              <a:t>Fourth level</a:t>
-            </a:r>
-          </a:p>
-          <a:p>
-            <a:pPr lvl="4" eaLnBrk="1" latinLnBrk="0" hangingPunct="1"/>
-            <a:r>
-              <a:rPr lang="en-US" smtClean="0"/>
-              <a:t>Fifth level</a:t>
-            </a:r>
-            <a:endParaRPr kumimoji="0" lang="en-US"/>
-          </a:p>
-        </p:txBody>
-      </p:sp>
-      <p:sp>
-        <p:nvSpPr>
-          <p:cNvPr id="5" name="Date Placeholder 4"/>
+            <a:pPr lvl="0"/>
+            <a:r>
+              <a:rPr lang="en-US" altLang="zh-TW" smtClean="0"/>
+              <a:t>Edit Master text styles</a:t>
+            </a:r>
+          </a:p>
+        </p:txBody>
+      </p:sp>
+      <p:sp>
+        <p:nvSpPr>
+          <p:cNvPr id="5" name="日期版面配置區 4"/>
           <p:cNvSpPr>
             <a:spLocks noGrp="1"/>
           </p:cNvSpPr>
@@ -2749,7 +2277,7 @@
           <a:p>
             <a:fld id="{514BF617-2053-40DC-98CF-B6021961C3AC}" type="datetimeFigureOut">
               <a:rPr lang="en-US" smtClean="0"/>
-              <a:t>3/7/2013</a:t>
+              <a:t>3/29/2022</a:t>
             </a:fld>
             <a:endParaRPr lang="en-US"/>
           </a:p>
@@ -2757,7 +2285,7 @@
       </p:sp>
       <p:sp>
         <p:nvSpPr>
-          <p:cNvPr id="6" name="Footer Placeholder 5"/>
+          <p:cNvPr id="6" name="頁尾版面配置區 5"/>
           <p:cNvSpPr>
             <a:spLocks noGrp="1"/>
           </p:cNvSpPr>
@@ -2776,7 +2304,7 @@
       </p:sp>
       <p:sp>
         <p:nvSpPr>
-          <p:cNvPr id="7" name="Slide Number Placeholder 6"/>
+          <p:cNvPr id="7" name="投影片編號版面配置區 6"/>
           <p:cNvSpPr>
             <a:spLocks noGrp="1"/>
           </p:cNvSpPr>
@@ -2798,6 +2326,11 @@
         </p:txBody>
       </p:sp>
     </p:spTree>
+    <p:extLst>
+      <p:ext uri="{BB962C8B-B14F-4D97-AF65-F5344CB8AC3E}">
+        <p14:creationId xmlns:p14="http://schemas.microsoft.com/office/powerpoint/2010/main" val="2086179286"/>
+      </p:ext>
+    </p:extLst>
   </p:cSld>
   <p:clrMapOvr>
     <a:masterClrMapping/>
@@ -2807,7 +2340,7 @@
 
 <file path=ppt/slideLayouts/slideLayout9.xml><?xml version="1.0" encoding="utf-8"?>
 <p:sldLayout xmlns:a="http://schemas.openxmlformats.org/drawingml/2006/main" xmlns:r="http://schemas.openxmlformats.org/officeDocument/2006/relationships" xmlns:p="http://schemas.openxmlformats.org/presentationml/2006/main" type="picTx" preserve="1">
-  <p:cSld name="Picture with Caption">
+  <p:cSld name="含標題的圖片">
     <p:spTree>
       <p:nvGrpSpPr>
         <p:cNvPr id="1" name=""/>
@@ -2824,7 +2357,7 @@
       </p:grpSpPr>
       <p:sp>
         <p:nvSpPr>
-          <p:cNvPr id="2" name="Title 1"/>
+          <p:cNvPr id="2" name="標題 1"/>
           <p:cNvSpPr>
             <a:spLocks noGrp="1"/>
           </p:cNvSpPr>
@@ -2834,38 +2367,29 @@
         </p:nvSpPr>
         <p:spPr>
           <a:xfrm>
-            <a:off x="1485888" y="428604"/>
-            <a:ext cx="6172224" cy="566738"/>
+            <a:off x="2389717" y="4800602"/>
+            <a:ext cx="7315200" cy="566739"/>
           </a:xfrm>
         </p:spPr>
         <p:txBody>
-          <a:bodyPr anchor="ctr"/>
+          <a:bodyPr anchor="b"/>
           <a:lstStyle>
-            <a:lvl1pPr algn="ctr">
-              <a:defRPr sz="2800" b="1">
-                <a:ln w="9525">
-                  <a:solidFill>
-                    <a:schemeClr val="tx2">
-                      <a:tint val="5000"/>
-                    </a:schemeClr>
-                  </a:solidFill>
-                  <a:prstDash val="solid"/>
-                </a:ln>
-              </a:defRPr>
+            <a:lvl1pPr algn="l">
+              <a:defRPr sz="2000" b="1"/>
             </a:lvl1pPr>
           </a:lstStyle>
           <a:p>
             <a:r>
-              <a:rPr kumimoji="0" lang="en-US" smtClean="0"/>
+              <a:rPr lang="en-US" altLang="zh-TW" smtClean="0"/>
               <a:t>Click to edit Master title style</a:t>
             </a:r>
-            <a:endParaRPr kumimoji="0" lang="en-US"/>
-          </a:p>
-        </p:txBody>
-      </p:sp>
-      <p:sp>
-        <p:nvSpPr>
-          <p:cNvPr id="3" name="Picture Placeholder 2"/>
+            <a:endParaRPr lang="zh-TW" altLang="en-US"/>
+          </a:p>
+        </p:txBody>
+      </p:sp>
+      <p:sp>
+        <p:nvSpPr>
+          <p:cNvPr id="3" name="圖片版面配置區 2"/>
           <p:cNvSpPr>
             <a:spLocks noGrp="1"/>
           </p:cNvSpPr>
@@ -2875,42 +2399,10 @@
         </p:nvSpPr>
         <p:spPr>
           <a:xfrm>
-            <a:off x="486000" y="1151862"/>
-            <a:ext cx="8172000" cy="4420278"/>
+            <a:off x="2389717" y="612775"/>
+            <a:ext cx="7315200" cy="4114800"/>
           </a:xfrm>
-          <a:prstGeom prst="ellipse">
-            <a:avLst/>
-          </a:prstGeom>
-          <a:ln w="25400" cap="flat" cmpd="sng" algn="ctr">
-            <a:solidFill>
-              <a:schemeClr val="accent5">
-                <a:shade val="75000"/>
-              </a:schemeClr>
-            </a:solidFill>
-            <a:prstDash val="solid"/>
-          </a:ln>
-          <a:effectLst>
-            <a:glow rad="152400">
-              <a:schemeClr val="accent5">
-                <a:alpha val="75000"/>
-              </a:schemeClr>
-            </a:glow>
-          </a:effectLst>
         </p:spPr>
-        <p:style>
-          <a:lnRef idx="2">
-            <a:schemeClr val="accent5"/>
-          </a:lnRef>
-          <a:fillRef idx="1">
-            <a:schemeClr val="lt1"/>
-          </a:fillRef>
-          <a:effectRef idx="0">
-            <a:schemeClr val="accent5"/>
-          </a:effectRef>
-          <a:fontRef idx="minor">
-            <a:schemeClr val="dk1"/>
-          </a:fontRef>
-        </p:style>
         <p:txBody>
           <a:bodyPr/>
           <a:lstStyle>
@@ -2918,51 +2410,51 @@
               <a:buNone/>
               <a:defRPr sz="3200"/>
             </a:lvl1pPr>
-            <a:lvl2pPr marL="457200" indent="0">
+            <a:lvl2pPr marL="457189" indent="0">
               <a:buNone/>
               <a:defRPr sz="2800"/>
             </a:lvl2pPr>
-            <a:lvl3pPr marL="914400" indent="0">
+            <a:lvl3pPr marL="914378" indent="0">
               <a:buNone/>
               <a:defRPr sz="2400"/>
             </a:lvl3pPr>
-            <a:lvl4pPr marL="1371600" indent="0">
+            <a:lvl4pPr marL="1371566" indent="0">
               <a:buNone/>
               <a:defRPr sz="2000"/>
             </a:lvl4pPr>
-            <a:lvl5pPr marL="1828800" indent="0">
+            <a:lvl5pPr marL="1828754" indent="0">
               <a:buNone/>
               <a:defRPr sz="2000"/>
             </a:lvl5pPr>
-            <a:lvl6pPr marL="2286000" indent="0">
+            <a:lvl6pPr marL="2285943" indent="0">
               <a:buNone/>
               <a:defRPr sz="2000"/>
             </a:lvl6pPr>
-            <a:lvl7pPr marL="2743200" indent="0">
+            <a:lvl7pPr marL="2743132" indent="0">
               <a:buNone/>
               <a:defRPr sz="2000"/>
             </a:lvl7pPr>
-            <a:lvl8pPr marL="3200400" indent="0">
+            <a:lvl8pPr marL="3200320" indent="0">
               <a:buNone/>
               <a:defRPr sz="2000"/>
             </a:lvl8pPr>
-            <a:lvl9pPr marL="3657600" indent="0">
+            <a:lvl9pPr marL="3657509" indent="0">
               <a:buNone/>
               <a:defRPr sz="2000"/>
             </a:lvl9pPr>
           </a:lstStyle>
           <a:p>
             <a:r>
-              <a:rPr kumimoji="0" lang="en-US" smtClean="0"/>
+              <a:rPr lang="en-US" altLang="zh-TW" smtClean="0"/>
               <a:t>Click icon to add picture</a:t>
             </a:r>
-            <a:endParaRPr kumimoji="0" lang="en-US"/>
-          </a:p>
-        </p:txBody>
-      </p:sp>
-      <p:sp>
-        <p:nvSpPr>
-          <p:cNvPr id="4" name="Text Placeholder 3"/>
+            <a:endParaRPr lang="zh-TW" altLang="en-US"/>
+          </a:p>
+        </p:txBody>
+      </p:sp>
+      <p:sp>
+        <p:nvSpPr>
+          <p:cNvPr id="4" name="文字版面配置區 3"/>
           <p:cNvSpPr>
             <a:spLocks noGrp="1"/>
           </p:cNvSpPr>
@@ -2972,91 +2464,62 @@
         </p:nvSpPr>
         <p:spPr>
           <a:xfrm>
-            <a:off x="1828800" y="5695972"/>
-            <a:ext cx="5486400" cy="804862"/>
+            <a:off x="2389717" y="5367340"/>
+            <a:ext cx="7315200" cy="804863"/>
           </a:xfrm>
         </p:spPr>
         <p:txBody>
-          <a:bodyPr anchor="ctr"/>
+          <a:bodyPr/>
           <a:lstStyle>
-            <a:lvl1pPr marL="0" indent="0" algn="ctr">
+            <a:lvl1pPr marL="0" indent="0">
               <a:buNone/>
               <a:defRPr sz="1400"/>
             </a:lvl1pPr>
-            <a:lvl2pPr marL="457200" indent="0" algn="ctr">
+            <a:lvl2pPr marL="457189" indent="0">
               <a:buNone/>
               <a:defRPr sz="1200"/>
             </a:lvl2pPr>
-            <a:lvl3pPr marL="914400" indent="0" algn="ctr">
+            <a:lvl3pPr marL="914378" indent="0">
               <a:buNone/>
               <a:defRPr sz="1000"/>
             </a:lvl3pPr>
-            <a:lvl4pPr marL="1371600" indent="0" algn="ctr">
+            <a:lvl4pPr marL="1371566" indent="0">
               <a:buNone/>
               <a:defRPr sz="900"/>
             </a:lvl4pPr>
-            <a:lvl5pPr marL="1828800" indent="0" algn="ctr">
+            <a:lvl5pPr marL="1828754" indent="0">
               <a:buNone/>
               <a:defRPr sz="900"/>
             </a:lvl5pPr>
-            <a:lvl6pPr marL="2286000" indent="0">
+            <a:lvl6pPr marL="2285943" indent="0">
               <a:buNone/>
               <a:defRPr sz="900"/>
             </a:lvl6pPr>
-            <a:lvl7pPr marL="2743200" indent="0">
+            <a:lvl7pPr marL="2743132" indent="0">
               <a:buNone/>
               <a:defRPr sz="900"/>
             </a:lvl7pPr>
-            <a:lvl8pPr marL="3200400" indent="0">
+            <a:lvl8pPr marL="3200320" indent="0">
               <a:buNone/>
               <a:defRPr sz="900"/>
             </a:lvl8pPr>
-            <a:lvl9pPr marL="3657600" indent="0">
+            <a:lvl9pPr marL="3657509" indent="0">
               <a:buNone/>
               <a:defRPr sz="900"/>
             </a:lvl9pPr>
           </a:lstStyle>
           <a:p>
-            <a:pPr lvl="0" eaLnBrk="1" latinLnBrk="0" hangingPunct="1"/>
-            <a:r>
-              <a:rPr lang="en-US" smtClean="0"/>
-              <a:t>Click to edit Master text styles</a:t>
-            </a:r>
-          </a:p>
-          <a:p>
-            <a:pPr lvl="1" eaLnBrk="1" latinLnBrk="0" hangingPunct="1"/>
-            <a:r>
-              <a:rPr lang="en-US" smtClean="0"/>
-              <a:t>Second level</a:t>
-            </a:r>
-          </a:p>
-          <a:p>
-            <a:pPr lvl="2" eaLnBrk="1" latinLnBrk="0" hangingPunct="1"/>
-            <a:r>
-              <a:rPr lang="en-US" smtClean="0"/>
-              <a:t>Third level</a:t>
-            </a:r>
-          </a:p>
-          <a:p>
-            <a:pPr lvl="3" eaLnBrk="1" latinLnBrk="0" hangingPunct="1"/>
-            <a:r>
-              <a:rPr lang="en-US" smtClean="0"/>
-              <a:t>Fourth level</a:t>
-            </a:r>
-          </a:p>
-          <a:p>
-            <a:pPr lvl="4" eaLnBrk="1" latinLnBrk="0" hangingPunct="1"/>
-            <a:r>
-              <a:rPr lang="en-US" smtClean="0"/>
-              <a:t>Fifth level</a:t>
-            </a:r>
-            <a:endParaRPr kumimoji="0" lang="en-US"/>
-          </a:p>
-        </p:txBody>
-      </p:sp>
-      <p:sp>
-        <p:nvSpPr>
-          <p:cNvPr id="5" name="Date Placeholder 4"/>
+            <a:pPr lvl="0"/>
+            <a:r>
+              <a:rPr lang="en-US" altLang="zh-TW" smtClean="0"/>
+              <a:t>Edit Master text styles</a:t>
+            </a:r>
+          </a:p>
+        </p:txBody>
+      </p:sp>
+      <p:sp>
+        <p:nvSpPr>
+          <p:cNvPr id="5" name="日期版面配置區 4"/>
           <p:cNvSpPr>
             <a:spLocks noGrp="1"/>
           </p:cNvSpPr>
@@ -3071,7 +2534,7 @@
           <a:p>
             <a:fld id="{514BF617-2053-40DC-98CF-B6021961C3AC}" type="datetimeFigureOut">
               <a:rPr lang="en-US" smtClean="0"/>
-              <a:t>3/7/2013</a:t>
+              <a:t>3/29/2022</a:t>
             </a:fld>
             <a:endParaRPr lang="en-US"/>
           </a:p>
@@ -3079,7 +2542,7 @@
       </p:sp>
       <p:sp>
         <p:nvSpPr>
-          <p:cNvPr id="6" name="Footer Placeholder 5"/>
+          <p:cNvPr id="6" name="頁尾版面配置區 5"/>
           <p:cNvSpPr>
             <a:spLocks noGrp="1"/>
           </p:cNvSpPr>
@@ -3098,7 +2561,7 @@
       </p:sp>
       <p:sp>
         <p:nvSpPr>
-          <p:cNvPr id="7" name="Slide Number Placeholder 6"/>
+          <p:cNvPr id="7" name="投影片編號版面配置區 6"/>
           <p:cNvSpPr>
             <a:spLocks noGrp="1"/>
           </p:cNvSpPr>
@@ -3120,6 +2583,11 @@
         </p:txBody>
       </p:sp>
     </p:spTree>
+    <p:extLst>
+      <p:ext uri="{BB962C8B-B14F-4D97-AF65-F5344CB8AC3E}">
+        <p14:creationId xmlns:p14="http://schemas.microsoft.com/office/powerpoint/2010/main" val="3685861251"/>
+      </p:ext>
+    </p:extLst>
   </p:cSld>
   <p:clrMapOvr>
     <a:masterClrMapping/>
@@ -3131,9 +2599,14 @@
 <p:sldMaster xmlns:a="http://schemas.openxmlformats.org/drawingml/2006/main" xmlns:r="http://schemas.openxmlformats.org/officeDocument/2006/relationships" xmlns:p="http://schemas.openxmlformats.org/presentationml/2006/main">
   <p:cSld>
     <p:bg>
-      <p:bgRef idx="1002">
-        <a:schemeClr val="bg2"/>
-      </p:bgRef>
+      <p:bgPr>
+        <a:blipFill dpi="0" rotWithShape="1">
+          <a:blip r:embed="rId13"/>
+          <a:srcRect/>
+          <a:tile tx="0" ty="0" sx="100000" sy="100000" flip="none" algn="tl"/>
+        </a:blipFill>
+        <a:effectLst/>
+      </p:bgPr>
     </p:bg>
     <p:spTree>
       <p:nvGrpSpPr>
@@ -3151,7 +2624,7 @@
       </p:grpSpPr>
       <p:sp>
         <p:nvSpPr>
-          <p:cNvPr id="2" name="Title Placeholder 1"/>
+          <p:cNvPr id="2" name="標題版面配置區 1"/>
           <p:cNvSpPr>
             <a:spLocks noGrp="1"/>
           </p:cNvSpPr>
@@ -3161,30 +2634,30 @@
         </p:nvSpPr>
         <p:spPr>
           <a:xfrm>
-            <a:off x="457200" y="274638"/>
-            <a:ext cx="8229600" cy="1143000"/>
+            <a:off x="609600" y="274639"/>
+            <a:ext cx="10972800" cy="1143000"/>
           </a:xfrm>
           <a:prstGeom prst="rect">
             <a:avLst/>
           </a:prstGeom>
         </p:spPr>
         <p:txBody>
-          <a:bodyPr vert="horz" rtlCol="0" anchor="ctr">
+          <a:bodyPr vert="horz" lIns="91440" tIns="45720" rIns="91440" bIns="45720" rtlCol="0" anchor="ctr">
             <a:normAutofit/>
           </a:bodyPr>
           <a:lstStyle/>
           <a:p>
             <a:r>
-              <a:rPr kumimoji="0" lang="en-US" smtClean="0"/>
-              <a:t>Click to edit Master title style</a:t>
-            </a:r>
-            <a:endParaRPr kumimoji="0" lang="en-US"/>
-          </a:p>
-        </p:txBody>
-      </p:sp>
-      <p:sp>
-        <p:nvSpPr>
-          <p:cNvPr id="3" name="Text Placeholder 2"/>
+              <a:rPr lang="zh-TW" altLang="en-US" smtClean="0"/>
+              <a:t>按一下以編輯母片標題樣式</a:t>
+            </a:r>
+            <a:endParaRPr lang="zh-TW" altLang="en-US"/>
+          </a:p>
+        </p:txBody>
+      </p:sp>
+      <p:sp>
+        <p:nvSpPr>
+          <p:cNvPr id="3" name="文字版面配置區 2"/>
           <p:cNvSpPr>
             <a:spLocks noGrp="1"/>
           </p:cNvSpPr>
@@ -3194,59 +2667,59 @@
         </p:nvSpPr>
         <p:spPr>
           <a:xfrm>
-            <a:off x="457200" y="1600200"/>
-            <a:ext cx="8229600" cy="4757758"/>
+            <a:off x="609600" y="1600203"/>
+            <a:ext cx="10972800" cy="4525963"/>
           </a:xfrm>
           <a:prstGeom prst="rect">
             <a:avLst/>
           </a:prstGeom>
         </p:spPr>
         <p:txBody>
-          <a:bodyPr vert="horz" rtlCol="0">
+          <a:bodyPr vert="horz" lIns="91440" tIns="45720" rIns="91440" bIns="45720" rtlCol="0">
             <a:normAutofit/>
           </a:bodyPr>
           <a:lstStyle/>
           <a:p>
-            <a:pPr lvl="0" eaLnBrk="1" latinLnBrk="0" hangingPunct="1"/>
-            <a:r>
-              <a:rPr kumimoji="0" lang="en-US" smtClean="0"/>
-              <a:t>Click to edit Master text styles</a:t>
-            </a:r>
-          </a:p>
-          <a:p>
-            <a:pPr lvl="1" eaLnBrk="1" latinLnBrk="0" hangingPunct="1"/>
-            <a:r>
-              <a:rPr kumimoji="0" lang="en-US" smtClean="0"/>
-              <a:t>Second level</a:t>
-            </a:r>
-          </a:p>
-          <a:p>
-            <a:pPr lvl="2" eaLnBrk="1" latinLnBrk="0" hangingPunct="1"/>
-            <a:r>
-              <a:rPr kumimoji="0" lang="en-US" smtClean="0"/>
-              <a:t>Third level</a:t>
-            </a:r>
-          </a:p>
-          <a:p>
-            <a:pPr lvl="3" eaLnBrk="1" latinLnBrk="0" hangingPunct="1"/>
-            <a:r>
-              <a:rPr kumimoji="0" lang="en-US" smtClean="0"/>
-              <a:t>Fourth level</a:t>
-            </a:r>
-          </a:p>
-          <a:p>
-            <a:pPr lvl="4" eaLnBrk="1" latinLnBrk="0" hangingPunct="1"/>
-            <a:r>
-              <a:rPr kumimoji="0" lang="en-US" smtClean="0"/>
-              <a:t>Fifth level</a:t>
-            </a:r>
-            <a:endParaRPr kumimoji="0" lang="en-US"/>
-          </a:p>
-        </p:txBody>
-      </p:sp>
-      <p:sp>
-        <p:nvSpPr>
-          <p:cNvPr id="4" name="Date Placeholder 3"/>
+            <a:pPr lvl="0"/>
+            <a:r>
+              <a:rPr lang="zh-TW" altLang="en-US" smtClean="0"/>
+              <a:t>按一下以編輯母片文字樣式</a:t>
+            </a:r>
+          </a:p>
+          <a:p>
+            <a:pPr lvl="1"/>
+            <a:r>
+              <a:rPr lang="zh-TW" altLang="en-US" smtClean="0"/>
+              <a:t>第二層</a:t>
+            </a:r>
+          </a:p>
+          <a:p>
+            <a:pPr lvl="2"/>
+            <a:r>
+              <a:rPr lang="zh-TW" altLang="en-US" smtClean="0"/>
+              <a:t>第三層</a:t>
+            </a:r>
+          </a:p>
+          <a:p>
+            <a:pPr lvl="3"/>
+            <a:r>
+              <a:rPr lang="zh-TW" altLang="en-US" smtClean="0"/>
+              <a:t>第四層</a:t>
+            </a:r>
+          </a:p>
+          <a:p>
+            <a:pPr lvl="4"/>
+            <a:r>
+              <a:rPr lang="zh-TW" altLang="en-US" smtClean="0"/>
+              <a:t>第五層</a:t>
+            </a:r>
+            <a:endParaRPr lang="zh-TW" altLang="en-US"/>
+          </a:p>
+        </p:txBody>
+      </p:sp>
+      <p:sp>
+        <p:nvSpPr>
+          <p:cNvPr id="4" name="日期版面配置區 3"/>
           <p:cNvSpPr>
             <a:spLocks noGrp="1"/>
           </p:cNvSpPr>
@@ -3256,18 +2729,18 @@
         </p:nvSpPr>
         <p:spPr>
           <a:xfrm>
-            <a:off x="7010400" y="6492875"/>
-            <a:ext cx="2133600" cy="365125"/>
+            <a:off x="609600" y="6356353"/>
+            <a:ext cx="2844800" cy="365125"/>
           </a:xfrm>
           <a:prstGeom prst="rect">
             <a:avLst/>
           </a:prstGeom>
         </p:spPr>
         <p:txBody>
-          <a:bodyPr vert="horz" rtlCol="0" anchor="ctr"/>
+          <a:bodyPr vert="horz" lIns="91440" tIns="45720" rIns="91440" bIns="45720" rtlCol="0" anchor="ctr"/>
           <a:lstStyle>
-            <a:lvl1pPr algn="r" eaLnBrk="1" latinLnBrk="0" hangingPunct="1">
-              <a:defRPr kumimoji="0" sz="1200">
+            <a:lvl1pPr algn="l">
+              <a:defRPr sz="1200">
                 <a:solidFill>
                   <a:schemeClr val="tx1">
                     <a:tint val="75000"/>
@@ -3279,7 +2752,7 @@
           <a:p>
             <a:fld id="{514BF617-2053-40DC-98CF-B6021961C3AC}" type="datetimeFigureOut">
               <a:rPr lang="en-US" smtClean="0"/>
-              <a:t>3/7/2013</a:t>
+              <a:t>3/29/2022</a:t>
             </a:fld>
             <a:endParaRPr lang="en-US"/>
           </a:p>
@@ -3287,7 +2760,7 @@
       </p:sp>
       <p:sp>
         <p:nvSpPr>
-          <p:cNvPr id="5" name="Footer Placeholder 4"/>
+          <p:cNvPr id="5" name="頁尾版面配置區 4"/>
           <p:cNvSpPr>
             <a:spLocks noGrp="1"/>
           </p:cNvSpPr>
@@ -3297,18 +2770,18 @@
         </p:nvSpPr>
         <p:spPr>
           <a:xfrm>
-            <a:off x="3124200" y="6492875"/>
-            <a:ext cx="2895600" cy="365125"/>
+            <a:off x="4165600" y="6356353"/>
+            <a:ext cx="3860800" cy="365125"/>
           </a:xfrm>
           <a:prstGeom prst="rect">
             <a:avLst/>
           </a:prstGeom>
         </p:spPr>
         <p:txBody>
-          <a:bodyPr vert="horz" rtlCol="0" anchor="ctr"/>
+          <a:bodyPr vert="horz" lIns="91440" tIns="45720" rIns="91440" bIns="45720" rtlCol="0" anchor="ctr"/>
           <a:lstStyle>
-            <a:lvl1pPr algn="ctr" eaLnBrk="1" latinLnBrk="0" hangingPunct="1">
-              <a:defRPr kumimoji="0" sz="1200">
+            <a:lvl1pPr algn="ctr">
+              <a:defRPr sz="1200">
                 <a:solidFill>
                   <a:schemeClr val="tx1">
                     <a:tint val="75000"/>
@@ -3324,7 +2797,7 @@
       </p:sp>
       <p:sp>
         <p:nvSpPr>
-          <p:cNvPr id="6" name="Slide Number Placeholder 5"/>
+          <p:cNvPr id="6" name="投影片編號版面配置區 5"/>
           <p:cNvSpPr>
             <a:spLocks noGrp="1"/>
           </p:cNvSpPr>
@@ -3334,18 +2807,18 @@
         </p:nvSpPr>
         <p:spPr>
           <a:xfrm>
-            <a:off x="0" y="6492875"/>
-            <a:ext cx="571472" cy="365125"/>
+            <a:off x="8737600" y="6356353"/>
+            <a:ext cx="2844800" cy="365125"/>
           </a:xfrm>
           <a:prstGeom prst="rect">
             <a:avLst/>
           </a:prstGeom>
         </p:spPr>
         <p:txBody>
-          <a:bodyPr vert="horz" rtlCol="0" anchor="ctr"/>
+          <a:bodyPr vert="horz" lIns="91440" tIns="45720" rIns="91440" bIns="45720" rtlCol="0" anchor="ctr"/>
           <a:lstStyle>
-            <a:lvl1pPr algn="l" eaLnBrk="1" latinLnBrk="0" hangingPunct="1">
-              <a:defRPr kumimoji="0" sz="1200">
+            <a:lvl1pPr algn="r">
+              <a:defRPr sz="1200">
                 <a:solidFill>
                   <a:schemeClr val="tx1">
                     <a:tint val="75000"/>
@@ -3364,122 +2837,51 @@
         </p:txBody>
       </p:sp>
     </p:spTree>
+    <p:extLst>
+      <p:ext uri="{BB962C8B-B14F-4D97-AF65-F5344CB8AC3E}">
+        <p14:creationId xmlns:p14="http://schemas.microsoft.com/office/powerpoint/2010/main" val="218481574"/>
+      </p:ext>
+    </p:extLst>
   </p:cSld>
   <p:clrMap bg1="lt1" tx1="dk1" bg2="lt2" tx2="dk2" accent1="accent1" accent2="accent2" accent3="accent3" accent4="accent4" accent5="accent5" accent6="accent6" hlink="hlink" folHlink="folHlink"/>
   <p:sldLayoutIdLst>
-    <p:sldLayoutId id="2147483661" r:id="rId1"/>
-    <p:sldLayoutId id="2147483662" r:id="rId2"/>
-    <p:sldLayoutId id="2147483663" r:id="rId3"/>
-    <p:sldLayoutId id="2147483664" r:id="rId4"/>
-    <p:sldLayoutId id="2147483665" r:id="rId5"/>
-    <p:sldLayoutId id="2147483666" r:id="rId6"/>
-    <p:sldLayoutId id="2147483667" r:id="rId7"/>
-    <p:sldLayoutId id="2147483668" r:id="rId8"/>
-    <p:sldLayoutId id="2147483669" r:id="rId9"/>
-    <p:sldLayoutId id="2147483670" r:id="rId10"/>
-    <p:sldLayoutId id="2147483671" r:id="rId11"/>
+    <p:sldLayoutId id="2147483673" r:id="rId1"/>
+    <p:sldLayoutId id="2147483674" r:id="rId2"/>
+    <p:sldLayoutId id="2147483675" r:id="rId3"/>
+    <p:sldLayoutId id="2147483676" r:id="rId4"/>
+    <p:sldLayoutId id="2147483677" r:id="rId5"/>
+    <p:sldLayoutId id="2147483678" r:id="rId6"/>
+    <p:sldLayoutId id="2147483679" r:id="rId7"/>
+    <p:sldLayoutId id="2147483680" r:id="rId8"/>
+    <p:sldLayoutId id="2147483681" r:id="rId9"/>
+    <p:sldLayoutId id="2147483682" r:id="rId10"/>
+    <p:sldLayoutId id="2147483683" r:id="rId11"/>
   </p:sldLayoutIdLst>
   <p:txStyles>
     <p:titleStyle>
-      <a:lvl1pPr algn="ctr" rtl="0" eaLnBrk="1" latinLnBrk="0" hangingPunct="1">
+      <a:lvl1pPr algn="ctr" defTabSz="914378" rtl="0" eaLnBrk="1" latinLnBrk="0" hangingPunct="1">
         <a:spcBef>
           <a:spcPct val="0"/>
         </a:spcBef>
         <a:buNone/>
-        <a:defRPr kumimoji="0" lang="zh-CN" altLang="en-US" sz="4400" b="1" kern="1200" dirty="0">
-          <a:ln w="19050">
-            <a:solidFill>
-              <a:schemeClr val="tx2">
-                <a:tint val="5000"/>
-              </a:schemeClr>
-            </a:solidFill>
-            <a:prstDash val="solid"/>
-          </a:ln>
+        <a:defRPr sz="4400" kern="1200">
           <a:solidFill>
-            <a:schemeClr val="accent3"/>
+            <a:schemeClr val="tx1"/>
           </a:solidFill>
-          <a:effectLst>
-            <a:outerShdw blurRad="50800" dist="50800" dir="7500000" algn="tl">
-              <a:srgbClr val="000000">
-                <a:shade val="5000"/>
-                <a:alpha val="35000"/>
-              </a:srgbClr>
-            </a:outerShdw>
-          </a:effectLst>
           <a:latin typeface="+mj-lt"/>
           <a:ea typeface="+mj-ea"/>
           <a:cs typeface="+mj-cs"/>
         </a:defRPr>
       </a:lvl1pPr>
-      <a:lvl2pPr eaLnBrk="1" latinLnBrk="0" hangingPunct="1">
-        <a:defRPr kumimoji="0">
-          <a:solidFill>
-            <a:schemeClr val="tx2"/>
-          </a:solidFill>
-        </a:defRPr>
-      </a:lvl2pPr>
-      <a:lvl3pPr eaLnBrk="1" latinLnBrk="0" hangingPunct="1">
-        <a:defRPr kumimoji="0">
-          <a:solidFill>
-            <a:schemeClr val="tx2"/>
-          </a:solidFill>
-        </a:defRPr>
-      </a:lvl3pPr>
-      <a:lvl4pPr eaLnBrk="1" latinLnBrk="0" hangingPunct="1">
-        <a:defRPr kumimoji="0">
-          <a:solidFill>
-            <a:schemeClr val="tx2"/>
-          </a:solidFill>
-        </a:defRPr>
-      </a:lvl4pPr>
-      <a:lvl5pPr eaLnBrk="1" latinLnBrk="0" hangingPunct="1">
-        <a:defRPr kumimoji="0">
-          <a:solidFill>
-            <a:schemeClr val="tx2"/>
-          </a:solidFill>
-        </a:defRPr>
-      </a:lvl5pPr>
-      <a:lvl6pPr eaLnBrk="1" latinLnBrk="0" hangingPunct="1">
-        <a:defRPr kumimoji="0">
-          <a:solidFill>
-            <a:schemeClr val="tx2"/>
-          </a:solidFill>
-        </a:defRPr>
-      </a:lvl6pPr>
-      <a:lvl7pPr eaLnBrk="1" latinLnBrk="0" hangingPunct="1">
-        <a:defRPr kumimoji="0">
-          <a:solidFill>
-            <a:schemeClr val="tx2"/>
-          </a:solidFill>
-        </a:defRPr>
-      </a:lvl7pPr>
-      <a:lvl8pPr eaLnBrk="1" latinLnBrk="0" hangingPunct="1">
-        <a:defRPr kumimoji="0">
-          <a:solidFill>
-            <a:schemeClr val="tx2"/>
-          </a:solidFill>
-        </a:defRPr>
-      </a:lvl8pPr>
-      <a:lvl9pPr eaLnBrk="1" latinLnBrk="0" hangingPunct="1">
-        <a:defRPr kumimoji="0">
-          <a:solidFill>
-            <a:schemeClr val="tx2"/>
-          </a:solidFill>
-        </a:defRPr>
-      </a:lvl9pPr>
     </p:titleStyle>
     <p:bodyStyle>
-      <a:lvl1pPr marL="342900" indent="-342900" algn="l" rtl="0" eaLnBrk="1" latinLnBrk="0" hangingPunct="1">
+      <a:lvl1pPr marL="342892" indent="-342892" algn="l" defTabSz="914378" rtl="0" eaLnBrk="1" latinLnBrk="0" hangingPunct="1">
         <a:spcBef>
           <a:spcPct val="20000"/>
         </a:spcBef>
-        <a:buClr>
-          <a:schemeClr val="tx2"/>
-        </a:buClr>
-        <a:buSzPct val="50000"/>
-        <a:buFont typeface="Wingdings 2"/>
-        <a:buChar char=""/>
-        <a:defRPr kumimoji="0" sz="3200" kern="1200">
+        <a:buFont typeface="Arial" pitchFamily="34" charset="0"/>
+        <a:buChar char="•"/>
+        <a:defRPr sz="3200" kern="1200">
           <a:solidFill>
             <a:schemeClr val="tx1"/>
           </a:solidFill>
@@ -3488,17 +2890,13 @@
           <a:cs typeface="+mn-cs"/>
         </a:defRPr>
       </a:lvl1pPr>
-      <a:lvl2pPr marL="742950" indent="-285750" algn="l" rtl="0" eaLnBrk="1" latinLnBrk="0" hangingPunct="1">
+      <a:lvl2pPr marL="742931" indent="-285743" algn="l" defTabSz="914378" rtl="0" eaLnBrk="1" latinLnBrk="0" hangingPunct="1">
         <a:spcBef>
           <a:spcPct val="20000"/>
         </a:spcBef>
-        <a:buClr>
-          <a:schemeClr val="tx2"/>
-        </a:buClr>
-        <a:buSzPct val="50000"/>
-        <a:buFont typeface="Wingdings 2"/>
-        <a:buChar char=""/>
-        <a:defRPr kumimoji="0" sz="2800" kern="1200">
+        <a:buFont typeface="Arial" pitchFamily="34" charset="0"/>
+        <a:buChar char="–"/>
+        <a:defRPr sz="2800" kern="1200">
           <a:solidFill>
             <a:schemeClr val="tx1"/>
           </a:solidFill>
@@ -3507,17 +2905,13 @@
           <a:cs typeface="+mn-cs"/>
         </a:defRPr>
       </a:lvl2pPr>
-      <a:lvl3pPr marL="1143000" indent="-228600" algn="l" rtl="0" eaLnBrk="1" latinLnBrk="0" hangingPunct="1">
+      <a:lvl3pPr marL="1142972" indent="-228594" algn="l" defTabSz="914378" rtl="0" eaLnBrk="1" latinLnBrk="0" hangingPunct="1">
         <a:spcBef>
           <a:spcPct val="20000"/>
         </a:spcBef>
-        <a:buClr>
-          <a:schemeClr val="tx2"/>
-        </a:buClr>
-        <a:buSzPct val="50000"/>
-        <a:buFont typeface="Wingdings 2"/>
-        <a:buChar char=""/>
-        <a:defRPr kumimoji="0" sz="2400" kern="1200">
+        <a:buFont typeface="Arial" pitchFamily="34" charset="0"/>
+        <a:buChar char="•"/>
+        <a:defRPr sz="2400" kern="1200">
           <a:solidFill>
             <a:schemeClr val="tx1"/>
           </a:solidFill>
@@ -3526,17 +2920,13 @@
           <a:cs typeface="+mn-cs"/>
         </a:defRPr>
       </a:lvl3pPr>
-      <a:lvl4pPr marL="1600200" indent="-228600" algn="l" rtl="0" eaLnBrk="1" latinLnBrk="0" hangingPunct="1">
+      <a:lvl4pPr marL="1600160" indent="-228594" algn="l" defTabSz="914378" rtl="0" eaLnBrk="1" latinLnBrk="0" hangingPunct="1">
         <a:spcBef>
           <a:spcPct val="20000"/>
         </a:spcBef>
-        <a:buClr>
-          <a:schemeClr val="tx2"/>
-        </a:buClr>
-        <a:buSzPct val="50000"/>
-        <a:buFont typeface="Wingdings 2"/>
-        <a:buChar char=""/>
-        <a:defRPr kumimoji="0" sz="2000" kern="1200">
+        <a:buFont typeface="Arial" pitchFamily="34" charset="0"/>
+        <a:buChar char="–"/>
+        <a:defRPr sz="2000" kern="1200">
           <a:solidFill>
             <a:schemeClr val="tx1"/>
           </a:solidFill>
@@ -3545,17 +2935,13 @@
           <a:cs typeface="+mn-cs"/>
         </a:defRPr>
       </a:lvl4pPr>
-      <a:lvl5pPr marL="2057400" indent="-228600" algn="l" rtl="0" eaLnBrk="1" latinLnBrk="0" hangingPunct="1">
+      <a:lvl5pPr marL="2057348" indent="-228594" algn="l" defTabSz="914378" rtl="0" eaLnBrk="1" latinLnBrk="0" hangingPunct="1">
         <a:spcBef>
           <a:spcPct val="20000"/>
         </a:spcBef>
-        <a:buClr>
-          <a:schemeClr val="tx2"/>
-        </a:buClr>
-        <a:buSzPct val="50000"/>
-        <a:buFont typeface="Wingdings 2"/>
-        <a:buChar char=""/>
-        <a:defRPr kumimoji="0" sz="2000" kern="1200">
+        <a:buFont typeface="Arial" pitchFamily="34" charset="0"/>
+        <a:buChar char="»"/>
+        <a:defRPr sz="2000" kern="1200">
           <a:solidFill>
             <a:schemeClr val="tx1"/>
           </a:solidFill>
@@ -3564,13 +2950,13 @@
           <a:cs typeface="+mn-cs"/>
         </a:defRPr>
       </a:lvl5pPr>
-      <a:lvl6pPr marL="2514600" indent="-228600" algn="l" rtl="0" eaLnBrk="1" latinLnBrk="0" hangingPunct="1">
+      <a:lvl6pPr marL="2514537" indent="-228594" algn="l" defTabSz="914378" rtl="0" eaLnBrk="1" latinLnBrk="0" hangingPunct="1">
         <a:spcBef>
           <a:spcPct val="20000"/>
         </a:spcBef>
-        <a:buFont typeface="Arial"/>
+        <a:buFont typeface="Arial" pitchFamily="34" charset="0"/>
         <a:buChar char="•"/>
-        <a:defRPr kumimoji="0" sz="2000" kern="1200">
+        <a:defRPr sz="2000" kern="1200">
           <a:solidFill>
             <a:schemeClr val="tx1"/>
           </a:solidFill>
@@ -3579,13 +2965,13 @@
           <a:cs typeface="+mn-cs"/>
         </a:defRPr>
       </a:lvl6pPr>
-      <a:lvl7pPr marL="2971800" indent="-228600" algn="l" rtl="0" eaLnBrk="1" latinLnBrk="0" hangingPunct="1">
+      <a:lvl7pPr marL="2971726" indent="-228594" algn="l" defTabSz="914378" rtl="0" eaLnBrk="1" latinLnBrk="0" hangingPunct="1">
         <a:spcBef>
           <a:spcPct val="20000"/>
         </a:spcBef>
-        <a:buFont typeface="Arial"/>
+        <a:buFont typeface="Arial" pitchFamily="34" charset="0"/>
         <a:buChar char="•"/>
-        <a:defRPr kumimoji="0" sz="2000" kern="1200">
+        <a:defRPr sz="2000" kern="1200">
           <a:solidFill>
             <a:schemeClr val="tx1"/>
           </a:solidFill>
@@ -3594,13 +2980,13 @@
           <a:cs typeface="+mn-cs"/>
         </a:defRPr>
       </a:lvl7pPr>
-      <a:lvl8pPr marL="3429000" indent="-228600" algn="l" rtl="0" eaLnBrk="1" latinLnBrk="0" hangingPunct="1">
+      <a:lvl8pPr marL="3428915" indent="-228594" algn="l" defTabSz="914378" rtl="0" eaLnBrk="1" latinLnBrk="0" hangingPunct="1">
         <a:spcBef>
           <a:spcPct val="20000"/>
         </a:spcBef>
-        <a:buFont typeface="Arial"/>
+        <a:buFont typeface="Arial" pitchFamily="34" charset="0"/>
         <a:buChar char="•"/>
-        <a:defRPr kumimoji="0" sz="2000" kern="1200">
+        <a:defRPr sz="2000" kern="1200">
           <a:solidFill>
             <a:schemeClr val="tx1"/>
           </a:solidFill>
@@ -3609,13 +2995,13 @@
           <a:cs typeface="+mn-cs"/>
         </a:defRPr>
       </a:lvl8pPr>
-      <a:lvl9pPr marL="3886200" indent="-228600" algn="l" rtl="0" eaLnBrk="1" latinLnBrk="0" hangingPunct="1">
+      <a:lvl9pPr marL="3886103" indent="-228594" algn="l" defTabSz="914378" rtl="0" eaLnBrk="1" latinLnBrk="0" hangingPunct="1">
         <a:spcBef>
           <a:spcPct val="20000"/>
         </a:spcBef>
-        <a:buFont typeface="Arial"/>
+        <a:buFont typeface="Arial" pitchFamily="34" charset="0"/>
         <a:buChar char="•"/>
-        <a:defRPr kumimoji="0" sz="2000" kern="1200">
+        <a:defRPr sz="2000" kern="1200">
           <a:solidFill>
             <a:schemeClr val="tx1"/>
           </a:solidFill>
@@ -3626,8 +3012,11 @@
       </a:lvl9pPr>
     </p:bodyStyle>
     <p:otherStyle>
-      <a:lvl1pPr marL="0" algn="l" rtl="0" eaLnBrk="1" latinLnBrk="0" hangingPunct="1">
-        <a:defRPr kumimoji="0" kern="1200">
+      <a:defPPr>
+        <a:defRPr lang="zh-TW"/>
+      </a:defPPr>
+      <a:lvl1pPr marL="0" algn="l" defTabSz="914378" rtl="0" eaLnBrk="1" latinLnBrk="0" hangingPunct="1">
+        <a:defRPr sz="1800" kern="1200">
           <a:solidFill>
             <a:schemeClr val="tx1"/>
           </a:solidFill>
@@ -3636,8 +3025,8 @@
           <a:cs typeface="+mn-cs"/>
         </a:defRPr>
       </a:lvl1pPr>
-      <a:lvl2pPr marL="457200" algn="l" rtl="0" eaLnBrk="1" latinLnBrk="0" hangingPunct="1">
-        <a:defRPr kumimoji="0" kern="1200">
+      <a:lvl2pPr marL="457189" algn="l" defTabSz="914378" rtl="0" eaLnBrk="1" latinLnBrk="0" hangingPunct="1">
+        <a:defRPr sz="1800" kern="1200">
           <a:solidFill>
             <a:schemeClr val="tx1"/>
           </a:solidFill>
@@ -3646,8 +3035,8 @@
           <a:cs typeface="+mn-cs"/>
         </a:defRPr>
       </a:lvl2pPr>
-      <a:lvl3pPr marL="914400" algn="l" rtl="0" eaLnBrk="1" latinLnBrk="0" hangingPunct="1">
-        <a:defRPr kumimoji="0" kern="1200">
+      <a:lvl3pPr marL="914378" algn="l" defTabSz="914378" rtl="0" eaLnBrk="1" latinLnBrk="0" hangingPunct="1">
+        <a:defRPr sz="1800" kern="1200">
           <a:solidFill>
             <a:schemeClr val="tx1"/>
           </a:solidFill>
@@ -3656,8 +3045,8 @@
           <a:cs typeface="+mn-cs"/>
         </a:defRPr>
       </a:lvl3pPr>
-      <a:lvl4pPr marL="1371600" algn="l" rtl="0" eaLnBrk="1" latinLnBrk="0" hangingPunct="1">
-        <a:defRPr kumimoji="0" kern="1200">
+      <a:lvl4pPr marL="1371566" algn="l" defTabSz="914378" rtl="0" eaLnBrk="1" latinLnBrk="0" hangingPunct="1">
+        <a:defRPr sz="1800" kern="1200">
           <a:solidFill>
             <a:schemeClr val="tx1"/>
           </a:solidFill>
@@ -3666,8 +3055,8 @@
           <a:cs typeface="+mn-cs"/>
         </a:defRPr>
       </a:lvl4pPr>
-      <a:lvl5pPr marL="1828800" algn="l" rtl="0" eaLnBrk="1" latinLnBrk="0" hangingPunct="1">
-        <a:defRPr kumimoji="0" kern="1200">
+      <a:lvl5pPr marL="1828754" algn="l" defTabSz="914378" rtl="0" eaLnBrk="1" latinLnBrk="0" hangingPunct="1">
+        <a:defRPr sz="1800" kern="1200">
           <a:solidFill>
             <a:schemeClr val="tx1"/>
           </a:solidFill>
@@ -3676,8 +3065,8 @@
           <a:cs typeface="+mn-cs"/>
         </a:defRPr>
       </a:lvl5pPr>
-      <a:lvl6pPr marL="2286000" algn="l" rtl="0" eaLnBrk="1" latinLnBrk="0" hangingPunct="1">
-        <a:defRPr kumimoji="0" kern="1200">
+      <a:lvl6pPr marL="2285943" algn="l" defTabSz="914378" rtl="0" eaLnBrk="1" latinLnBrk="0" hangingPunct="1">
+        <a:defRPr sz="1800" kern="1200">
           <a:solidFill>
             <a:schemeClr val="tx1"/>
           </a:solidFill>
@@ -3686,8 +3075,8 @@
           <a:cs typeface="+mn-cs"/>
         </a:defRPr>
       </a:lvl6pPr>
-      <a:lvl7pPr marL="2743200" algn="l" rtl="0" eaLnBrk="1" latinLnBrk="0" hangingPunct="1">
-        <a:defRPr kumimoji="0" kern="1200">
+      <a:lvl7pPr marL="2743132" algn="l" defTabSz="914378" rtl="0" eaLnBrk="1" latinLnBrk="0" hangingPunct="1">
+        <a:defRPr sz="1800" kern="1200">
           <a:solidFill>
             <a:schemeClr val="tx1"/>
           </a:solidFill>
@@ -3696,8 +3085,8 @@
           <a:cs typeface="+mn-cs"/>
         </a:defRPr>
       </a:lvl7pPr>
-      <a:lvl8pPr marL="3200400" algn="l" rtl="0" eaLnBrk="1" latinLnBrk="0" hangingPunct="1">
-        <a:defRPr kumimoji="0" kern="1200">
+      <a:lvl8pPr marL="3200320" algn="l" defTabSz="914378" rtl="0" eaLnBrk="1" latinLnBrk="0" hangingPunct="1">
+        <a:defRPr sz="1800" kern="1200">
           <a:solidFill>
             <a:schemeClr val="tx1"/>
           </a:solidFill>
@@ -3706,8 +3095,8 @@
           <a:cs typeface="+mn-cs"/>
         </a:defRPr>
       </a:lvl8pPr>
-      <a:lvl9pPr marL="3657600" algn="l" rtl="0" eaLnBrk="1" latinLnBrk="0" hangingPunct="1">
-        <a:defRPr kumimoji="0" kern="1200">
+      <a:lvl9pPr marL="3657509" algn="l" defTabSz="914378" rtl="0" eaLnBrk="1" latinLnBrk="0" hangingPunct="1">
+        <a:defRPr sz="1800" kern="1200">
           <a:solidFill>
             <a:schemeClr val="tx1"/>
           </a:solidFill>
@@ -3740,95 +3129,83 @@
       </p:grpSpPr>
       <p:sp>
         <p:nvSpPr>
-          <p:cNvPr id="4" name="Title 3"/>
+          <p:cNvPr id="4" name="標題 3"/>
           <p:cNvSpPr>
             <a:spLocks noGrp="1"/>
           </p:cNvSpPr>
           <p:nvPr>
             <p:ph type="title"/>
-          </p:nvPr>
-        </p:nvSpPr>
-        <p:spPr/>
-        <p:txBody>
-          <a:bodyPr/>
-          <a:lstStyle/>
-          <a:p>
-            <a:r>
-              <a:rPr lang="zh-CN" altLang="en-US" dirty="0" smtClean="0"/>
-              <a:t>你的愛不離不棄</a:t>
-            </a:r>
-            <a:endParaRPr lang="en-US" dirty="0"/>
-          </a:p>
-        </p:txBody>
-      </p:sp>
-      <p:sp>
-        <p:nvSpPr>
-          <p:cNvPr id="5" name="Content Placeholder 4"/>
-          <p:cNvSpPr>
-            <a:spLocks noGrp="1"/>
-          </p:cNvSpPr>
-          <p:nvPr>
-            <p:ph idx="1"/>
           </p:nvPr>
         </p:nvSpPr>
         <p:spPr>
           <a:xfrm>
-            <a:off x="152400" y="1600200"/>
-            <a:ext cx="8839200" cy="4525963"/>
+            <a:off x="0" y="2660915"/>
+            <a:ext cx="12192000" cy="1143000"/>
           </a:xfrm>
         </p:spPr>
         <p:txBody>
           <a:bodyPr>
-            <a:normAutofit/>
+            <a:noAutofit/>
           </a:bodyPr>
           <a:lstStyle/>
           <a:p>
-            <a:pPr algn="ctr">
-              <a:buNone/>
-            </a:pPr>
-            <a:r>
-              <a:rPr lang="zh-CN" altLang="en-US" sz="5400" dirty="0" smtClean="0"/>
-              <a:t>沒有一個憂患</a:t>
-            </a:r>
-            <a:endParaRPr lang="en-US" altLang="zh-CN" sz="5400" dirty="0" smtClean="0"/>
-          </a:p>
-          <a:p>
-            <a:pPr algn="ctr">
-              <a:buNone/>
-            </a:pPr>
-            <a:r>
-              <a:rPr lang="zh-CN" altLang="en-US" sz="5400" dirty="0" smtClean="0"/>
-              <a:t>耶穌不能擔當</a:t>
-            </a:r>
-            <a:endParaRPr lang="en-US" altLang="zh-CN" sz="5400" dirty="0" smtClean="0"/>
-          </a:p>
-          <a:p>
-            <a:pPr algn="ctr">
-              <a:buNone/>
-            </a:pPr>
-            <a:r>
-              <a:rPr lang="zh-CN" altLang="en-US" sz="5400" dirty="0"/>
-              <a:t>沒</a:t>
-            </a:r>
-            <a:r>
-              <a:rPr lang="zh-CN" altLang="en-US" sz="5400" dirty="0" smtClean="0"/>
-              <a:t>有一個痛苦</a:t>
-            </a:r>
-            <a:endParaRPr lang="en-US" altLang="zh-CN" sz="5400" dirty="0" smtClean="0"/>
-          </a:p>
-          <a:p>
-            <a:pPr algn="ctr">
-              <a:buNone/>
-            </a:pPr>
-            <a:r>
-              <a:rPr lang="zh-CN" altLang="en-US" sz="5400" dirty="0" smtClean="0"/>
-              <a:t>耶穌不能背負</a:t>
-            </a:r>
-            <a:endParaRPr lang="en-US" sz="5400" dirty="0"/>
+            <a:r>
+              <a:rPr lang="zh-CN" altLang="en-US" sz="7200" b="1" i="1" dirty="0" smtClean="0">
+                <a:solidFill>
+                  <a:srgbClr val="660033"/>
+                </a:solidFill>
+                <a:effectLst>
+                  <a:outerShdw blurRad="38100" dist="38100" dir="2700000" algn="tl">
+                    <a:srgbClr val="000000">
+                      <a:alpha val="43137"/>
+                    </a:srgbClr>
+                  </a:outerShdw>
+                </a:effectLst>
+                <a:latin typeface="微軟正黑體" pitchFamily="34" charset="-120"/>
+                <a:ea typeface="微軟正黑體" pitchFamily="34" charset="-120"/>
+              </a:rPr>
+              <a:t>袮的</a:t>
+            </a:r>
+            <a:r>
+              <a:rPr lang="zh-CN" altLang="en-US" sz="7200" b="1" i="1" dirty="0">
+                <a:solidFill>
+                  <a:srgbClr val="660033"/>
+                </a:solidFill>
+                <a:effectLst>
+                  <a:outerShdw blurRad="38100" dist="38100" dir="2700000" algn="tl">
+                    <a:srgbClr val="000000">
+                      <a:alpha val="43137"/>
+                    </a:srgbClr>
+                  </a:outerShdw>
+                </a:effectLst>
+                <a:latin typeface="微軟正黑體" pitchFamily="34" charset="-120"/>
+                <a:ea typeface="微軟正黑體" pitchFamily="34" charset="-120"/>
+              </a:rPr>
+              <a:t>愛不離不棄</a:t>
+            </a:r>
+            <a:endParaRPr lang="zh-TW" altLang="en-US" sz="7200" b="1" i="1" dirty="0">
+              <a:solidFill>
+                <a:srgbClr val="660033"/>
+              </a:solidFill>
+              <a:effectLst>
+                <a:outerShdw blurRad="38100" dist="38100" dir="2700000" algn="tl">
+                  <a:srgbClr val="000000">
+                    <a:alpha val="43137"/>
+                  </a:srgbClr>
+                </a:outerShdw>
+              </a:effectLst>
+              <a:latin typeface="微軟正黑體" pitchFamily="34" charset="-120"/>
+              <a:ea typeface="微軟正黑體" pitchFamily="34" charset="-120"/>
+            </a:endParaRPr>
           </a:p>
         </p:txBody>
       </p:sp>
     </p:spTree>
+    <p:extLst>
+      <p:ext uri="{BB962C8B-B14F-4D97-AF65-F5344CB8AC3E}">
+        <p14:creationId xmlns:p14="http://schemas.microsoft.com/office/powerpoint/2010/main" val="4145707245"/>
+      </p:ext>
+    </p:extLst>
   </p:cSld>
   <p:clrMapOvr>
     <a:masterClrMapping/>
@@ -3855,30 +3232,7 @@
       </p:grpSpPr>
       <p:sp>
         <p:nvSpPr>
-          <p:cNvPr id="4" name="Title 3"/>
-          <p:cNvSpPr>
-            <a:spLocks noGrp="1"/>
-          </p:cNvSpPr>
-          <p:nvPr>
-            <p:ph type="title"/>
-          </p:nvPr>
-        </p:nvSpPr>
-        <p:spPr/>
-        <p:txBody>
-          <a:bodyPr/>
-          <a:lstStyle/>
-          <a:p>
-            <a:r>
-              <a:rPr lang="zh-CN" altLang="en-US" dirty="0" smtClean="0"/>
-              <a:t>你的愛不離不棄</a:t>
-            </a:r>
-            <a:endParaRPr lang="en-US" dirty="0"/>
-          </a:p>
-        </p:txBody>
-      </p:sp>
-      <p:sp>
-        <p:nvSpPr>
-          <p:cNvPr id="5" name="Content Placeholder 4"/>
+          <p:cNvPr id="5" name="內容版面配置區 4"/>
           <p:cNvSpPr>
             <a:spLocks noGrp="1"/>
           </p:cNvSpPr>
@@ -3888,12 +3242,12 @@
         </p:nvSpPr>
         <p:spPr>
           <a:xfrm>
-            <a:off x="152400" y="1600200"/>
-            <a:ext cx="8839200" cy="4525963"/>
+            <a:off x="0" y="2084851"/>
+            <a:ext cx="12192000" cy="2404863"/>
           </a:xfrm>
         </p:spPr>
         <p:txBody>
-          <a:bodyPr>
+          <a:bodyPr anchor="ctr">
             <a:normAutofit/>
           </a:bodyPr>
           <a:lstStyle/>
@@ -3902,52 +3256,205 @@
               <a:buNone/>
             </a:pPr>
             <a:r>
-              <a:rPr lang="zh-CN" altLang="en-US" sz="5400" dirty="0" smtClean="0"/>
-              <a:t>我要向高山舉目</a:t>
-            </a:r>
-            <a:endParaRPr lang="en-US" altLang="zh-CN" sz="5400" dirty="0" smtClean="0"/>
+              <a:rPr lang="zh-CN" altLang="en-US" sz="6400" b="1" dirty="0" smtClean="0">
+                <a:solidFill>
+                  <a:srgbClr val="660033"/>
+                </a:solidFill>
+                <a:latin typeface="微軟正黑體" pitchFamily="34" charset="-120"/>
+                <a:ea typeface="微軟正黑體" pitchFamily="34" charset="-120"/>
+              </a:rPr>
+              <a:t>沒</a:t>
+            </a:r>
+            <a:r>
+              <a:rPr lang="zh-CN" altLang="en-US" sz="6400" b="1" dirty="0">
+                <a:solidFill>
+                  <a:srgbClr val="660033"/>
+                </a:solidFill>
+                <a:latin typeface="微軟正黑體" pitchFamily="34" charset="-120"/>
+                <a:ea typeface="微軟正黑體" pitchFamily="34" charset="-120"/>
+              </a:rPr>
+              <a:t>有一個憂</a:t>
+            </a:r>
+            <a:r>
+              <a:rPr lang="zh-CN" altLang="en-US" sz="6400" b="1" dirty="0">
+                <a:solidFill>
+                  <a:srgbClr val="660033"/>
+                </a:solidFill>
+                <a:latin typeface="微軟正黑體" pitchFamily="34" charset="-120"/>
+                <a:ea typeface="微軟正黑體" pitchFamily="34" charset="-120"/>
+              </a:rPr>
+              <a:t>患</a:t>
+            </a:r>
+            <a:r>
+              <a:rPr lang="en-US" altLang="zh-CN" sz="6400" b="1" dirty="0">
+                <a:solidFill>
+                  <a:srgbClr val="660033"/>
+                </a:solidFill>
+                <a:latin typeface="微軟正黑體" pitchFamily="34" charset="-120"/>
+                <a:ea typeface="微軟正黑體" pitchFamily="34" charset="-120"/>
+              </a:rPr>
+              <a:t>   </a:t>
+            </a:r>
+            <a:r>
+              <a:rPr lang="zh-CN" altLang="en-US" sz="6400" b="1" dirty="0">
+                <a:solidFill>
+                  <a:srgbClr val="660033"/>
+                </a:solidFill>
+                <a:latin typeface="微軟正黑體" pitchFamily="34" charset="-120"/>
+                <a:ea typeface="微軟正黑體" pitchFamily="34" charset="-120"/>
+              </a:rPr>
+              <a:t>耶</a:t>
+            </a:r>
+            <a:r>
+              <a:rPr lang="zh-CN" altLang="en-US" sz="6400" b="1" dirty="0">
+                <a:solidFill>
+                  <a:srgbClr val="660033"/>
+                </a:solidFill>
+                <a:latin typeface="微軟正黑體" pitchFamily="34" charset="-120"/>
+                <a:ea typeface="微軟正黑體" pitchFamily="34" charset="-120"/>
+              </a:rPr>
+              <a:t>穌不能擔當</a:t>
+            </a:r>
+            <a:endParaRPr lang="en-US" altLang="zh-CN" sz="6400" b="1" dirty="0">
+              <a:solidFill>
+                <a:srgbClr val="660033"/>
+              </a:solidFill>
+              <a:latin typeface="微軟正黑體" pitchFamily="34" charset="-120"/>
+              <a:ea typeface="微軟正黑體" pitchFamily="34" charset="-120"/>
+            </a:endParaRPr>
           </a:p>
           <a:p>
             <a:pPr algn="ctr">
               <a:buNone/>
             </a:pPr>
             <a:r>
-              <a:rPr lang="zh-CN" altLang="en-US" sz="5400" dirty="0" smtClean="0"/>
-              <a:t>我的幫助從你而來</a:t>
-            </a:r>
-            <a:endParaRPr lang="en-US" altLang="zh-CN" sz="5400" dirty="0" smtClean="0"/>
-          </a:p>
-          <a:p>
-            <a:pPr algn="ctr">
-              <a:buNone/>
-            </a:pPr>
-            <a:r>
-              <a:rPr lang="zh-CN" altLang="en-US" sz="5400" dirty="0"/>
-              <a:t>滿</a:t>
-            </a:r>
-            <a:r>
-              <a:rPr lang="zh-CN" altLang="en-US" sz="5400" dirty="0" smtClean="0"/>
-              <a:t>有豐盛的慈愛</a:t>
-            </a:r>
-            <a:endParaRPr lang="en-US" altLang="zh-CN" sz="5400" dirty="0" smtClean="0"/>
-          </a:p>
-          <a:p>
-            <a:pPr algn="ctr">
-              <a:buNone/>
-            </a:pPr>
-            <a:r>
-              <a:rPr lang="zh-CN" altLang="en-US" sz="5400" dirty="0"/>
-              <a:t>賜</a:t>
-            </a:r>
-            <a:r>
-              <a:rPr lang="zh-CN" altLang="en-US" sz="5400" dirty="0" smtClean="0"/>
-              <a:t>給凡求告你名的人</a:t>
-            </a:r>
-            <a:endParaRPr lang="en-US" sz="5400" dirty="0"/>
+              <a:rPr lang="zh-CN" altLang="en-US" sz="6400" b="1" dirty="0">
+                <a:solidFill>
+                  <a:srgbClr val="660033"/>
+                </a:solidFill>
+                <a:latin typeface="微軟正黑體" pitchFamily="34" charset="-120"/>
+                <a:ea typeface="微軟正黑體" pitchFamily="34" charset="-120"/>
+              </a:rPr>
+              <a:t>沒有一個痛</a:t>
+            </a:r>
+            <a:r>
+              <a:rPr lang="zh-CN" altLang="en-US" sz="6400" b="1" dirty="0">
+                <a:solidFill>
+                  <a:srgbClr val="660033"/>
+                </a:solidFill>
+                <a:latin typeface="微軟正黑體" pitchFamily="34" charset="-120"/>
+                <a:ea typeface="微軟正黑體" pitchFamily="34" charset="-120"/>
+              </a:rPr>
+              <a:t>苦</a:t>
+            </a:r>
+            <a:r>
+              <a:rPr lang="en-US" altLang="zh-CN" sz="6400" b="1" dirty="0">
+                <a:solidFill>
+                  <a:srgbClr val="660033"/>
+                </a:solidFill>
+                <a:latin typeface="微軟正黑體" pitchFamily="34" charset="-120"/>
+                <a:ea typeface="微軟正黑體" pitchFamily="34" charset="-120"/>
+              </a:rPr>
+              <a:t>   </a:t>
+            </a:r>
+            <a:r>
+              <a:rPr lang="zh-CN" altLang="en-US" sz="6400" b="1" dirty="0">
+                <a:solidFill>
+                  <a:srgbClr val="660033"/>
+                </a:solidFill>
+                <a:latin typeface="微軟正黑體" pitchFamily="34" charset="-120"/>
+                <a:ea typeface="微軟正黑體" pitchFamily="34" charset="-120"/>
+              </a:rPr>
+              <a:t>耶</a:t>
+            </a:r>
+            <a:r>
+              <a:rPr lang="zh-CN" altLang="en-US" sz="6400" b="1" dirty="0">
+                <a:solidFill>
+                  <a:srgbClr val="660033"/>
+                </a:solidFill>
+                <a:latin typeface="微軟正黑體" pitchFamily="34" charset="-120"/>
+                <a:ea typeface="微軟正黑體" pitchFamily="34" charset="-120"/>
+              </a:rPr>
+              <a:t>穌不能背負</a:t>
+            </a:r>
+            <a:endParaRPr lang="en-US" sz="6400" b="1" dirty="0">
+              <a:solidFill>
+                <a:srgbClr val="660033"/>
+              </a:solidFill>
+              <a:latin typeface="微軟正黑體" pitchFamily="34" charset="-120"/>
+              <a:ea typeface="微軟正黑體" pitchFamily="34" charset="-120"/>
+            </a:endParaRPr>
+          </a:p>
+        </p:txBody>
+      </p:sp>
+      <p:sp>
+        <p:nvSpPr>
+          <p:cNvPr id="3" name="TextBox 2"/>
+          <p:cNvSpPr txBox="1"/>
+          <p:nvPr/>
+        </p:nvSpPr>
+        <p:spPr>
+          <a:xfrm>
+            <a:off x="0" y="5157192"/>
+            <a:ext cx="12192000" cy="748988"/>
+          </a:xfrm>
+          <a:prstGeom prst="rect">
+            <a:avLst/>
+          </a:prstGeom>
+          <a:noFill/>
+        </p:spPr>
+        <p:txBody>
+          <a:bodyPr wrap="square" rtlCol="0">
+            <a:spAutoFit/>
+          </a:bodyPr>
+          <a:lstStyle/>
+          <a:p>
+            <a:pPr algn="ctr"/>
+            <a:r>
+              <a:rPr lang="en-US" sz="4267" b="1" dirty="0">
+                <a:solidFill>
+                  <a:srgbClr val="660033"/>
+                </a:solidFill>
+                <a:latin typeface="Microsoft JhengHei" panose="020B0604030504040204" pitchFamily="34" charset="-120"/>
+                <a:ea typeface="Microsoft JhengHei" panose="020B0604030504040204" pitchFamily="34" charset="-120"/>
+              </a:rPr>
+              <a:t>( </a:t>
+            </a:r>
+            <a:r>
+              <a:rPr lang="zh-CN" altLang="en-US" sz="4267" b="1" dirty="0">
+                <a:solidFill>
+                  <a:srgbClr val="660033"/>
+                </a:solidFill>
+                <a:latin typeface="Microsoft JhengHei" panose="020B0604030504040204" pitchFamily="34" charset="-120"/>
+                <a:ea typeface="Microsoft JhengHei" panose="020B0604030504040204" pitchFamily="34" charset="-120"/>
+              </a:rPr>
+              <a:t>正</a:t>
+            </a:r>
+            <a:r>
+              <a:rPr lang="en-US" sz="4267" b="1" dirty="0">
+                <a:solidFill>
+                  <a:srgbClr val="660033"/>
+                </a:solidFill>
+                <a:latin typeface="Microsoft JhengHei" panose="020B0604030504040204" pitchFamily="34" charset="-120"/>
+                <a:ea typeface="Microsoft JhengHei" panose="020B0604030504040204" pitchFamily="34" charset="-120"/>
+              </a:rPr>
+              <a:t> )</a:t>
+            </a:r>
+            <a:endParaRPr lang="vi-VN" sz="4267" b="1" dirty="0">
+              <a:solidFill>
+                <a:srgbClr val="660033"/>
+              </a:solidFill>
+              <a:ea typeface="Microsoft JhengHei" panose="020B0604030504040204" pitchFamily="34" charset="-120"/>
+            </a:endParaRPr>
           </a:p>
         </p:txBody>
       </p:sp>
     </p:spTree>
+    <p:extLst>
+      <p:ext uri="{BB962C8B-B14F-4D97-AF65-F5344CB8AC3E}">
+        <p14:creationId xmlns:p14="http://schemas.microsoft.com/office/powerpoint/2010/main" val="2214724495"/>
+      </p:ext>
+    </p:extLst>
   </p:cSld>
   <p:clrMapOvr>
     <a:masterClrMapping/>
@@ -3974,30 +3481,7 @@
       </p:grpSpPr>
       <p:sp>
         <p:nvSpPr>
-          <p:cNvPr id="4" name="Title 3"/>
-          <p:cNvSpPr>
-            <a:spLocks noGrp="1"/>
-          </p:cNvSpPr>
-          <p:nvPr>
-            <p:ph type="title"/>
-          </p:nvPr>
-        </p:nvSpPr>
-        <p:spPr/>
-        <p:txBody>
-          <a:bodyPr/>
-          <a:lstStyle/>
-          <a:p>
-            <a:r>
-              <a:rPr lang="zh-CN" altLang="en-US" dirty="0" smtClean="0"/>
-              <a:t>你的愛不離不棄</a:t>
-            </a:r>
-            <a:endParaRPr lang="en-US" dirty="0"/>
-          </a:p>
-        </p:txBody>
-      </p:sp>
-      <p:sp>
-        <p:nvSpPr>
-          <p:cNvPr id="5" name="Content Placeholder 4"/>
+          <p:cNvPr id="5" name="內容版面配置區 4"/>
           <p:cNvSpPr>
             <a:spLocks noGrp="1"/>
           </p:cNvSpPr>
@@ -4007,12 +3491,12 @@
         </p:nvSpPr>
         <p:spPr>
           <a:xfrm>
-            <a:off x="152400" y="1600200"/>
-            <a:ext cx="8839200" cy="4525963"/>
+            <a:off x="0" y="2084851"/>
+            <a:ext cx="12192000" cy="2404863"/>
           </a:xfrm>
         </p:spPr>
         <p:txBody>
-          <a:bodyPr>
+          <a:bodyPr anchor="ctr">
             <a:normAutofit/>
           </a:bodyPr>
           <a:lstStyle/>
@@ -4021,48 +3505,135 @@
               <a:buNone/>
             </a:pPr>
             <a:r>
-              <a:rPr lang="zh-CN" altLang="en-US" sz="5400" dirty="0" smtClean="0"/>
-              <a:t>你的愛總是不離不棄</a:t>
-            </a:r>
-            <a:endParaRPr lang="en-US" altLang="zh-CN" sz="5400" dirty="0" smtClean="0"/>
+              <a:rPr lang="zh-CN" altLang="en-US" sz="6400" b="1" dirty="0">
+                <a:solidFill>
+                  <a:srgbClr val="660033"/>
+                </a:solidFill>
+                <a:latin typeface="微軟正黑體" pitchFamily="34" charset="-120"/>
+                <a:ea typeface="微軟正黑體" pitchFamily="34" charset="-120"/>
+              </a:rPr>
+              <a:t>我要向高山舉目</a:t>
+            </a:r>
+            <a:endParaRPr lang="en-US" altLang="zh-CN" sz="6400" b="1" dirty="0">
+              <a:solidFill>
+                <a:srgbClr val="660033"/>
+              </a:solidFill>
+              <a:latin typeface="微軟正黑體" pitchFamily="34" charset="-120"/>
+              <a:ea typeface="微軟正黑體" pitchFamily="34" charset="-120"/>
+            </a:endParaRPr>
           </a:p>
           <a:p>
             <a:pPr algn="ctr">
               <a:buNone/>
             </a:pPr>
             <a:r>
-              <a:rPr lang="zh-CN" altLang="en-US" sz="5400" dirty="0"/>
-              <a:t>憐</a:t>
-            </a:r>
-            <a:r>
-              <a:rPr lang="zh-CN" altLang="en-US" sz="5400" dirty="0" smtClean="0"/>
-              <a:t>憫如江河湧流</a:t>
-            </a:r>
-            <a:endParaRPr lang="en-US" altLang="zh-CN" sz="5400" dirty="0" smtClean="0"/>
-          </a:p>
-          <a:p>
-            <a:pPr algn="ctr">
-              <a:buNone/>
-            </a:pPr>
-            <a:r>
-              <a:rPr lang="zh-CN" altLang="en-US" sz="5400" dirty="0" smtClean="0"/>
-              <a:t>在我敵人面前擺設宴席</a:t>
-            </a:r>
-            <a:endParaRPr lang="en-US" altLang="zh-CN" sz="5400" dirty="0" smtClean="0"/>
-          </a:p>
-          <a:p>
-            <a:pPr algn="ctr">
-              <a:buNone/>
-            </a:pPr>
-            <a:r>
-              <a:rPr lang="zh-CN" altLang="en-US" sz="5400" dirty="0" smtClean="0"/>
-              <a:t>使我的福杯滿溢</a:t>
-            </a:r>
-            <a:endParaRPr lang="en-US" sz="5400" dirty="0"/>
+              <a:rPr lang="zh-CN" altLang="en-US" sz="6400" b="1" dirty="0">
+                <a:solidFill>
+                  <a:srgbClr val="660033"/>
+                </a:solidFill>
+                <a:latin typeface="微軟正黑體" pitchFamily="34" charset="-120"/>
+                <a:ea typeface="微軟正黑體" pitchFamily="34" charset="-120"/>
+              </a:rPr>
+              <a:t>我的幫助</a:t>
+            </a:r>
+            <a:r>
+              <a:rPr lang="zh-CN" altLang="en-US" sz="6400" b="1" dirty="0" smtClean="0">
+                <a:solidFill>
+                  <a:srgbClr val="660033"/>
+                </a:solidFill>
+                <a:latin typeface="微軟正黑體" pitchFamily="34" charset="-120"/>
+                <a:ea typeface="微軟正黑體" pitchFamily="34" charset="-120"/>
+              </a:rPr>
+              <a:t>從袮而</a:t>
+            </a:r>
+            <a:r>
+              <a:rPr lang="zh-CN" altLang="en-US" sz="6400" b="1" dirty="0">
+                <a:solidFill>
+                  <a:srgbClr val="660033"/>
+                </a:solidFill>
+                <a:latin typeface="微軟正黑體" pitchFamily="34" charset="-120"/>
+                <a:ea typeface="微軟正黑體" pitchFamily="34" charset="-120"/>
+              </a:rPr>
+              <a:t>來</a:t>
+            </a:r>
+            <a:endParaRPr lang="en-US" sz="6400" b="1" dirty="0">
+              <a:solidFill>
+                <a:srgbClr val="660033"/>
+              </a:solidFill>
+              <a:latin typeface="微軟正黑體" pitchFamily="34" charset="-120"/>
+              <a:ea typeface="微軟正黑體" pitchFamily="34" charset="-120"/>
+            </a:endParaRPr>
+          </a:p>
+        </p:txBody>
+      </p:sp>
+      <p:sp>
+        <p:nvSpPr>
+          <p:cNvPr id="3" name="TextBox 2"/>
+          <p:cNvSpPr txBox="1"/>
+          <p:nvPr/>
+        </p:nvSpPr>
+        <p:spPr>
+          <a:xfrm>
+            <a:off x="0" y="5157192"/>
+            <a:ext cx="12192000" cy="748988"/>
+          </a:xfrm>
+          <a:prstGeom prst="rect">
+            <a:avLst/>
+          </a:prstGeom>
+          <a:noFill/>
+        </p:spPr>
+        <p:txBody>
+          <a:bodyPr wrap="square" rtlCol="0">
+            <a:spAutoFit/>
+          </a:bodyPr>
+          <a:lstStyle/>
+          <a:p>
+            <a:pPr algn="ctr"/>
+            <a:r>
+              <a:rPr lang="en-US" sz="4267" b="1" dirty="0">
+                <a:solidFill>
+                  <a:srgbClr val="660033"/>
+                </a:solidFill>
+                <a:latin typeface="Microsoft JhengHei" panose="020B0604030504040204" pitchFamily="34" charset="-120"/>
+                <a:ea typeface="Microsoft JhengHei" panose="020B0604030504040204" pitchFamily="34" charset="-120"/>
+              </a:rPr>
+              <a:t>( </a:t>
+            </a:r>
+            <a:r>
+              <a:rPr lang="zh-CN" altLang="en-US" sz="4267" b="1" dirty="0">
+                <a:solidFill>
+                  <a:srgbClr val="660033"/>
+                </a:solidFill>
+                <a:latin typeface="Microsoft JhengHei" panose="020B0604030504040204" pitchFamily="34" charset="-120"/>
+                <a:ea typeface="Microsoft JhengHei" panose="020B0604030504040204" pitchFamily="34" charset="-120"/>
+              </a:rPr>
+              <a:t>正</a:t>
+            </a:r>
+            <a:r>
+              <a:rPr lang="en-US" sz="4267" b="1" dirty="0">
+                <a:solidFill>
+                  <a:srgbClr val="660033"/>
+                </a:solidFill>
+                <a:latin typeface="Microsoft JhengHei" panose="020B0604030504040204" pitchFamily="34" charset="-120"/>
+                <a:ea typeface="Microsoft JhengHei" panose="020B0604030504040204" pitchFamily="34" charset="-120"/>
+              </a:rPr>
+              <a:t> )</a:t>
+            </a:r>
+            <a:endParaRPr lang="vi-VN" sz="4267" b="1" dirty="0">
+              <a:solidFill>
+                <a:srgbClr val="660033"/>
+              </a:solidFill>
+              <a:ea typeface="Microsoft JhengHei" panose="020B0604030504040204" pitchFamily="34" charset="-120"/>
+            </a:endParaRPr>
           </a:p>
         </p:txBody>
       </p:sp>
     </p:spTree>
+    <p:extLst>
+      <p:ext uri="{BB962C8B-B14F-4D97-AF65-F5344CB8AC3E}">
+        <p14:creationId xmlns:p14="http://schemas.microsoft.com/office/powerpoint/2010/main" val="3940005532"/>
+      </p:ext>
+    </p:extLst>
   </p:cSld>
   <p:clrMapOvr>
     <a:masterClrMapping/>
@@ -4089,30 +3660,7 @@
       </p:grpSpPr>
       <p:sp>
         <p:nvSpPr>
-          <p:cNvPr id="4" name="Title 3"/>
-          <p:cNvSpPr>
-            <a:spLocks noGrp="1"/>
-          </p:cNvSpPr>
-          <p:nvPr>
-            <p:ph type="title"/>
-          </p:nvPr>
-        </p:nvSpPr>
-        <p:spPr/>
-        <p:txBody>
-          <a:bodyPr/>
-          <a:lstStyle/>
-          <a:p>
-            <a:r>
-              <a:rPr lang="zh-CN" altLang="en-US" dirty="0" smtClean="0"/>
-              <a:t>你的愛不離不棄</a:t>
-            </a:r>
-            <a:endParaRPr lang="en-US" dirty="0"/>
-          </a:p>
-        </p:txBody>
-      </p:sp>
-      <p:sp>
-        <p:nvSpPr>
-          <p:cNvPr id="5" name="Content Placeholder 4"/>
+          <p:cNvPr id="5" name="內容版面配置區 4"/>
           <p:cNvSpPr>
             <a:spLocks noGrp="1"/>
           </p:cNvSpPr>
@@ -4122,12 +3670,12 @@
         </p:nvSpPr>
         <p:spPr>
           <a:xfrm>
-            <a:off x="152400" y="1600200"/>
-            <a:ext cx="8839200" cy="4525963"/>
+            <a:off x="0" y="2084851"/>
+            <a:ext cx="12192000" cy="2404863"/>
           </a:xfrm>
         </p:spPr>
         <p:txBody>
-          <a:bodyPr>
+          <a:bodyPr anchor="ctr">
             <a:normAutofit/>
           </a:bodyPr>
           <a:lstStyle/>
@@ -4136,44 +3684,891 @@
               <a:buNone/>
             </a:pPr>
             <a:r>
-              <a:rPr lang="zh-CN" altLang="en-US" sz="5400" dirty="0" smtClean="0"/>
-              <a:t>你的愛總是不離不棄</a:t>
-            </a:r>
-            <a:endParaRPr lang="en-US" altLang="zh-CN" sz="5400" dirty="0" smtClean="0"/>
+              <a:rPr lang="zh-CN" altLang="en-US" sz="6400" b="1" dirty="0">
+                <a:solidFill>
+                  <a:srgbClr val="660033"/>
+                </a:solidFill>
+                <a:latin typeface="微軟正黑體" pitchFamily="34" charset="-120"/>
+                <a:ea typeface="微軟正黑體" pitchFamily="34" charset="-120"/>
+              </a:rPr>
+              <a:t>滿有豐盛的慈愛</a:t>
+            </a:r>
+            <a:endParaRPr lang="en-US" altLang="zh-CN" sz="6400" b="1" dirty="0">
+              <a:solidFill>
+                <a:srgbClr val="660033"/>
+              </a:solidFill>
+              <a:latin typeface="微軟正黑體" pitchFamily="34" charset="-120"/>
+              <a:ea typeface="微軟正黑體" pitchFamily="34" charset="-120"/>
+            </a:endParaRPr>
           </a:p>
           <a:p>
             <a:pPr algn="ctr">
               <a:buNone/>
             </a:pPr>
             <a:r>
-              <a:rPr lang="zh-CN" altLang="en-US" sz="5400" dirty="0" smtClean="0"/>
+              <a:rPr lang="zh-CN" altLang="en-US" sz="6400" b="1" dirty="0">
+                <a:solidFill>
+                  <a:srgbClr val="660033"/>
+                </a:solidFill>
+                <a:latin typeface="微軟正黑體" pitchFamily="34" charset="-120"/>
+                <a:ea typeface="微軟正黑體" pitchFamily="34" charset="-120"/>
+              </a:rPr>
+              <a:t>賜給凡求</a:t>
+            </a:r>
+            <a:r>
+              <a:rPr lang="zh-CN" altLang="en-US" sz="6400" b="1" dirty="0" smtClean="0">
+                <a:solidFill>
+                  <a:srgbClr val="660033"/>
+                </a:solidFill>
+                <a:latin typeface="微軟正黑體" pitchFamily="34" charset="-120"/>
+                <a:ea typeface="微軟正黑體" pitchFamily="34" charset="-120"/>
+              </a:rPr>
+              <a:t>告</a:t>
+            </a:r>
+            <a:r>
+              <a:rPr lang="zh-CN" altLang="en-US" sz="6400" b="1" dirty="0">
+                <a:solidFill>
+                  <a:srgbClr val="660033"/>
+                </a:solidFill>
+                <a:latin typeface="微軟正黑體" pitchFamily="34" charset="-120"/>
+                <a:ea typeface="微軟正黑體" pitchFamily="34" charset="-120"/>
+              </a:rPr>
+              <a:t>袮</a:t>
+            </a:r>
+            <a:r>
+              <a:rPr lang="zh-CN" altLang="en-US" sz="6400" b="1" dirty="0" smtClean="0">
+                <a:solidFill>
+                  <a:srgbClr val="660033"/>
+                </a:solidFill>
+                <a:latin typeface="微軟正黑體" pitchFamily="34" charset="-120"/>
+                <a:ea typeface="微軟正黑體" pitchFamily="34" charset="-120"/>
+              </a:rPr>
+              <a:t>名</a:t>
+            </a:r>
+            <a:r>
+              <a:rPr lang="zh-CN" altLang="en-US" sz="6400" b="1" dirty="0">
+                <a:solidFill>
+                  <a:srgbClr val="660033"/>
+                </a:solidFill>
+                <a:latin typeface="微軟正黑體" pitchFamily="34" charset="-120"/>
+                <a:ea typeface="微軟正黑體" pitchFamily="34" charset="-120"/>
+              </a:rPr>
+              <a:t>的人</a:t>
+            </a:r>
+            <a:endParaRPr lang="en-US" sz="6400" b="1" dirty="0">
+              <a:solidFill>
+                <a:srgbClr val="660033"/>
+              </a:solidFill>
+              <a:latin typeface="微軟正黑體" pitchFamily="34" charset="-120"/>
+              <a:ea typeface="微軟正黑體" pitchFamily="34" charset="-120"/>
+            </a:endParaRPr>
+          </a:p>
+        </p:txBody>
+      </p:sp>
+      <p:sp>
+        <p:nvSpPr>
+          <p:cNvPr id="3" name="TextBox 2"/>
+          <p:cNvSpPr txBox="1"/>
+          <p:nvPr/>
+        </p:nvSpPr>
+        <p:spPr>
+          <a:xfrm>
+            <a:off x="0" y="5157192"/>
+            <a:ext cx="12192000" cy="748988"/>
+          </a:xfrm>
+          <a:prstGeom prst="rect">
+            <a:avLst/>
+          </a:prstGeom>
+          <a:noFill/>
+        </p:spPr>
+        <p:txBody>
+          <a:bodyPr wrap="square" rtlCol="0">
+            <a:spAutoFit/>
+          </a:bodyPr>
+          <a:lstStyle/>
+          <a:p>
+            <a:pPr algn="ctr"/>
+            <a:r>
+              <a:rPr lang="en-US" sz="4267" b="1" dirty="0">
+                <a:solidFill>
+                  <a:srgbClr val="660033"/>
+                </a:solidFill>
+                <a:latin typeface="Microsoft JhengHei" panose="020B0604030504040204" pitchFamily="34" charset="-120"/>
+                <a:ea typeface="Microsoft JhengHei" panose="020B0604030504040204" pitchFamily="34" charset="-120"/>
+              </a:rPr>
+              <a:t>( </a:t>
+            </a:r>
+            <a:r>
+              <a:rPr lang="zh-CN" altLang="en-US" sz="4267" b="1" dirty="0">
+                <a:solidFill>
+                  <a:srgbClr val="660033"/>
+                </a:solidFill>
+                <a:latin typeface="Microsoft JhengHei" panose="020B0604030504040204" pitchFamily="34" charset="-120"/>
+                <a:ea typeface="Microsoft JhengHei" panose="020B0604030504040204" pitchFamily="34" charset="-120"/>
+              </a:rPr>
+              <a:t>正</a:t>
+            </a:r>
+            <a:r>
+              <a:rPr lang="en-US" sz="4267" b="1" dirty="0">
+                <a:solidFill>
+                  <a:srgbClr val="660033"/>
+                </a:solidFill>
+                <a:latin typeface="Microsoft JhengHei" panose="020B0604030504040204" pitchFamily="34" charset="-120"/>
+                <a:ea typeface="Microsoft JhengHei" panose="020B0604030504040204" pitchFamily="34" charset="-120"/>
+              </a:rPr>
+              <a:t> )</a:t>
+            </a:r>
+            <a:endParaRPr lang="vi-VN" sz="4267" b="1" dirty="0">
+              <a:solidFill>
+                <a:srgbClr val="660033"/>
+              </a:solidFill>
+              <a:ea typeface="Microsoft JhengHei" panose="020B0604030504040204" pitchFamily="34" charset="-120"/>
+            </a:endParaRPr>
+          </a:p>
+        </p:txBody>
+      </p:sp>
+    </p:spTree>
+    <p:extLst>
+      <p:ext uri="{BB962C8B-B14F-4D97-AF65-F5344CB8AC3E}">
+        <p14:creationId xmlns:p14="http://schemas.microsoft.com/office/powerpoint/2010/main" val="4224906426"/>
+      </p:ext>
+    </p:extLst>
+  </p:cSld>
+  <p:clrMapOvr>
+    <a:masterClrMapping/>
+  </p:clrMapOvr>
+</p:sld>
+</file>
+
+<file path=ppt/slides/slide5.xml><?xml version="1.0" encoding="utf-8"?>
+<p:sld xmlns:a="http://schemas.openxmlformats.org/drawingml/2006/main" xmlns:r="http://schemas.openxmlformats.org/officeDocument/2006/relationships" xmlns:p="http://schemas.openxmlformats.org/presentationml/2006/main">
+  <p:cSld>
+    <p:spTree>
+      <p:nvGrpSpPr>
+        <p:cNvPr id="1" name=""/>
+        <p:cNvGrpSpPr/>
+        <p:nvPr/>
+      </p:nvGrpSpPr>
+      <p:grpSpPr>
+        <a:xfrm>
+          <a:off x="0" y="0"/>
+          <a:ext cx="0" cy="0"/>
+          <a:chOff x="0" y="0"/>
+          <a:chExt cx="0" cy="0"/>
+        </a:xfrm>
+      </p:grpSpPr>
+      <p:sp>
+        <p:nvSpPr>
+          <p:cNvPr id="5" name="內容版面配置區 4"/>
+          <p:cNvSpPr>
+            <a:spLocks noGrp="1"/>
+          </p:cNvSpPr>
+          <p:nvPr>
+            <p:ph idx="1"/>
+          </p:nvPr>
+        </p:nvSpPr>
+        <p:spPr>
+          <a:xfrm>
+            <a:off x="0" y="2084851"/>
+            <a:ext cx="12192000" cy="2404863"/>
+          </a:xfrm>
+        </p:spPr>
+        <p:txBody>
+          <a:bodyPr anchor="ctr">
+            <a:normAutofit/>
+          </a:bodyPr>
+          <a:lstStyle/>
+          <a:p>
+            <a:pPr algn="ctr">
+              <a:buNone/>
+            </a:pPr>
+            <a:r>
+              <a:rPr lang="zh-CN" altLang="en-US" sz="6400" b="1" dirty="0">
+                <a:solidFill>
+                  <a:srgbClr val="660033"/>
+                </a:solidFill>
+                <a:latin typeface="微軟正黑體" pitchFamily="34" charset="-120"/>
+                <a:ea typeface="微軟正黑體" pitchFamily="34" charset="-120"/>
+              </a:rPr>
+              <a:t>袮</a:t>
+            </a:r>
+            <a:r>
+              <a:rPr lang="zh-CN" altLang="en-US" sz="6400" b="1" dirty="0" smtClean="0">
+                <a:solidFill>
+                  <a:srgbClr val="660033"/>
+                </a:solidFill>
+                <a:latin typeface="微軟正黑體" pitchFamily="34" charset="-120"/>
+                <a:ea typeface="微軟正黑體" pitchFamily="34" charset="-120"/>
+              </a:rPr>
+              <a:t>的</a:t>
+            </a:r>
+            <a:r>
+              <a:rPr lang="zh-CN" altLang="en-US" sz="6400" b="1" dirty="0">
+                <a:solidFill>
+                  <a:srgbClr val="660033"/>
+                </a:solidFill>
+                <a:latin typeface="微軟正黑體" pitchFamily="34" charset="-120"/>
+                <a:ea typeface="微軟正黑體" pitchFamily="34" charset="-120"/>
+              </a:rPr>
+              <a:t>愛總是不離不棄</a:t>
+            </a:r>
+            <a:endParaRPr lang="en-US" altLang="zh-CN" sz="6400" b="1" dirty="0">
+              <a:solidFill>
+                <a:srgbClr val="660033"/>
+              </a:solidFill>
+              <a:latin typeface="微軟正黑體" pitchFamily="34" charset="-120"/>
+              <a:ea typeface="微軟正黑體" pitchFamily="34" charset="-120"/>
+            </a:endParaRPr>
+          </a:p>
+          <a:p>
+            <a:pPr algn="ctr">
+              <a:buNone/>
+            </a:pPr>
+            <a:r>
+              <a:rPr lang="zh-CN" altLang="en-US" sz="6400" b="1" dirty="0">
+                <a:solidFill>
+                  <a:srgbClr val="660033"/>
+                </a:solidFill>
+                <a:latin typeface="微軟正黑體" pitchFamily="34" charset="-120"/>
+                <a:ea typeface="微軟正黑體" pitchFamily="34" charset="-120"/>
+              </a:rPr>
+              <a:t>憐憫如江河湧流</a:t>
+            </a:r>
+            <a:endParaRPr lang="en-US" altLang="zh-CN" sz="6400" b="1" dirty="0">
+              <a:solidFill>
+                <a:srgbClr val="660033"/>
+              </a:solidFill>
+              <a:latin typeface="微軟正黑體" pitchFamily="34" charset="-120"/>
+              <a:ea typeface="微軟正黑體" pitchFamily="34" charset="-120"/>
+            </a:endParaRPr>
+          </a:p>
+        </p:txBody>
+      </p:sp>
+      <p:sp>
+        <p:nvSpPr>
+          <p:cNvPr id="3" name="TextBox 2"/>
+          <p:cNvSpPr txBox="1"/>
+          <p:nvPr/>
+        </p:nvSpPr>
+        <p:spPr>
+          <a:xfrm>
+            <a:off x="0" y="5157192"/>
+            <a:ext cx="12192000" cy="748988"/>
+          </a:xfrm>
+          <a:prstGeom prst="rect">
+            <a:avLst/>
+          </a:prstGeom>
+          <a:noFill/>
+        </p:spPr>
+        <p:txBody>
+          <a:bodyPr wrap="square" rtlCol="0">
+            <a:spAutoFit/>
+          </a:bodyPr>
+          <a:lstStyle/>
+          <a:p>
+            <a:pPr algn="ctr"/>
+            <a:r>
+              <a:rPr lang="en-US" sz="4267" b="1" dirty="0">
+                <a:solidFill>
+                  <a:srgbClr val="660033"/>
+                </a:solidFill>
+                <a:latin typeface="Microsoft JhengHei" panose="020B0604030504040204" pitchFamily="34" charset="-120"/>
+                <a:ea typeface="Microsoft JhengHei" panose="020B0604030504040204" pitchFamily="34" charset="-120"/>
+              </a:rPr>
+              <a:t>( </a:t>
+            </a:r>
+            <a:r>
+              <a:rPr lang="zh-CN" altLang="en-US" sz="4267" b="1" dirty="0" smtClean="0">
+                <a:solidFill>
+                  <a:srgbClr val="660033"/>
+                </a:solidFill>
+                <a:latin typeface="Microsoft JhengHei" panose="020B0604030504040204" pitchFamily="34" charset="-120"/>
+                <a:ea typeface="Microsoft JhengHei" panose="020B0604030504040204" pitchFamily="34" charset="-120"/>
+              </a:rPr>
+              <a:t>副</a:t>
+            </a:r>
+            <a:r>
+              <a:rPr lang="en-US" sz="4267" b="1" dirty="0" smtClean="0">
+                <a:solidFill>
+                  <a:srgbClr val="660033"/>
+                </a:solidFill>
+                <a:latin typeface="Microsoft JhengHei" panose="020B0604030504040204" pitchFamily="34" charset="-120"/>
+                <a:ea typeface="Microsoft JhengHei" panose="020B0604030504040204" pitchFamily="34" charset="-120"/>
+              </a:rPr>
+              <a:t> </a:t>
+            </a:r>
+            <a:r>
+              <a:rPr lang="en-US" sz="4267" b="1" dirty="0">
+                <a:solidFill>
+                  <a:srgbClr val="660033"/>
+                </a:solidFill>
+                <a:latin typeface="Microsoft JhengHei" panose="020B0604030504040204" pitchFamily="34" charset="-120"/>
+                <a:ea typeface="Microsoft JhengHei" panose="020B0604030504040204" pitchFamily="34" charset="-120"/>
+              </a:rPr>
+              <a:t>)</a:t>
+            </a:r>
+            <a:endParaRPr lang="vi-VN" sz="4267" b="1" dirty="0">
+              <a:solidFill>
+                <a:srgbClr val="660033"/>
+              </a:solidFill>
+              <a:ea typeface="Microsoft JhengHei" panose="020B0604030504040204" pitchFamily="34" charset="-120"/>
+            </a:endParaRPr>
+          </a:p>
+        </p:txBody>
+      </p:sp>
+    </p:spTree>
+    <p:extLst>
+      <p:ext uri="{BB962C8B-B14F-4D97-AF65-F5344CB8AC3E}">
+        <p14:creationId xmlns:p14="http://schemas.microsoft.com/office/powerpoint/2010/main" val="609216764"/>
+      </p:ext>
+    </p:extLst>
+  </p:cSld>
+  <p:clrMapOvr>
+    <a:masterClrMapping/>
+  </p:clrMapOvr>
+</p:sld>
+</file>
+
+<file path=ppt/slides/slide6.xml><?xml version="1.0" encoding="utf-8"?>
+<p:sld xmlns:a="http://schemas.openxmlformats.org/drawingml/2006/main" xmlns:r="http://schemas.openxmlformats.org/officeDocument/2006/relationships" xmlns:p="http://schemas.openxmlformats.org/presentationml/2006/main">
+  <p:cSld>
+    <p:spTree>
+      <p:nvGrpSpPr>
+        <p:cNvPr id="1" name=""/>
+        <p:cNvGrpSpPr/>
+        <p:nvPr/>
+      </p:nvGrpSpPr>
+      <p:grpSpPr>
+        <a:xfrm>
+          <a:off x="0" y="0"/>
+          <a:ext cx="0" cy="0"/>
+          <a:chOff x="0" y="0"/>
+          <a:chExt cx="0" cy="0"/>
+        </a:xfrm>
+      </p:grpSpPr>
+      <p:sp>
+        <p:nvSpPr>
+          <p:cNvPr id="5" name="內容版面配置區 4"/>
+          <p:cNvSpPr>
+            <a:spLocks noGrp="1"/>
+          </p:cNvSpPr>
+          <p:nvPr>
+            <p:ph idx="1"/>
+          </p:nvPr>
+        </p:nvSpPr>
+        <p:spPr>
+          <a:xfrm>
+            <a:off x="0" y="2084851"/>
+            <a:ext cx="12192000" cy="2404863"/>
+          </a:xfrm>
+        </p:spPr>
+        <p:txBody>
+          <a:bodyPr anchor="ctr">
+            <a:normAutofit/>
+          </a:bodyPr>
+          <a:lstStyle/>
+          <a:p>
+            <a:pPr algn="ctr">
+              <a:buNone/>
+            </a:pPr>
+            <a:r>
+              <a:rPr lang="zh-CN" altLang="en-US" sz="6400" b="1" dirty="0">
+                <a:solidFill>
+                  <a:srgbClr val="660033"/>
+                </a:solidFill>
+                <a:latin typeface="微軟正黑體" pitchFamily="34" charset="-120"/>
+                <a:ea typeface="微軟正黑體" pitchFamily="34" charset="-120"/>
+              </a:rPr>
+              <a:t>在我敵人面前擺設宴席</a:t>
+            </a:r>
+            <a:endParaRPr lang="en-US" altLang="zh-CN" sz="6400" b="1" dirty="0">
+              <a:solidFill>
+                <a:srgbClr val="660033"/>
+              </a:solidFill>
+              <a:latin typeface="微軟正黑體" pitchFamily="34" charset="-120"/>
+              <a:ea typeface="微軟正黑體" pitchFamily="34" charset="-120"/>
+            </a:endParaRPr>
+          </a:p>
+          <a:p>
+            <a:pPr algn="ctr">
+              <a:buNone/>
+            </a:pPr>
+            <a:r>
+              <a:rPr lang="zh-CN" altLang="en-US" sz="6400" b="1" dirty="0">
+                <a:solidFill>
+                  <a:srgbClr val="660033"/>
+                </a:solidFill>
+                <a:latin typeface="微軟正黑體" pitchFamily="34" charset="-120"/>
+                <a:ea typeface="微軟正黑體" pitchFamily="34" charset="-120"/>
+              </a:rPr>
+              <a:t>使我的福杯滿溢</a:t>
+            </a:r>
+            <a:endParaRPr lang="en-US" sz="6400" b="1" dirty="0">
+              <a:solidFill>
+                <a:srgbClr val="660033"/>
+              </a:solidFill>
+              <a:latin typeface="微軟正黑體" pitchFamily="34" charset="-120"/>
+              <a:ea typeface="微軟正黑體" pitchFamily="34" charset="-120"/>
+            </a:endParaRPr>
+          </a:p>
+        </p:txBody>
+      </p:sp>
+      <p:sp>
+        <p:nvSpPr>
+          <p:cNvPr id="3" name="TextBox 2"/>
+          <p:cNvSpPr txBox="1"/>
+          <p:nvPr/>
+        </p:nvSpPr>
+        <p:spPr>
+          <a:xfrm>
+            <a:off x="0" y="5157192"/>
+            <a:ext cx="12192000" cy="748988"/>
+          </a:xfrm>
+          <a:prstGeom prst="rect">
+            <a:avLst/>
+          </a:prstGeom>
+          <a:noFill/>
+        </p:spPr>
+        <p:txBody>
+          <a:bodyPr wrap="square" rtlCol="0">
+            <a:spAutoFit/>
+          </a:bodyPr>
+          <a:lstStyle/>
+          <a:p>
+            <a:pPr algn="ctr"/>
+            <a:r>
+              <a:rPr lang="en-US" sz="4267" b="1" dirty="0">
+                <a:solidFill>
+                  <a:srgbClr val="660033"/>
+                </a:solidFill>
+                <a:latin typeface="Microsoft JhengHei" panose="020B0604030504040204" pitchFamily="34" charset="-120"/>
+                <a:ea typeface="Microsoft JhengHei" panose="020B0604030504040204" pitchFamily="34" charset="-120"/>
+              </a:rPr>
+              <a:t>( </a:t>
+            </a:r>
+            <a:r>
+              <a:rPr lang="zh-CN" altLang="en-US" sz="4267" b="1" dirty="0" smtClean="0">
+                <a:solidFill>
+                  <a:srgbClr val="660033"/>
+                </a:solidFill>
+                <a:latin typeface="Microsoft JhengHei" panose="020B0604030504040204" pitchFamily="34" charset="-120"/>
+                <a:ea typeface="Microsoft JhengHei" panose="020B0604030504040204" pitchFamily="34" charset="-120"/>
+              </a:rPr>
+              <a:t>副</a:t>
+            </a:r>
+            <a:r>
+              <a:rPr lang="en-US" sz="4267" b="1" dirty="0" smtClean="0">
+                <a:solidFill>
+                  <a:srgbClr val="660033"/>
+                </a:solidFill>
+                <a:latin typeface="Microsoft JhengHei" panose="020B0604030504040204" pitchFamily="34" charset="-120"/>
+                <a:ea typeface="Microsoft JhengHei" panose="020B0604030504040204" pitchFamily="34" charset="-120"/>
+              </a:rPr>
+              <a:t> </a:t>
+            </a:r>
+            <a:r>
+              <a:rPr lang="en-US" sz="4267" b="1" dirty="0">
+                <a:solidFill>
+                  <a:srgbClr val="660033"/>
+                </a:solidFill>
+                <a:latin typeface="Microsoft JhengHei" panose="020B0604030504040204" pitchFamily="34" charset="-120"/>
+                <a:ea typeface="Microsoft JhengHei" panose="020B0604030504040204" pitchFamily="34" charset="-120"/>
+              </a:rPr>
+              <a:t>)</a:t>
+            </a:r>
+            <a:endParaRPr lang="vi-VN" sz="4267" b="1" dirty="0">
+              <a:solidFill>
+                <a:srgbClr val="660033"/>
+              </a:solidFill>
+              <a:ea typeface="Microsoft JhengHei" panose="020B0604030504040204" pitchFamily="34" charset="-120"/>
+            </a:endParaRPr>
+          </a:p>
+        </p:txBody>
+      </p:sp>
+    </p:spTree>
+    <p:extLst>
+      <p:ext uri="{BB962C8B-B14F-4D97-AF65-F5344CB8AC3E}">
+        <p14:creationId xmlns:p14="http://schemas.microsoft.com/office/powerpoint/2010/main" val="4092310883"/>
+      </p:ext>
+    </p:extLst>
+  </p:cSld>
+  <p:clrMapOvr>
+    <a:masterClrMapping/>
+  </p:clrMapOvr>
+</p:sld>
+</file>
+
+<file path=ppt/slides/slide7.xml><?xml version="1.0" encoding="utf-8"?>
+<p:sld xmlns:a="http://schemas.openxmlformats.org/drawingml/2006/main" xmlns:r="http://schemas.openxmlformats.org/officeDocument/2006/relationships" xmlns:p="http://schemas.openxmlformats.org/presentationml/2006/main">
+  <p:cSld>
+    <p:spTree>
+      <p:nvGrpSpPr>
+        <p:cNvPr id="1" name=""/>
+        <p:cNvGrpSpPr/>
+        <p:nvPr/>
+      </p:nvGrpSpPr>
+      <p:grpSpPr>
+        <a:xfrm>
+          <a:off x="0" y="0"/>
+          <a:ext cx="0" cy="0"/>
+          <a:chOff x="0" y="0"/>
+          <a:chExt cx="0" cy="0"/>
+        </a:xfrm>
+      </p:grpSpPr>
+      <p:sp>
+        <p:nvSpPr>
+          <p:cNvPr id="5" name="內容版面配置區 4"/>
+          <p:cNvSpPr>
+            <a:spLocks noGrp="1"/>
+          </p:cNvSpPr>
+          <p:nvPr>
+            <p:ph idx="1"/>
+          </p:nvPr>
+        </p:nvSpPr>
+        <p:spPr>
+          <a:xfrm>
+            <a:off x="0" y="2084851"/>
+            <a:ext cx="12192000" cy="2404863"/>
+          </a:xfrm>
+        </p:spPr>
+        <p:txBody>
+          <a:bodyPr anchor="ctr">
+            <a:normAutofit/>
+          </a:bodyPr>
+          <a:lstStyle/>
+          <a:p>
+            <a:pPr algn="ctr">
+              <a:buNone/>
+            </a:pPr>
+            <a:r>
+              <a:rPr lang="zh-CN" altLang="en-US" sz="6400" b="1" dirty="0">
+                <a:solidFill>
+                  <a:srgbClr val="660033"/>
+                </a:solidFill>
+                <a:latin typeface="微軟正黑體" pitchFamily="34" charset="-120"/>
+                <a:ea typeface="微軟正黑體" pitchFamily="34" charset="-120"/>
+              </a:rPr>
+              <a:t>袮</a:t>
+            </a:r>
+            <a:r>
+              <a:rPr lang="zh-CN" altLang="en-US" sz="6400" b="1" dirty="0" smtClean="0">
+                <a:solidFill>
+                  <a:srgbClr val="660033"/>
+                </a:solidFill>
+                <a:latin typeface="微軟正黑體" pitchFamily="34" charset="-120"/>
+                <a:ea typeface="微軟正黑體" pitchFamily="34" charset="-120"/>
+              </a:rPr>
+              <a:t>的</a:t>
+            </a:r>
+            <a:r>
+              <a:rPr lang="zh-CN" altLang="en-US" sz="6400" b="1" dirty="0">
+                <a:solidFill>
+                  <a:srgbClr val="660033"/>
+                </a:solidFill>
+                <a:latin typeface="微軟正黑體" pitchFamily="34" charset="-120"/>
+                <a:ea typeface="微軟正黑體" pitchFamily="34" charset="-120"/>
+              </a:rPr>
+              <a:t>愛總是不離不棄</a:t>
+            </a:r>
+            <a:endParaRPr lang="en-US" altLang="zh-CN" sz="6400" b="1" dirty="0">
+              <a:solidFill>
+                <a:srgbClr val="660033"/>
+              </a:solidFill>
+              <a:latin typeface="微軟正黑體" pitchFamily="34" charset="-120"/>
+              <a:ea typeface="微軟正黑體" pitchFamily="34" charset="-120"/>
+            </a:endParaRPr>
+          </a:p>
+          <a:p>
+            <a:pPr algn="ctr">
+              <a:buNone/>
+            </a:pPr>
+            <a:r>
+              <a:rPr lang="zh-CN" altLang="en-US" sz="6400" b="1" dirty="0">
+                <a:solidFill>
+                  <a:srgbClr val="660033"/>
+                </a:solidFill>
+                <a:latin typeface="微軟正黑體" pitchFamily="34" charset="-120"/>
+                <a:ea typeface="微軟正黑體" pitchFamily="34" charset="-120"/>
+              </a:rPr>
               <a:t>時刻將我環繞</a:t>
             </a:r>
-            <a:endParaRPr lang="en-US" altLang="zh-CN" sz="5400" dirty="0" smtClean="0"/>
-          </a:p>
+            <a:endParaRPr lang="en-US" altLang="zh-CN" sz="6400" b="1" dirty="0">
+              <a:solidFill>
+                <a:srgbClr val="660033"/>
+              </a:solidFill>
+              <a:latin typeface="微軟正黑體" pitchFamily="34" charset="-120"/>
+              <a:ea typeface="微軟正黑體" pitchFamily="34" charset="-120"/>
+            </a:endParaRPr>
+          </a:p>
+        </p:txBody>
+      </p:sp>
+      <p:sp>
+        <p:nvSpPr>
+          <p:cNvPr id="3" name="TextBox 2"/>
+          <p:cNvSpPr txBox="1"/>
+          <p:nvPr/>
+        </p:nvSpPr>
+        <p:spPr>
+          <a:xfrm>
+            <a:off x="0" y="5157192"/>
+            <a:ext cx="12192000" cy="748988"/>
+          </a:xfrm>
+          <a:prstGeom prst="rect">
+            <a:avLst/>
+          </a:prstGeom>
+          <a:noFill/>
+        </p:spPr>
+        <p:txBody>
+          <a:bodyPr wrap="square" rtlCol="0">
+            <a:spAutoFit/>
+          </a:bodyPr>
+          <a:lstStyle/>
+          <a:p>
+            <a:pPr algn="ctr"/>
+            <a:r>
+              <a:rPr lang="en-US" sz="4267" b="1" dirty="0">
+                <a:solidFill>
+                  <a:srgbClr val="660033"/>
+                </a:solidFill>
+                <a:latin typeface="Microsoft JhengHei" panose="020B0604030504040204" pitchFamily="34" charset="-120"/>
+                <a:ea typeface="Microsoft JhengHei" panose="020B0604030504040204" pitchFamily="34" charset="-120"/>
+              </a:rPr>
+              <a:t>( </a:t>
+            </a:r>
+            <a:r>
+              <a:rPr lang="zh-CN" altLang="en-US" sz="4267" b="1" dirty="0" smtClean="0">
+                <a:solidFill>
+                  <a:srgbClr val="660033"/>
+                </a:solidFill>
+                <a:latin typeface="Microsoft JhengHei" panose="020B0604030504040204" pitchFamily="34" charset="-120"/>
+                <a:ea typeface="Microsoft JhengHei" panose="020B0604030504040204" pitchFamily="34" charset="-120"/>
+              </a:rPr>
+              <a:t>副</a:t>
+            </a:r>
+            <a:r>
+              <a:rPr lang="en-US" sz="4267" b="1" dirty="0" smtClean="0">
+                <a:solidFill>
+                  <a:srgbClr val="660033"/>
+                </a:solidFill>
+                <a:latin typeface="Microsoft JhengHei" panose="020B0604030504040204" pitchFamily="34" charset="-120"/>
+                <a:ea typeface="Microsoft JhengHei" panose="020B0604030504040204" pitchFamily="34" charset="-120"/>
+              </a:rPr>
+              <a:t> </a:t>
+            </a:r>
+            <a:r>
+              <a:rPr lang="en-US" sz="4267" b="1" dirty="0">
+                <a:solidFill>
+                  <a:srgbClr val="660033"/>
+                </a:solidFill>
+                <a:latin typeface="Microsoft JhengHei" panose="020B0604030504040204" pitchFamily="34" charset="-120"/>
+                <a:ea typeface="Microsoft JhengHei" panose="020B0604030504040204" pitchFamily="34" charset="-120"/>
+              </a:rPr>
+              <a:t>)</a:t>
+            </a:r>
+            <a:endParaRPr lang="vi-VN" sz="4267" b="1" dirty="0">
+              <a:solidFill>
+                <a:srgbClr val="660033"/>
+              </a:solidFill>
+              <a:ea typeface="Microsoft JhengHei" panose="020B0604030504040204" pitchFamily="34" charset="-120"/>
+            </a:endParaRPr>
+          </a:p>
+        </p:txBody>
+      </p:sp>
+    </p:spTree>
+    <p:extLst>
+      <p:ext uri="{BB962C8B-B14F-4D97-AF65-F5344CB8AC3E}">
+        <p14:creationId xmlns:p14="http://schemas.microsoft.com/office/powerpoint/2010/main" val="1948071509"/>
+      </p:ext>
+    </p:extLst>
+  </p:cSld>
+  <p:clrMapOvr>
+    <a:masterClrMapping/>
+  </p:clrMapOvr>
+</p:sld>
+</file>
+
+<file path=ppt/slides/slide8.xml><?xml version="1.0" encoding="utf-8"?>
+<p:sld xmlns:a="http://schemas.openxmlformats.org/drawingml/2006/main" xmlns:r="http://schemas.openxmlformats.org/officeDocument/2006/relationships" xmlns:p="http://schemas.openxmlformats.org/presentationml/2006/main">
+  <p:cSld>
+    <p:spTree>
+      <p:nvGrpSpPr>
+        <p:cNvPr id="1" name=""/>
+        <p:cNvGrpSpPr/>
+        <p:nvPr/>
+      </p:nvGrpSpPr>
+      <p:grpSpPr>
+        <a:xfrm>
+          <a:off x="0" y="0"/>
+          <a:ext cx="0" cy="0"/>
+          <a:chOff x="0" y="0"/>
+          <a:chExt cx="0" cy="0"/>
+        </a:xfrm>
+      </p:grpSpPr>
+      <p:sp>
+        <p:nvSpPr>
+          <p:cNvPr id="5" name="內容版面配置區 4"/>
+          <p:cNvSpPr>
+            <a:spLocks noGrp="1"/>
+          </p:cNvSpPr>
+          <p:nvPr>
+            <p:ph idx="1"/>
+          </p:nvPr>
+        </p:nvSpPr>
+        <p:spPr>
+          <a:xfrm>
+            <a:off x="0" y="2084851"/>
+            <a:ext cx="12192000" cy="2404863"/>
+          </a:xfrm>
+        </p:spPr>
+        <p:txBody>
+          <a:bodyPr anchor="ctr">
+            <a:normAutofit/>
+          </a:bodyPr>
+          <a:lstStyle/>
           <a:p>
             <a:pPr algn="ctr">
               <a:buNone/>
             </a:pPr>
             <a:r>
-              <a:rPr lang="zh-CN" altLang="en-US" sz="5400" dirty="0" smtClean="0"/>
-              <a:t>你必永遠紀念與我所立的約</a:t>
-            </a:r>
-            <a:endParaRPr lang="en-US" altLang="zh-CN" sz="5400" dirty="0" smtClean="0"/>
+              <a:rPr lang="zh-CN" altLang="en-US" sz="6400" b="1" dirty="0">
+                <a:solidFill>
+                  <a:srgbClr val="660033"/>
+                </a:solidFill>
+                <a:latin typeface="微軟正黑體" pitchFamily="34" charset="-120"/>
+                <a:ea typeface="微軟正黑體" pitchFamily="34" charset="-120"/>
+              </a:rPr>
+              <a:t>袮</a:t>
+            </a:r>
+            <a:r>
+              <a:rPr lang="zh-CN" altLang="en-US" sz="6400" b="1" dirty="0" smtClean="0">
+                <a:solidFill>
+                  <a:srgbClr val="660033"/>
+                </a:solidFill>
+                <a:latin typeface="微軟正黑體" pitchFamily="34" charset="-120"/>
+                <a:ea typeface="微軟正黑體" pitchFamily="34" charset="-120"/>
+              </a:rPr>
+              <a:t>必</a:t>
+            </a:r>
+            <a:r>
+              <a:rPr lang="zh-CN" altLang="en-US" sz="6400" b="1" dirty="0">
+                <a:solidFill>
+                  <a:srgbClr val="660033"/>
+                </a:solidFill>
+                <a:latin typeface="微軟正黑體" pitchFamily="34" charset="-120"/>
+                <a:ea typeface="微軟正黑體" pitchFamily="34" charset="-120"/>
+              </a:rPr>
+              <a:t>永遠紀念與我所立的約</a:t>
+            </a:r>
+            <a:endParaRPr lang="en-US" altLang="zh-CN" sz="6400" b="1" dirty="0">
+              <a:solidFill>
+                <a:srgbClr val="660033"/>
+              </a:solidFill>
+              <a:latin typeface="微軟正黑體" pitchFamily="34" charset="-120"/>
+              <a:ea typeface="微軟正黑體" pitchFamily="34" charset="-120"/>
+            </a:endParaRPr>
           </a:p>
           <a:p>
             <a:pPr algn="ctr">
               <a:buNone/>
             </a:pPr>
             <a:r>
-              <a:rPr lang="zh-CN" altLang="en-US" sz="5400" dirty="0" smtClean="0"/>
+              <a:rPr lang="zh-CN" altLang="en-US" sz="6400" b="1" dirty="0">
+                <a:solidFill>
+                  <a:srgbClr val="660033"/>
+                </a:solidFill>
+                <a:latin typeface="微軟正黑體" pitchFamily="34" charset="-120"/>
+                <a:ea typeface="微軟正黑體" pitchFamily="34" charset="-120"/>
+              </a:rPr>
               <a:t>使我領受豐盛的恩典</a:t>
             </a:r>
-            <a:endParaRPr lang="en-US" sz="5400" dirty="0"/>
+            <a:endParaRPr lang="en-US" sz="6400" b="1" dirty="0">
+              <a:solidFill>
+                <a:srgbClr val="660033"/>
+              </a:solidFill>
+              <a:latin typeface="微軟正黑體" pitchFamily="34" charset="-120"/>
+              <a:ea typeface="微軟正黑體" pitchFamily="34" charset="-120"/>
+            </a:endParaRPr>
+          </a:p>
+        </p:txBody>
+      </p:sp>
+      <p:sp>
+        <p:nvSpPr>
+          <p:cNvPr id="3" name="TextBox 2"/>
+          <p:cNvSpPr txBox="1"/>
+          <p:nvPr/>
+        </p:nvSpPr>
+        <p:spPr>
+          <a:xfrm>
+            <a:off x="0" y="5157192"/>
+            <a:ext cx="12192000" cy="748988"/>
+          </a:xfrm>
+          <a:prstGeom prst="rect">
+            <a:avLst/>
+          </a:prstGeom>
+          <a:noFill/>
+        </p:spPr>
+        <p:txBody>
+          <a:bodyPr wrap="square" rtlCol="0">
+            <a:spAutoFit/>
+          </a:bodyPr>
+          <a:lstStyle/>
+          <a:p>
+            <a:pPr algn="ctr"/>
+            <a:r>
+              <a:rPr lang="en-US" sz="4267" b="1" dirty="0">
+                <a:solidFill>
+                  <a:srgbClr val="660033"/>
+                </a:solidFill>
+                <a:latin typeface="Microsoft JhengHei" panose="020B0604030504040204" pitchFamily="34" charset="-120"/>
+                <a:ea typeface="Microsoft JhengHei" panose="020B0604030504040204" pitchFamily="34" charset="-120"/>
+              </a:rPr>
+              <a:t>( </a:t>
+            </a:r>
+            <a:r>
+              <a:rPr lang="zh-CN" altLang="en-US" sz="4267" b="1" dirty="0" smtClean="0">
+                <a:solidFill>
+                  <a:srgbClr val="660033"/>
+                </a:solidFill>
+                <a:latin typeface="Microsoft JhengHei" panose="020B0604030504040204" pitchFamily="34" charset="-120"/>
+                <a:ea typeface="Microsoft JhengHei" panose="020B0604030504040204" pitchFamily="34" charset="-120"/>
+              </a:rPr>
+              <a:t>副</a:t>
+            </a:r>
+            <a:r>
+              <a:rPr lang="en-US" sz="4267" b="1" dirty="0" smtClean="0">
+                <a:solidFill>
+                  <a:srgbClr val="660033"/>
+                </a:solidFill>
+                <a:latin typeface="Microsoft JhengHei" panose="020B0604030504040204" pitchFamily="34" charset="-120"/>
+                <a:ea typeface="Microsoft JhengHei" panose="020B0604030504040204" pitchFamily="34" charset="-120"/>
+              </a:rPr>
+              <a:t> </a:t>
+            </a:r>
+            <a:r>
+              <a:rPr lang="en-US" sz="4267" b="1" dirty="0">
+                <a:solidFill>
+                  <a:srgbClr val="660033"/>
+                </a:solidFill>
+                <a:latin typeface="Microsoft JhengHei" panose="020B0604030504040204" pitchFamily="34" charset="-120"/>
+                <a:ea typeface="Microsoft JhengHei" panose="020B0604030504040204" pitchFamily="34" charset="-120"/>
+              </a:rPr>
+              <a:t>)</a:t>
+            </a:r>
+            <a:endParaRPr lang="vi-VN" sz="4267" b="1" dirty="0">
+              <a:solidFill>
+                <a:srgbClr val="660033"/>
+              </a:solidFill>
+              <a:ea typeface="Microsoft JhengHei" panose="020B0604030504040204" pitchFamily="34" charset="-120"/>
+            </a:endParaRPr>
           </a:p>
         </p:txBody>
       </p:sp>
     </p:spTree>
+    <p:extLst>
+      <p:ext uri="{BB962C8B-B14F-4D97-AF65-F5344CB8AC3E}">
+        <p14:creationId xmlns:p14="http://schemas.microsoft.com/office/powerpoint/2010/main" val="4078096446"/>
+      </p:ext>
+    </p:extLst>
   </p:cSld>
   <p:clrMapOvr>
     <a:masterClrMapping/>
@@ -4182,9 +4577,9 @@
 </file>
 
 <file path=ppt/theme/theme1.xml><?xml version="1.0" encoding="utf-8"?>
-<a:theme xmlns:a="http://schemas.openxmlformats.org/drawingml/2006/main" name="Theme3">
+<a:theme xmlns:a="http://schemas.openxmlformats.org/drawingml/2006/main" name="Theme1">
   <a:themeElements>
-    <a:clrScheme name="Lantern">
+    <a:clrScheme name="Office">
       <a:dk1>
         <a:sysClr val="windowText" lastClr="000000"/>
       </a:dk1>
@@ -4192,50 +4587,82 @@
         <a:sysClr val="window" lastClr="FFFFFF"/>
       </a:lt1>
       <a:dk2>
-        <a:srgbClr val="430000"/>
+        <a:srgbClr val="1F497D"/>
       </a:dk2>
       <a:lt2>
-        <a:srgbClr val="FFE8E8"/>
+        <a:srgbClr val="EEECE1"/>
       </a:lt2>
       <a:accent1>
-        <a:srgbClr val="E91201"/>
+        <a:srgbClr val="4F81BD"/>
       </a:accent1>
       <a:accent2>
-        <a:srgbClr val="FF6262"/>
+        <a:srgbClr val="C0504D"/>
       </a:accent2>
       <a:accent3>
-        <a:srgbClr val="FF8000"/>
+        <a:srgbClr val="9BBB59"/>
       </a:accent3>
       <a:accent4>
-        <a:srgbClr val="EEA451"/>
+        <a:srgbClr val="8064A2"/>
       </a:accent4>
       <a:accent5>
-        <a:srgbClr val="EA44C9"/>
+        <a:srgbClr val="4BACC6"/>
       </a:accent5>
       <a:accent6>
-        <a:srgbClr val="D21578"/>
+        <a:srgbClr val="F79646"/>
       </a:accent6>
       <a:hlink>
-        <a:srgbClr val="00B5CE"/>
+        <a:srgbClr val="0000FF"/>
       </a:hlink>
       <a:folHlink>
-        <a:srgbClr val="E17100"/>
+        <a:srgbClr val="800080"/>
       </a:folHlink>
     </a:clrScheme>
-    <a:fontScheme name="Lantern">
+    <a:fontScheme name="Office">
       <a:majorFont>
-        <a:latin typeface="Tw Cen MT"/>
+        <a:latin typeface="Calibri"/>
         <a:ea typeface=""/>
         <a:cs typeface=""/>
-        <a:font script="Cyrl" typeface="Tahoma"/>
-        <a:font script="Grek" typeface="Tahoma"/>
-        <a:font script="Jpan" typeface="HG丸ｺﾞｼｯｸM-PRO"/>
-        <a:font script="Hang" typeface="HY엽서L"/>
-        <a:font script="Hans" typeface="黑体"/>
-        <a:font script="Hant" typeface="微軟正黑體"/>
-        <a:font script="Arab" typeface="Tahoma"/>
-        <a:font script="Hebr" typeface="Tahoma"/>
-        <a:font script="Thai" typeface="Tahoma"/>
+        <a:font script="Jpan" typeface="ＭＳ Ｐゴシック"/>
+        <a:font script="Hang" typeface="맑은 고딕"/>
+        <a:font script="Hans" typeface="宋体"/>
+        <a:font script="Hant" typeface="新細明體"/>
+        <a:font script="Arab" typeface="Times New Roman"/>
+        <a:font script="Hebr" typeface="Times New Roman"/>
+        <a:font script="Thai" typeface="Angsana New"/>
+        <a:font script="Ethi" typeface="Nyala"/>
+        <a:font script="Beng" typeface="Vrinda"/>
+        <a:font script="Gujr" typeface="Shruti"/>
+        <a:font script="Khmr" typeface="MoolBoran"/>
+        <a:font script="Knda" typeface="Tunga"/>
+        <a:font script="Guru" typeface="Raavi"/>
+        <a:font script="Cans" typeface="Euphemia"/>
+        <a:font script="Cher" typeface="Plantagenet Cherokee"/>
+        <a:font script="Yiii" typeface="Microsoft Yi Baiti"/>
+        <a:font script="Tibt" typeface="Microsoft Himalaya"/>
+        <a:font script="Thaa" typeface="MV Boli"/>
+        <a:font script="Deva" typeface="Mangal"/>
+        <a:font script="Telu" typeface="Gautami"/>
+        <a:font script="Taml" typeface="Latha"/>
+        <a:font script="Syrc" typeface="Estrangelo Edessa"/>
+        <a:font script="Orya" typeface="Kalinga"/>
+        <a:font script="Mlym" typeface="Kartika"/>
+        <a:font script="Laoo" typeface="DokChampa"/>
+        <a:font script="Sinh" typeface="Iskoola Pota"/>
+        <a:font script="Mong" typeface="Mongolian Baiti"/>
+        <a:font script="Viet" typeface="Times New Roman"/>
+        <a:font script="Uigh" typeface="Microsoft Uighur"/>
+      </a:majorFont>
+      <a:minorFont>
+        <a:latin typeface="Calibri"/>
+        <a:ea typeface=""/>
+        <a:cs typeface=""/>
+        <a:font script="Jpan" typeface="ＭＳ Ｐゴシック"/>
+        <a:font script="Hang" typeface="맑은 고딕"/>
+        <a:font script="Hans" typeface="宋体"/>
+        <a:font script="Hant" typeface="新細明體"/>
+        <a:font script="Arab" typeface="Arial"/>
+        <a:font script="Hebr" typeface="Arial"/>
+        <a:font script="Thai" typeface="Cordia New"/>
         <a:font script="Ethi" typeface="Nyala"/>
         <a:font script="Beng" typeface="Vrinda"/>
         <a:font script="Gujr" typeface="Shruti"/>
@@ -4256,137 +4683,69 @@
         <a:font script="Laoo" typeface="DokChampa"/>
         <a:font script="Sinh" typeface="Iskoola Pota"/>
         <a:font script="Mong" typeface="Mongolian Baiti"/>
-        <a:font script="Viet" typeface="Tahoma"/>
-        <a:font script="Uigh" typeface="Microsoft Uighur"/>
-      </a:majorFont>
-      <a:minorFont>
-        <a:latin typeface="Calibri"/>
-        <a:ea typeface=""/>
-        <a:cs typeface=""/>
-        <a:font script="Jpan" typeface="HG丸ｺﾞｼｯｸM-PRO"/>
-        <a:font script="Hang" typeface="맑은 고딕"/>
-        <a:font script="Hans" typeface="幼圆"/>
-        <a:font script="Hant" typeface="新細明體"/>
-        <a:font script="Arab" typeface="Arial"/>
-        <a:font script="Hebr" typeface="Arial"/>
-        <a:font script="Thai" typeface="Cordia New"/>
-        <a:font script="Ethi" typeface="Nyala"/>
-        <a:font script="Beng" typeface="Vrinda"/>
-        <a:font script="Gujr" typeface="Shruti"/>
-        <a:font script="Khmr" typeface="MoolBoran"/>
-        <a:font script="Knda" typeface="Tunga"/>
-        <a:font script="Guru" typeface="Raavi"/>
-        <a:font script="Cans" typeface="Euphemia"/>
-        <a:font script="Cher" typeface="Plantagenet Cherokee"/>
-        <a:font script="Yiii" typeface="Microsoft Yi Baiti"/>
-        <a:font script="Tibt" typeface="Microsoft Himalaya"/>
-        <a:font script="Thaa" typeface="MV Boli"/>
-        <a:font script="Deva" typeface="Mangal"/>
-        <a:font script="Telu" typeface="Gautami"/>
-        <a:font script="Taml" typeface="Latha"/>
-        <a:font script="Syrc" typeface="Estrangelo Edessa"/>
-        <a:font script="Orya" typeface="Kalinga"/>
-        <a:font script="Mlym" typeface="Kartika"/>
-        <a:font script="Laoo" typeface="DokChampa"/>
-        <a:font script="Sinh" typeface="Iskoola Pota"/>
-        <a:font script="Mong" typeface="Mongolian Baiti"/>
         <a:font script="Viet" typeface="Arial"/>
         <a:font script="Uigh" typeface="Microsoft Uighur"/>
       </a:minorFont>
     </a:fontScheme>
-    <a:fmtScheme name="Lantern">
+    <a:fmtScheme name="Office">
       <a:fillStyleLst>
         <a:solidFill>
-          <a:schemeClr val="phClr">
-            <a:tint val="100000"/>
-            <a:shade val="100000"/>
-            <a:hueMod val="100000"/>
-            <a:satMod val="100000"/>
-          </a:schemeClr>
+          <a:schemeClr val="phClr"/>
         </a:solidFill>
         <a:gradFill rotWithShape="1">
           <a:gsLst>
             <a:gs pos="0">
               <a:schemeClr val="phClr">
-                <a:tint val="10000"/>
-                <a:shade val="100000"/>
-                <a:hueMod val="100000"/>
-                <a:satMod val="100000"/>
+                <a:tint val="50000"/>
+                <a:satMod val="300000"/>
               </a:schemeClr>
             </a:gs>
-            <a:gs pos="10000">
+            <a:gs pos="35000">
               <a:schemeClr val="phClr">
-                <a:tint val="30000"/>
-                <a:shade val="100000"/>
-                <a:hueMod val="100000"/>
-                <a:satMod val="100000"/>
-              </a:schemeClr>
-            </a:gs>
-            <a:gs pos="30000">
-              <a:schemeClr val="phClr">
-                <a:tint val="80000"/>
-                <a:shade val="100000"/>
-                <a:hueMod val="100000"/>
-                <a:satMod val="100000"/>
+                <a:tint val="37000"/>
+                <a:satMod val="300000"/>
               </a:schemeClr>
             </a:gs>
             <a:gs pos="100000">
               <a:schemeClr val="phClr">
-                <a:tint val="100000"/>
-                <a:shade val="100000"/>
-                <a:hueMod val="100000"/>
-                <a:satMod val="100000"/>
+                <a:tint val="15000"/>
+                <a:satMod val="350000"/>
               </a:schemeClr>
             </a:gs>
           </a:gsLst>
-          <a:path path="circle">
-            <a:fillToRect r="100000" b="100000"/>
-          </a:path>
+          <a:lin ang="16200000" scaled="1"/>
         </a:gradFill>
         <a:gradFill rotWithShape="1">
           <a:gsLst>
             <a:gs pos="0">
               <a:schemeClr val="phClr">
-                <a:tint val="90000"/>
-                <a:shade val="100000"/>
-                <a:hueMod val="100000"/>
-                <a:satMod val="100000"/>
+                <a:shade val="51000"/>
+                <a:satMod val="130000"/>
               </a:schemeClr>
             </a:gs>
-            <a:gs pos="10000">
+            <a:gs pos="80000">
               <a:schemeClr val="phClr">
-                <a:tint val="90000"/>
-                <a:shade val="80000"/>
-                <a:hueMod val="100000"/>
-                <a:satMod val="100000"/>
-              </a:schemeClr>
-            </a:gs>
-            <a:gs pos="30000">
-              <a:schemeClr val="phClr">
-                <a:tint val="100000"/>
-                <a:shade val="50000"/>
-                <a:hueMod val="100000"/>
-                <a:satMod val="100000"/>
+                <a:shade val="93000"/>
+                <a:satMod val="130000"/>
               </a:schemeClr>
             </a:gs>
             <a:gs pos="100000">
               <a:schemeClr val="phClr">
-                <a:tint val="100000"/>
-                <a:shade val="20000"/>
-                <a:hueMod val="100000"/>
-                <a:satMod val="100000"/>
+                <a:shade val="94000"/>
+                <a:satMod val="135000"/>
               </a:schemeClr>
             </a:gs>
           </a:gsLst>
-          <a:path path="circle">
-            <a:fillToRect r="100000" b="100000"/>
-          </a:path>
+          <a:lin ang="16200000" scaled="0"/>
         </a:gradFill>
       </a:fillStyleLst>
       <a:lnStyleLst>
-        <a:ln w="12700" cap="flat" cmpd="sng" algn="ctr">
+        <a:ln w="9525" cap="flat" cmpd="sng" algn="ctr">
           <a:solidFill>
-            <a:schemeClr val="phClr"/>
+            <a:schemeClr val="phClr">
+              <a:shade val="95000"/>
+              <a:satMod val="105000"/>
+            </a:schemeClr>
           </a:solidFill>
           <a:prstDash val="solid"/>
         </a:ln>
@@ -4396,7 +4755,7 @@
           </a:solidFill>
           <a:prstDash val="solid"/>
         </a:ln>
-        <a:ln w="38100" cap="flat" cmpd="dbl" algn="ctr">
+        <a:ln w="38100" cap="flat" cmpd="sng" algn="ctr">
           <a:solidFill>
             <a:schemeClr val="phClr"/>
           </a:solidFill>
@@ -4406,151 +4765,101 @@
       <a:effectStyleLst>
         <a:effectStyle>
           <a:effectLst>
-            <a:glow>
-              <a:schemeClr val="phClr">
-                <a:tint val="100000"/>
-                <a:shade val="100000"/>
-                <a:hueMod val="100000"/>
-                <a:satMod val="100000"/>
-              </a:schemeClr>
-            </a:glow>
+            <a:outerShdw blurRad="40000" dist="20000" dir="5400000" rotWithShape="0">
+              <a:srgbClr val="000000">
+                <a:alpha val="38000"/>
+              </a:srgbClr>
+            </a:outerShdw>
           </a:effectLst>
         </a:effectStyle>
         <a:effectStyle>
           <a:effectLst>
-            <a:glow>
-              <a:schemeClr val="phClr">
-                <a:tint val="100000"/>
-                <a:shade val="100000"/>
-                <a:hueMod val="100000"/>
-                <a:satMod val="100000"/>
-              </a:schemeClr>
-            </a:glow>
+            <a:outerShdw blurRad="40000" dist="23000" dir="5400000" rotWithShape="0">
+              <a:srgbClr val="000000">
+                <a:alpha val="35000"/>
+              </a:srgbClr>
+            </a:outerShdw>
           </a:effectLst>
-          <a:scene3d>
-            <a:camera prst="orthographicFront"/>
-            <a:lightRig rig="chilly" dir="tl">
-              <a:rot lat="0" lon="0" rev="2700000"/>
-            </a:lightRig>
-          </a:scene3d>
-          <a:sp3d prstMaterial="matte">
-            <a:bevelT/>
-            <a:contourClr>
-              <a:schemeClr val="bg2">
-                <a:tint val="10000"/>
-              </a:schemeClr>
-            </a:contourClr>
-          </a:sp3d>
         </a:effectStyle>
         <a:effectStyle>
           <a:effectLst>
-            <a:glow>
-              <a:schemeClr val="phClr">
-                <a:tint val="100000"/>
-                <a:shade val="100000"/>
-                <a:hueMod val="100000"/>
-                <a:satMod val="100000"/>
-              </a:schemeClr>
-            </a:glow>
+            <a:outerShdw blurRad="40000" dist="23000" dir="5400000" rotWithShape="0">
+              <a:srgbClr val="000000">
+                <a:alpha val="35000"/>
+              </a:srgbClr>
+            </a:outerShdw>
           </a:effectLst>
           <a:scene3d>
-            <a:camera prst="orthographicFront"/>
-            <a:lightRig rig="twoPt" dir="t">
-              <a:rot lat="0" lon="0" rev="8100000"/>
+            <a:camera prst="orthographicFront">
+              <a:rot lat="0" lon="0" rev="0"/>
+            </a:camera>
+            <a:lightRig rig="threePt" dir="t">
+              <a:rot lat="0" lon="0" rev="1200000"/>
             </a:lightRig>
           </a:scene3d>
-          <a:sp3d prstMaterial="matte">
-            <a:bevelT/>
-            <a:bevelB w="0" h="0"/>
-            <a:extrusionClr>
-              <a:schemeClr val="bg1"/>
-            </a:extrusionClr>
+          <a:sp3d>
+            <a:bevelT w="63500" h="25400"/>
           </a:sp3d>
         </a:effectStyle>
       </a:effectStyleLst>
       <a:bgFillStyleLst>
+        <a:solidFill>
+          <a:schemeClr val="phClr"/>
+        </a:solidFill>
         <a:gradFill rotWithShape="1">
           <a:gsLst>
             <a:gs pos="0">
               <a:schemeClr val="phClr">
-                <a:tint val="100000"/>
-                <a:shade val="100000"/>
-                <a:hueMod val="100000"/>
-                <a:satMod val="100000"/>
-                <a:lum val="90000"/>
+                <a:tint val="40000"/>
+                <a:satMod val="350000"/>
               </a:schemeClr>
             </a:gs>
-            <a:gs pos="5000">
+            <a:gs pos="40000">
               <a:schemeClr val="phClr">
-                <a:tint val="100000"/>
-                <a:shade val="100000"/>
-                <a:hueMod val="100000"/>
-                <a:satMod val="100000"/>
-                <a:lum val="80000"/>
-              </a:schemeClr>
-            </a:gs>
-            <a:gs pos="10000">
-              <a:schemeClr val="phClr">
-                <a:tint val="100000"/>
-                <a:shade val="100000"/>
-                <a:hueMod val="100000"/>
-                <a:satMod val="100000"/>
-                <a:lum val="80000"/>
+                <a:tint val="45000"/>
+                <a:shade val="99000"/>
+                <a:satMod val="350000"/>
               </a:schemeClr>
             </a:gs>
             <a:gs pos="100000">
               <a:schemeClr val="phClr">
-                <a:tint val="100000"/>
-                <a:shade val="100000"/>
-                <a:hueMod val="100000"/>
-                <a:satMod val="100000"/>
+                <a:shade val="20000"/>
+                <a:satMod val="255000"/>
               </a:schemeClr>
             </a:gs>
           </a:gsLst>
           <a:path path="circle">
-            <a:fillToRect r="100000" b="100000"/>
+            <a:fillToRect l="50000" t="-80000" r="50000" b="180000"/>
           </a:path>
         </a:gradFill>
-        <a:blipFill>
-          <a:blip xmlns:r="http://schemas.openxmlformats.org/officeDocument/2006/relationships" r:embed="rId1">
-            <a:duotone>
+        <a:gradFill rotWithShape="1">
+          <a:gsLst>
+            <a:gs pos="0">
               <a:schemeClr val="phClr">
-                <a:tint val="100000"/>
-                <a:shade val="100000"/>
-                <a:hueMod val="100000"/>
-                <a:satMod val="70000"/>
+                <a:tint val="80000"/>
+                <a:satMod val="300000"/>
               </a:schemeClr>
-              <a:srgbClr val="F07800">
-                <a:alpha val="77647"/>
-              </a:srgbClr>
-            </a:duotone>
-          </a:blip>
-          <a:stretch>
-            <a:fillRect/>
-          </a:stretch>
-        </a:blipFill>
-        <a:blipFill>
-          <a:blip xmlns:r="http://schemas.openxmlformats.org/officeDocument/2006/relationships" r:embed="rId2">
-            <a:duotone>
+            </a:gs>
+            <a:gs pos="100000">
               <a:schemeClr val="phClr">
-                <a:tint val="100000"/>
-                <a:shade val="100000"/>
-                <a:hueMod val="100000"/>
-                <a:satMod val="70000"/>
+                <a:shade val="30000"/>
+                <a:satMod val="200000"/>
               </a:schemeClr>
-              <a:srgbClr val="F07800">
-                <a:alpha val="77647"/>
-              </a:srgbClr>
-            </a:duotone>
-          </a:blip>
-          <a:stretch>
-            <a:fillRect/>
-          </a:stretch>
-        </a:blipFill>
+            </a:gs>
+          </a:gsLst>
+          <a:path path="circle">
+            <a:fillToRect l="50000" t="50000" r="50000" b="50000"/>
+          </a:path>
+        </a:gradFill>
       </a:bgFillStyleLst>
     </a:fmtScheme>
   </a:themeElements>
   <a:objectDefaults/>
   <a:extraClrSchemeLst/>
+  <a:extLst>
+    <a:ext uri="{05A4C25C-085E-4340-85A3-A5531E510DB2}">
+      <thm15:themeFamily xmlns:thm15="http://schemas.microsoft.com/office/thememl/2012/main" name="Theme1" id="{1A8DE197-990E-4893-BF04-3823FBB50F9A}" vid="{430B7048-5A04-4BDB-939A-C7E865DB887B}"/>
+    </a:ext>
+  </a:extLst>
 </a:theme>
 </file>